--- a/DSDBA Project.pptx
+++ b/DSDBA Project.pptx
@@ -8,12 +8,13 @@
     <p:sldId id="256" r:id="rId2"/>
     <p:sldId id="257" r:id="rId3"/>
     <p:sldId id="261" r:id="rId4"/>
-    <p:sldId id="263" r:id="rId5"/>
-    <p:sldId id="264" r:id="rId6"/>
-    <p:sldId id="258" r:id="rId7"/>
-    <p:sldId id="259" r:id="rId8"/>
-    <p:sldId id="260" r:id="rId9"/>
-    <p:sldId id="262" r:id="rId10"/>
+    <p:sldId id="264" r:id="rId5"/>
+    <p:sldId id="258" r:id="rId6"/>
+    <p:sldId id="259" r:id="rId7"/>
+    <p:sldId id="260" r:id="rId8"/>
+    <p:sldId id="265" r:id="rId9"/>
+    <p:sldId id="266" r:id="rId10"/>
+    <p:sldId id="267" r:id="rId11"/>
   </p:sldIdLst>
   <p:sldSz cx="12192000" cy="6858000"/>
   <p:notesSz cx="6858000" cy="9144000"/>
@@ -162,10 +163,9 @@
           </a:lstStyle>
           <a:p>
             <a:r>
-              <a:rPr lang="fi-FI" smtClean="0"/>
+              <a:rPr lang="fi-FI"/>
               <a:t>Muokkaa perustyyl. napsautt.</a:t>
             </a:r>
-            <a:endParaRPr lang="fi-FI"/>
           </a:p>
         </p:txBody>
       </p:sp>
@@ -227,10 +227,9 @@
           </a:lstStyle>
           <a:p>
             <a:r>
-              <a:rPr lang="fi-FI" smtClean="0"/>
+              <a:rPr lang="fi-FI"/>
               <a:t>Muokkaa alaotsikon perustyyliä napsautt.</a:t>
             </a:r>
-            <a:endParaRPr lang="fi-FI"/>
           </a:p>
         </p:txBody>
       </p:sp>
@@ -251,7 +250,7 @@
           <a:p>
             <a:fld id="{41494F92-AE57-45FE-97AD-ADB495EA8857}" type="datetimeFigureOut">
               <a:rPr lang="fi-FI" smtClean="0"/>
-              <a:t>26.6.2023</a:t>
+              <a:t>27.6.2023</a:t>
             </a:fld>
             <a:endParaRPr lang="fi-FI"/>
           </a:p>
@@ -345,10 +344,9 @@
           <a:lstStyle/>
           <a:p>
             <a:r>
-              <a:rPr lang="fi-FI" smtClean="0"/>
+              <a:rPr lang="fi-FI"/>
               <a:t>Muokkaa perustyyl. napsautt.</a:t>
             </a:r>
-            <a:endParaRPr lang="fi-FI"/>
           </a:p>
         </p:txBody>
       </p:sp>
@@ -369,38 +367,37 @@
           <a:p>
             <a:pPr lvl="0"/>
             <a:r>
-              <a:rPr lang="fi-FI" smtClean="0"/>
+              <a:rPr lang="fi-FI"/>
               <a:t>Muokkaa tekstin perustyylejä</a:t>
             </a:r>
           </a:p>
           <a:p>
             <a:pPr lvl="1"/>
             <a:r>
-              <a:rPr lang="fi-FI" smtClean="0"/>
+              <a:rPr lang="fi-FI"/>
               <a:t>toinen taso</a:t>
             </a:r>
           </a:p>
           <a:p>
             <a:pPr lvl="2"/>
             <a:r>
-              <a:rPr lang="fi-FI" smtClean="0"/>
+              <a:rPr lang="fi-FI"/>
               <a:t>kolmas taso</a:t>
             </a:r>
           </a:p>
           <a:p>
             <a:pPr lvl="3"/>
             <a:r>
-              <a:rPr lang="fi-FI" smtClean="0"/>
+              <a:rPr lang="fi-FI"/>
               <a:t>neljäs taso</a:t>
             </a:r>
           </a:p>
           <a:p>
             <a:pPr lvl="4"/>
             <a:r>
-              <a:rPr lang="fi-FI" smtClean="0"/>
+              <a:rPr lang="fi-FI"/>
               <a:t>viides taso</a:t>
             </a:r>
-            <a:endParaRPr lang="fi-FI"/>
           </a:p>
         </p:txBody>
       </p:sp>
@@ -421,7 +418,7 @@
           <a:p>
             <a:fld id="{41494F92-AE57-45FE-97AD-ADB495EA8857}" type="datetimeFigureOut">
               <a:rPr lang="fi-FI" smtClean="0"/>
-              <a:t>26.6.2023</a:t>
+              <a:t>27.6.2023</a:t>
             </a:fld>
             <a:endParaRPr lang="fi-FI"/>
           </a:p>
@@ -520,10 +517,9 @@
           <a:lstStyle/>
           <a:p>
             <a:r>
-              <a:rPr lang="fi-FI" smtClean="0"/>
+              <a:rPr lang="fi-FI"/>
               <a:t>Muokkaa perustyyl. napsautt.</a:t>
             </a:r>
-            <a:endParaRPr lang="fi-FI"/>
           </a:p>
         </p:txBody>
       </p:sp>
@@ -549,38 +545,37 @@
           <a:p>
             <a:pPr lvl="0"/>
             <a:r>
-              <a:rPr lang="fi-FI" smtClean="0"/>
+              <a:rPr lang="fi-FI"/>
               <a:t>Muokkaa tekstin perustyylejä</a:t>
             </a:r>
           </a:p>
           <a:p>
             <a:pPr lvl="1"/>
             <a:r>
-              <a:rPr lang="fi-FI" smtClean="0"/>
+              <a:rPr lang="fi-FI"/>
               <a:t>toinen taso</a:t>
             </a:r>
           </a:p>
           <a:p>
             <a:pPr lvl="2"/>
             <a:r>
-              <a:rPr lang="fi-FI" smtClean="0"/>
+              <a:rPr lang="fi-FI"/>
               <a:t>kolmas taso</a:t>
             </a:r>
           </a:p>
           <a:p>
             <a:pPr lvl="3"/>
             <a:r>
-              <a:rPr lang="fi-FI" smtClean="0"/>
+              <a:rPr lang="fi-FI"/>
               <a:t>neljäs taso</a:t>
             </a:r>
           </a:p>
           <a:p>
             <a:pPr lvl="4"/>
             <a:r>
-              <a:rPr lang="fi-FI" smtClean="0"/>
+              <a:rPr lang="fi-FI"/>
               <a:t>viides taso</a:t>
             </a:r>
-            <a:endParaRPr lang="fi-FI"/>
           </a:p>
         </p:txBody>
       </p:sp>
@@ -601,7 +596,7 @@
           <a:p>
             <a:fld id="{41494F92-AE57-45FE-97AD-ADB495EA8857}" type="datetimeFigureOut">
               <a:rPr lang="fi-FI" smtClean="0"/>
-              <a:t>26.6.2023</a:t>
+              <a:t>27.6.2023</a:t>
             </a:fld>
             <a:endParaRPr lang="fi-FI"/>
           </a:p>
@@ -695,10 +690,9 @@
           <a:lstStyle/>
           <a:p>
             <a:r>
-              <a:rPr lang="fi-FI" smtClean="0"/>
+              <a:rPr lang="fi-FI"/>
               <a:t>Muokkaa perustyyl. napsautt.</a:t>
             </a:r>
-            <a:endParaRPr lang="fi-FI"/>
           </a:p>
         </p:txBody>
       </p:sp>
@@ -719,38 +713,37 @@
           <a:p>
             <a:pPr lvl="0"/>
             <a:r>
-              <a:rPr lang="fi-FI" smtClean="0"/>
+              <a:rPr lang="fi-FI"/>
               <a:t>Muokkaa tekstin perustyylejä</a:t>
             </a:r>
           </a:p>
           <a:p>
             <a:pPr lvl="1"/>
             <a:r>
-              <a:rPr lang="fi-FI" smtClean="0"/>
+              <a:rPr lang="fi-FI"/>
               <a:t>toinen taso</a:t>
             </a:r>
           </a:p>
           <a:p>
             <a:pPr lvl="2"/>
             <a:r>
-              <a:rPr lang="fi-FI" smtClean="0"/>
+              <a:rPr lang="fi-FI"/>
               <a:t>kolmas taso</a:t>
             </a:r>
           </a:p>
           <a:p>
             <a:pPr lvl="3"/>
             <a:r>
-              <a:rPr lang="fi-FI" smtClean="0"/>
+              <a:rPr lang="fi-FI"/>
               <a:t>neljäs taso</a:t>
             </a:r>
           </a:p>
           <a:p>
             <a:pPr lvl="4"/>
             <a:r>
-              <a:rPr lang="fi-FI" smtClean="0"/>
+              <a:rPr lang="fi-FI"/>
               <a:t>viides taso</a:t>
             </a:r>
-            <a:endParaRPr lang="fi-FI"/>
           </a:p>
         </p:txBody>
       </p:sp>
@@ -771,7 +764,7 @@
           <a:p>
             <a:fld id="{41494F92-AE57-45FE-97AD-ADB495EA8857}" type="datetimeFigureOut">
               <a:rPr lang="fi-FI" smtClean="0"/>
-              <a:t>26.6.2023</a:t>
+              <a:t>27.6.2023</a:t>
             </a:fld>
             <a:endParaRPr lang="fi-FI"/>
           </a:p>
@@ -874,10 +867,9 @@
           </a:lstStyle>
           <a:p>
             <a:r>
-              <a:rPr lang="fi-FI" smtClean="0"/>
+              <a:rPr lang="fi-FI"/>
               <a:t>Muokkaa perustyyl. napsautt.</a:t>
             </a:r>
-            <a:endParaRPr lang="fi-FI"/>
           </a:p>
         </p:txBody>
       </p:sp>
@@ -994,7 +986,7 @@
           <a:p>
             <a:pPr lvl="0"/>
             <a:r>
-              <a:rPr lang="fi-FI" smtClean="0"/>
+              <a:rPr lang="fi-FI"/>
               <a:t>Muokkaa tekstin perustyylejä</a:t>
             </a:r>
           </a:p>
@@ -1017,7 +1009,7 @@
           <a:p>
             <a:fld id="{41494F92-AE57-45FE-97AD-ADB495EA8857}" type="datetimeFigureOut">
               <a:rPr lang="fi-FI" smtClean="0"/>
-              <a:t>26.6.2023</a:t>
+              <a:t>27.6.2023</a:t>
             </a:fld>
             <a:endParaRPr lang="fi-FI"/>
           </a:p>
@@ -1111,10 +1103,9 @@
           <a:lstStyle/>
           <a:p>
             <a:r>
-              <a:rPr lang="fi-FI" smtClean="0"/>
+              <a:rPr lang="fi-FI"/>
               <a:t>Muokkaa perustyyl. napsautt.</a:t>
             </a:r>
-            <a:endParaRPr lang="fi-FI"/>
           </a:p>
         </p:txBody>
       </p:sp>
@@ -1140,38 +1131,37 @@
           <a:p>
             <a:pPr lvl="0"/>
             <a:r>
-              <a:rPr lang="fi-FI" smtClean="0"/>
+              <a:rPr lang="fi-FI"/>
               <a:t>Muokkaa tekstin perustyylejä</a:t>
             </a:r>
           </a:p>
           <a:p>
             <a:pPr lvl="1"/>
             <a:r>
-              <a:rPr lang="fi-FI" smtClean="0"/>
+              <a:rPr lang="fi-FI"/>
               <a:t>toinen taso</a:t>
             </a:r>
           </a:p>
           <a:p>
             <a:pPr lvl="2"/>
             <a:r>
-              <a:rPr lang="fi-FI" smtClean="0"/>
+              <a:rPr lang="fi-FI"/>
               <a:t>kolmas taso</a:t>
             </a:r>
           </a:p>
           <a:p>
             <a:pPr lvl="3"/>
             <a:r>
-              <a:rPr lang="fi-FI" smtClean="0"/>
+              <a:rPr lang="fi-FI"/>
               <a:t>neljäs taso</a:t>
             </a:r>
           </a:p>
           <a:p>
             <a:pPr lvl="4"/>
             <a:r>
-              <a:rPr lang="fi-FI" smtClean="0"/>
+              <a:rPr lang="fi-FI"/>
               <a:t>viides taso</a:t>
             </a:r>
-            <a:endParaRPr lang="fi-FI"/>
           </a:p>
         </p:txBody>
       </p:sp>
@@ -1197,38 +1187,37 @@
           <a:p>
             <a:pPr lvl="0"/>
             <a:r>
-              <a:rPr lang="fi-FI" smtClean="0"/>
+              <a:rPr lang="fi-FI"/>
               <a:t>Muokkaa tekstin perustyylejä</a:t>
             </a:r>
           </a:p>
           <a:p>
             <a:pPr lvl="1"/>
             <a:r>
-              <a:rPr lang="fi-FI" smtClean="0"/>
+              <a:rPr lang="fi-FI"/>
               <a:t>toinen taso</a:t>
             </a:r>
           </a:p>
           <a:p>
             <a:pPr lvl="2"/>
             <a:r>
-              <a:rPr lang="fi-FI" smtClean="0"/>
+              <a:rPr lang="fi-FI"/>
               <a:t>kolmas taso</a:t>
             </a:r>
           </a:p>
           <a:p>
             <a:pPr lvl="3"/>
             <a:r>
-              <a:rPr lang="fi-FI" smtClean="0"/>
+              <a:rPr lang="fi-FI"/>
               <a:t>neljäs taso</a:t>
             </a:r>
           </a:p>
           <a:p>
             <a:pPr lvl="4"/>
             <a:r>
-              <a:rPr lang="fi-FI" smtClean="0"/>
+              <a:rPr lang="fi-FI"/>
               <a:t>viides taso</a:t>
             </a:r>
-            <a:endParaRPr lang="fi-FI"/>
           </a:p>
         </p:txBody>
       </p:sp>
@@ -1249,7 +1238,7 @@
           <a:p>
             <a:fld id="{41494F92-AE57-45FE-97AD-ADB495EA8857}" type="datetimeFigureOut">
               <a:rPr lang="fi-FI" smtClean="0"/>
-              <a:t>26.6.2023</a:t>
+              <a:t>27.6.2023</a:t>
             </a:fld>
             <a:endParaRPr lang="fi-FI"/>
           </a:p>
@@ -1348,10 +1337,9 @@
           <a:lstStyle/>
           <a:p>
             <a:r>
-              <a:rPr lang="fi-FI" smtClean="0"/>
+              <a:rPr lang="fi-FI"/>
               <a:t>Muokkaa perustyyl. napsautt.</a:t>
             </a:r>
-            <a:endParaRPr lang="fi-FI"/>
           </a:p>
         </p:txBody>
       </p:sp>
@@ -1414,7 +1402,7 @@
           <a:p>
             <a:pPr lvl="0"/>
             <a:r>
-              <a:rPr lang="fi-FI" smtClean="0"/>
+              <a:rPr lang="fi-FI"/>
               <a:t>Muokkaa tekstin perustyylejä</a:t>
             </a:r>
           </a:p>
@@ -1442,38 +1430,37 @@
           <a:p>
             <a:pPr lvl="0"/>
             <a:r>
-              <a:rPr lang="fi-FI" smtClean="0"/>
+              <a:rPr lang="fi-FI"/>
               <a:t>Muokkaa tekstin perustyylejä</a:t>
             </a:r>
           </a:p>
           <a:p>
             <a:pPr lvl="1"/>
             <a:r>
-              <a:rPr lang="fi-FI" smtClean="0"/>
+              <a:rPr lang="fi-FI"/>
               <a:t>toinen taso</a:t>
             </a:r>
           </a:p>
           <a:p>
             <a:pPr lvl="2"/>
             <a:r>
-              <a:rPr lang="fi-FI" smtClean="0"/>
+              <a:rPr lang="fi-FI"/>
               <a:t>kolmas taso</a:t>
             </a:r>
           </a:p>
           <a:p>
             <a:pPr lvl="3"/>
             <a:r>
-              <a:rPr lang="fi-FI" smtClean="0"/>
+              <a:rPr lang="fi-FI"/>
               <a:t>neljäs taso</a:t>
             </a:r>
           </a:p>
           <a:p>
             <a:pPr lvl="4"/>
             <a:r>
-              <a:rPr lang="fi-FI" smtClean="0"/>
+              <a:rPr lang="fi-FI"/>
               <a:t>viides taso</a:t>
             </a:r>
-            <a:endParaRPr lang="fi-FI"/>
           </a:p>
         </p:txBody>
       </p:sp>
@@ -1536,7 +1523,7 @@
           <a:p>
             <a:pPr lvl="0"/>
             <a:r>
-              <a:rPr lang="fi-FI" smtClean="0"/>
+              <a:rPr lang="fi-FI"/>
               <a:t>Muokkaa tekstin perustyylejä</a:t>
             </a:r>
           </a:p>
@@ -1564,38 +1551,37 @@
           <a:p>
             <a:pPr lvl="0"/>
             <a:r>
-              <a:rPr lang="fi-FI" smtClean="0"/>
+              <a:rPr lang="fi-FI"/>
               <a:t>Muokkaa tekstin perustyylejä</a:t>
             </a:r>
           </a:p>
           <a:p>
             <a:pPr lvl="1"/>
             <a:r>
-              <a:rPr lang="fi-FI" smtClean="0"/>
+              <a:rPr lang="fi-FI"/>
               <a:t>toinen taso</a:t>
             </a:r>
           </a:p>
           <a:p>
             <a:pPr lvl="2"/>
             <a:r>
-              <a:rPr lang="fi-FI" smtClean="0"/>
+              <a:rPr lang="fi-FI"/>
               <a:t>kolmas taso</a:t>
             </a:r>
           </a:p>
           <a:p>
             <a:pPr lvl="3"/>
             <a:r>
-              <a:rPr lang="fi-FI" smtClean="0"/>
+              <a:rPr lang="fi-FI"/>
               <a:t>neljäs taso</a:t>
             </a:r>
           </a:p>
           <a:p>
             <a:pPr lvl="4"/>
             <a:r>
-              <a:rPr lang="fi-FI" smtClean="0"/>
+              <a:rPr lang="fi-FI"/>
               <a:t>viides taso</a:t>
             </a:r>
-            <a:endParaRPr lang="fi-FI"/>
           </a:p>
         </p:txBody>
       </p:sp>
@@ -1616,7 +1602,7 @@
           <a:p>
             <a:fld id="{41494F92-AE57-45FE-97AD-ADB495EA8857}" type="datetimeFigureOut">
               <a:rPr lang="fi-FI" smtClean="0"/>
-              <a:t>26.6.2023</a:t>
+              <a:t>27.6.2023</a:t>
             </a:fld>
             <a:endParaRPr lang="fi-FI"/>
           </a:p>
@@ -1710,10 +1696,9 @@
           <a:lstStyle/>
           <a:p>
             <a:r>
-              <a:rPr lang="fi-FI" smtClean="0"/>
+              <a:rPr lang="fi-FI"/>
               <a:t>Muokkaa perustyyl. napsautt.</a:t>
             </a:r>
-            <a:endParaRPr lang="fi-FI"/>
           </a:p>
         </p:txBody>
       </p:sp>
@@ -1734,7 +1719,7 @@
           <a:p>
             <a:fld id="{41494F92-AE57-45FE-97AD-ADB495EA8857}" type="datetimeFigureOut">
               <a:rPr lang="fi-FI" smtClean="0"/>
-              <a:t>26.6.2023</a:t>
+              <a:t>27.6.2023</a:t>
             </a:fld>
             <a:endParaRPr lang="fi-FI"/>
           </a:p>
@@ -1829,7 +1814,7 @@
           <a:p>
             <a:fld id="{41494F92-AE57-45FE-97AD-ADB495EA8857}" type="datetimeFigureOut">
               <a:rPr lang="fi-FI" smtClean="0"/>
-              <a:t>26.6.2023</a:t>
+              <a:t>27.6.2023</a:t>
             </a:fld>
             <a:endParaRPr lang="fi-FI"/>
           </a:p>
@@ -1932,10 +1917,9 @@
           </a:lstStyle>
           <a:p>
             <a:r>
-              <a:rPr lang="fi-FI" smtClean="0"/>
+              <a:rPr lang="fi-FI"/>
               <a:t>Muokkaa perustyyl. napsautt.</a:t>
             </a:r>
-            <a:endParaRPr lang="fi-FI"/>
           </a:p>
         </p:txBody>
       </p:sp>
@@ -1989,38 +1973,37 @@
           <a:p>
             <a:pPr lvl="0"/>
             <a:r>
-              <a:rPr lang="fi-FI" smtClean="0"/>
+              <a:rPr lang="fi-FI"/>
               <a:t>Muokkaa tekstin perustyylejä</a:t>
             </a:r>
           </a:p>
           <a:p>
             <a:pPr lvl="1"/>
             <a:r>
-              <a:rPr lang="fi-FI" smtClean="0"/>
+              <a:rPr lang="fi-FI"/>
               <a:t>toinen taso</a:t>
             </a:r>
           </a:p>
           <a:p>
             <a:pPr lvl="2"/>
             <a:r>
-              <a:rPr lang="fi-FI" smtClean="0"/>
+              <a:rPr lang="fi-FI"/>
               <a:t>kolmas taso</a:t>
             </a:r>
           </a:p>
           <a:p>
             <a:pPr lvl="3"/>
             <a:r>
-              <a:rPr lang="fi-FI" smtClean="0"/>
+              <a:rPr lang="fi-FI"/>
               <a:t>neljäs taso</a:t>
             </a:r>
           </a:p>
           <a:p>
             <a:pPr lvl="4"/>
             <a:r>
-              <a:rPr lang="fi-FI" smtClean="0"/>
+              <a:rPr lang="fi-FI"/>
               <a:t>viides taso</a:t>
             </a:r>
-            <a:endParaRPr lang="fi-FI"/>
           </a:p>
         </p:txBody>
       </p:sp>
@@ -2083,7 +2066,7 @@
           <a:p>
             <a:pPr lvl="0"/>
             <a:r>
-              <a:rPr lang="fi-FI" smtClean="0"/>
+              <a:rPr lang="fi-FI"/>
               <a:t>Muokkaa tekstin perustyylejä</a:t>
             </a:r>
           </a:p>
@@ -2106,7 +2089,7 @@
           <a:p>
             <a:fld id="{41494F92-AE57-45FE-97AD-ADB495EA8857}" type="datetimeFigureOut">
               <a:rPr lang="fi-FI" smtClean="0"/>
-              <a:t>26.6.2023</a:t>
+              <a:t>27.6.2023</a:t>
             </a:fld>
             <a:endParaRPr lang="fi-FI"/>
           </a:p>
@@ -2209,10 +2192,9 @@
           </a:lstStyle>
           <a:p>
             <a:r>
-              <a:rPr lang="fi-FI" smtClean="0"/>
+              <a:rPr lang="fi-FI"/>
               <a:t>Muokkaa perustyyl. napsautt.</a:t>
             </a:r>
-            <a:endParaRPr lang="fi-FI"/>
           </a:p>
         </p:txBody>
       </p:sp>
@@ -2336,7 +2318,7 @@
           <a:p>
             <a:pPr lvl="0"/>
             <a:r>
-              <a:rPr lang="fi-FI" smtClean="0"/>
+              <a:rPr lang="fi-FI"/>
               <a:t>Muokkaa tekstin perustyylejä</a:t>
             </a:r>
           </a:p>
@@ -2359,7 +2341,7 @@
           <a:p>
             <a:fld id="{41494F92-AE57-45FE-97AD-ADB495EA8857}" type="datetimeFigureOut">
               <a:rPr lang="fi-FI" smtClean="0"/>
-              <a:t>26.6.2023</a:t>
+              <a:t>27.6.2023</a:t>
             </a:fld>
             <a:endParaRPr lang="fi-FI"/>
           </a:p>
@@ -2468,10 +2450,9 @@
           <a:lstStyle/>
           <a:p>
             <a:r>
-              <a:rPr lang="fi-FI" smtClean="0"/>
+              <a:rPr lang="fi-FI"/>
               <a:t>Muokkaa perustyyl. napsautt.</a:t>
             </a:r>
-            <a:endParaRPr lang="fi-FI"/>
           </a:p>
         </p:txBody>
       </p:sp>
@@ -2502,38 +2483,37 @@
           <a:p>
             <a:pPr lvl="0"/>
             <a:r>
-              <a:rPr lang="fi-FI" smtClean="0"/>
+              <a:rPr lang="fi-FI"/>
               <a:t>Muokkaa tekstin perustyylejä</a:t>
             </a:r>
           </a:p>
           <a:p>
             <a:pPr lvl="1"/>
             <a:r>
-              <a:rPr lang="fi-FI" smtClean="0"/>
+              <a:rPr lang="fi-FI"/>
               <a:t>toinen taso</a:t>
             </a:r>
           </a:p>
           <a:p>
             <a:pPr lvl="2"/>
             <a:r>
-              <a:rPr lang="fi-FI" smtClean="0"/>
+              <a:rPr lang="fi-FI"/>
               <a:t>kolmas taso</a:t>
             </a:r>
           </a:p>
           <a:p>
             <a:pPr lvl="3"/>
             <a:r>
-              <a:rPr lang="fi-FI" smtClean="0"/>
+              <a:rPr lang="fi-FI"/>
               <a:t>neljäs taso</a:t>
             </a:r>
           </a:p>
           <a:p>
             <a:pPr lvl="4"/>
             <a:r>
-              <a:rPr lang="fi-FI" smtClean="0"/>
+              <a:rPr lang="fi-FI"/>
               <a:t>viides taso</a:t>
             </a:r>
-            <a:endParaRPr lang="fi-FI"/>
           </a:p>
         </p:txBody>
       </p:sp>
@@ -2572,7 +2552,7 @@
           <a:p>
             <a:fld id="{41494F92-AE57-45FE-97AD-ADB495EA8857}" type="datetimeFigureOut">
               <a:rPr lang="fi-FI" smtClean="0"/>
-              <a:t>26.6.2023</a:t>
+              <a:t>27.6.2023</a:t>
             </a:fld>
             <a:endParaRPr lang="fi-FI"/>
           </a:p>
@@ -2993,10 +2973,9 @@
           <a:lstStyle/>
           <a:p>
             <a:r>
-              <a:rPr lang="fi-FI" dirty="0" smtClean="0"/>
+              <a:rPr lang="fi-FI" dirty="0"/>
               <a:t>DSDBA Project</a:t>
             </a:r>
-            <a:endParaRPr lang="fi-FI" dirty="0"/>
           </a:p>
         </p:txBody>
       </p:sp>
@@ -3016,22 +2995,29 @@
           <a:lstStyle/>
           <a:p>
             <a:r>
-              <a:rPr lang="fi-FI" dirty="0" err="1" smtClean="0"/>
+              <a:rPr lang="fi-FI" dirty="0" err="1"/>
               <a:t>Investigating</a:t>
             </a:r>
             <a:r>
-              <a:rPr lang="fi-FI" dirty="0" smtClean="0"/>
-              <a:t> </a:t>
-            </a:r>
-            <a:r>
-              <a:rPr lang="fi-FI" dirty="0" err="1" smtClean="0"/>
-              <a:t>bankdata</a:t>
-            </a:r>
-            <a:r>
-              <a:rPr lang="fi-FI" dirty="0" smtClean="0"/>
-              <a:t>-dataset</a:t>
-            </a:r>
-            <a:endParaRPr lang="fi-FI" dirty="0"/>
+              <a:rPr lang="fi-FI" dirty="0"/>
+              <a:t> </a:t>
+            </a:r>
+            <a:r>
+              <a:rPr lang="fi-FI" dirty="0" err="1"/>
+              <a:t>bank</a:t>
+            </a:r>
+            <a:r>
+              <a:rPr lang="fi-FI" dirty="0"/>
+              <a:t> </a:t>
+            </a:r>
+            <a:r>
+              <a:rPr lang="fi-FI" dirty="0" err="1"/>
+              <a:t>customer</a:t>
+            </a:r>
+            <a:r>
+              <a:rPr lang="fi-FI" dirty="0"/>
+              <a:t> dataset</a:t>
+            </a:r>
           </a:p>
         </p:txBody>
       </p:sp>
@@ -3039,6 +3025,93 @@
     <p:extLst>
       <p:ext uri="{BB962C8B-B14F-4D97-AF65-F5344CB8AC3E}">
         <p14:creationId xmlns:p14="http://schemas.microsoft.com/office/powerpoint/2010/main" val="2169260329"/>
+      </p:ext>
+    </p:extLst>
+  </p:cSld>
+  <p:clrMapOvr>
+    <a:masterClrMapping/>
+  </p:clrMapOvr>
+</p:sld>
+</file>
+
+<file path=ppt/slides/slide10.xml><?xml version="1.0" encoding="utf-8"?>
+<p:sld xmlns:a="http://schemas.openxmlformats.org/drawingml/2006/main" xmlns:r="http://schemas.openxmlformats.org/officeDocument/2006/relationships" xmlns:p="http://schemas.openxmlformats.org/presentationml/2006/main">
+  <p:cSld>
+    <p:spTree>
+      <p:nvGrpSpPr>
+        <p:cNvPr id="1" name=""/>
+        <p:cNvGrpSpPr/>
+        <p:nvPr/>
+      </p:nvGrpSpPr>
+      <p:grpSpPr>
+        <a:xfrm>
+          <a:off x="0" y="0"/>
+          <a:ext cx="0" cy="0"/>
+          <a:chOff x="0" y="0"/>
+          <a:chExt cx="0" cy="0"/>
+        </a:xfrm>
+      </p:grpSpPr>
+      <p:sp>
+        <p:nvSpPr>
+          <p:cNvPr id="2" name="Title 1">
+            <a:extLst>
+              <a:ext uri="{FF2B5EF4-FFF2-40B4-BE49-F238E27FC236}">
+                <a16:creationId xmlns:a16="http://schemas.microsoft.com/office/drawing/2014/main" id="{1FABD525-D8CF-7851-B595-581E04EED842}"/>
+              </a:ext>
+            </a:extLst>
+          </p:cNvPr>
+          <p:cNvSpPr>
+            <a:spLocks noGrp="1"/>
+          </p:cNvSpPr>
+          <p:nvPr>
+            <p:ph type="ctrTitle"/>
+          </p:nvPr>
+        </p:nvSpPr>
+        <p:spPr/>
+        <p:txBody>
+          <a:bodyPr/>
+          <a:lstStyle/>
+          <a:p>
+            <a:r>
+              <a:rPr lang="en-GB" dirty="0" err="1"/>
+              <a:t>Grazie</a:t>
+            </a:r>
+            <a:r>
+              <a:rPr lang="en-GB" dirty="0"/>
+              <a:t> e arrivederci!</a:t>
+            </a:r>
+          </a:p>
+        </p:txBody>
+      </p:sp>
+      <p:sp>
+        <p:nvSpPr>
+          <p:cNvPr id="3" name="Subtitle 2">
+            <a:extLst>
+              <a:ext uri="{FF2B5EF4-FFF2-40B4-BE49-F238E27FC236}">
+                <a16:creationId xmlns:a16="http://schemas.microsoft.com/office/drawing/2014/main" id="{44512263-FD4C-EBB0-D1AA-8840646BF22C}"/>
+              </a:ext>
+            </a:extLst>
+          </p:cNvPr>
+          <p:cNvSpPr>
+            <a:spLocks noGrp="1"/>
+          </p:cNvSpPr>
+          <p:nvPr>
+            <p:ph type="subTitle" idx="1"/>
+          </p:nvPr>
+        </p:nvSpPr>
+        <p:spPr/>
+        <p:txBody>
+          <a:bodyPr/>
+          <a:lstStyle/>
+          <a:p>
+            <a:endParaRPr lang="en-GB" dirty="0"/>
+          </a:p>
+        </p:txBody>
+      </p:sp>
+    </p:spTree>
+    <p:extLst>
+      <p:ext uri="{BB962C8B-B14F-4D97-AF65-F5344CB8AC3E}">
+        <p14:creationId xmlns:p14="http://schemas.microsoft.com/office/powerpoint/2010/main" val="4027919373"/>
       </p:ext>
     </p:extLst>
   </p:cSld>
@@ -3081,233 +3154,220 @@
           <a:lstStyle/>
           <a:p>
             <a:r>
-              <a:rPr lang="fi-FI" dirty="0" smtClean="0"/>
-              <a:t>Dataset </a:t>
+              <a:rPr lang="fi-FI" dirty="0"/>
+              <a:t>Dataset</a:t>
+            </a:r>
+          </a:p>
+        </p:txBody>
+      </p:sp>
+      <p:sp>
+        <p:nvSpPr>
+          <p:cNvPr id="3" name="Sisällön paikkamerkki 2"/>
+          <p:cNvSpPr>
+            <a:spLocks noGrp="1"/>
+          </p:cNvSpPr>
+          <p:nvPr>
+            <p:ph idx="1"/>
+          </p:nvPr>
+        </p:nvSpPr>
+        <p:spPr/>
+        <p:txBody>
+          <a:bodyPr/>
+          <a:lstStyle/>
+          <a:p>
+            <a:r>
+              <a:rPr lang="fi-FI" dirty="0" err="1"/>
+              <a:t>Downloaded</a:t>
+            </a:r>
+            <a:r>
+              <a:rPr lang="fi-FI" dirty="0"/>
+              <a:t> </a:t>
+            </a:r>
+            <a:r>
+              <a:rPr lang="fi-FI" dirty="0" err="1"/>
+              <a:t>from</a:t>
+            </a:r>
+            <a:r>
+              <a:rPr lang="fi-FI" dirty="0"/>
+              <a:t> </a:t>
+            </a:r>
+            <a:r>
+              <a:rPr lang="fi-FI" dirty="0" err="1"/>
+              <a:t>Kaggle</a:t>
+            </a:r>
+            <a:r>
+              <a:rPr lang="fi-FI" dirty="0"/>
+              <a:t>.</a:t>
+            </a:r>
+          </a:p>
+          <a:p>
+            <a:r>
+              <a:rPr lang="fi-FI" dirty="0"/>
+              <a:t>Bank data </a:t>
+            </a:r>
+            <a:r>
+              <a:rPr lang="fi-FI" dirty="0" err="1"/>
+              <a:t>from</a:t>
+            </a:r>
+            <a:r>
+              <a:rPr lang="fi-FI" dirty="0"/>
+              <a:t> USA, </a:t>
+            </a:r>
+            <a:r>
+              <a:rPr lang="fi-FI" dirty="0" err="1"/>
+              <a:t>California</a:t>
+            </a:r>
+            <a:r>
+              <a:rPr lang="fi-FI" dirty="0"/>
+              <a:t> (</a:t>
+            </a:r>
+            <a:r>
+              <a:rPr lang="fi-FI" dirty="0" err="1"/>
+              <a:t>based</a:t>
+            </a:r>
+            <a:r>
+              <a:rPr lang="fi-FI" dirty="0"/>
+              <a:t> on ZIP </a:t>
+            </a:r>
+            <a:r>
+              <a:rPr lang="fi-FI" dirty="0" err="1"/>
+              <a:t>codes</a:t>
+            </a:r>
+            <a:r>
+              <a:rPr lang="fi-FI" dirty="0"/>
+              <a:t>), 5000 </a:t>
+            </a:r>
+            <a:r>
+              <a:rPr lang="fi-FI" dirty="0" err="1"/>
+              <a:t>entries</a:t>
+            </a:r>
+            <a:r>
+              <a:rPr lang="fi-FI" dirty="0"/>
+              <a:t>.</a:t>
+            </a:r>
+          </a:p>
+          <a:p>
+            <a:r>
+              <a:rPr lang="fi-FI" dirty="0"/>
+              <a:t>Data </a:t>
+            </a:r>
+            <a:r>
+              <a:rPr lang="fi-FI" dirty="0" err="1"/>
+              <a:t>contains</a:t>
+            </a:r>
+            <a:r>
+              <a:rPr lang="fi-FI" dirty="0"/>
+              <a:t> </a:t>
+            </a:r>
+            <a:r>
+              <a:rPr lang="fi-FI" dirty="0" err="1"/>
+              <a:t>information</a:t>
+            </a:r>
+            <a:r>
+              <a:rPr lang="fi-FI" dirty="0"/>
+              <a:t> </a:t>
+            </a:r>
+            <a:r>
+              <a:rPr lang="fi-FI" dirty="0" err="1"/>
+              <a:t>about</a:t>
+            </a:r>
+            <a:r>
+              <a:rPr lang="fi-FI" dirty="0"/>
+              <a:t> </a:t>
+            </a:r>
+            <a:r>
+              <a:rPr lang="fi-FI" dirty="0" err="1"/>
+              <a:t>the</a:t>
+            </a:r>
+            <a:r>
+              <a:rPr lang="fi-FI" dirty="0"/>
+              <a:t> </a:t>
+            </a:r>
+            <a:r>
+              <a:rPr lang="fi-FI" dirty="0" err="1"/>
+              <a:t>customer</a:t>
+            </a:r>
+            <a:r>
+              <a:rPr lang="fi-FI" dirty="0"/>
+              <a:t>.</a:t>
+            </a:r>
+          </a:p>
+          <a:p>
+            <a:r>
+              <a:rPr lang="fi-FI" dirty="0" err="1"/>
+              <a:t>There</a:t>
+            </a:r>
+            <a:r>
+              <a:rPr lang="fi-FI" dirty="0"/>
+              <a:t> </a:t>
+            </a:r>
+            <a:r>
+              <a:rPr lang="fi-FI" dirty="0" err="1"/>
+              <a:t>was</a:t>
+            </a:r>
+            <a:r>
+              <a:rPr lang="fi-FI" dirty="0"/>
+              <a:t> no </a:t>
+            </a:r>
+            <a:r>
+              <a:rPr lang="fi-FI" dirty="0" err="1"/>
+              <a:t>missing</a:t>
+            </a:r>
+            <a:r>
+              <a:rPr lang="fi-FI" dirty="0"/>
+              <a:t> data in </a:t>
+            </a:r>
+            <a:r>
+              <a:rPr lang="fi-FI" dirty="0" err="1"/>
+              <a:t>the</a:t>
+            </a:r>
+            <a:r>
+              <a:rPr lang="fi-FI" dirty="0"/>
+              <a:t> dataset.</a:t>
+            </a:r>
+          </a:p>
+          <a:p>
+            <a:r>
+              <a:rPr lang="fi-FI" dirty="0"/>
+              <a:t>Data </a:t>
+            </a:r>
+            <a:r>
+              <a:rPr lang="fi-FI" dirty="0" err="1"/>
+              <a:t>has</a:t>
+            </a:r>
+            <a:r>
+              <a:rPr lang="fi-FI" dirty="0"/>
+              <a:t> 14 </a:t>
+            </a:r>
+            <a:r>
+              <a:rPr lang="fi-FI" dirty="0" err="1"/>
+              <a:t>different</a:t>
+            </a:r>
+            <a:r>
+              <a:rPr lang="fi-FI" dirty="0"/>
+              <a:t> </a:t>
+            </a:r>
+            <a:r>
+              <a:rPr lang="fi-FI" dirty="0" err="1"/>
+              <a:t>values</a:t>
             </a:r>
             <a:endParaRPr lang="fi-FI" dirty="0"/>
           </a:p>
-        </p:txBody>
-      </p:sp>
-      <p:sp>
-        <p:nvSpPr>
-          <p:cNvPr id="3" name="Sisällön paikkamerkki 2"/>
-          <p:cNvSpPr>
-            <a:spLocks noGrp="1"/>
-          </p:cNvSpPr>
-          <p:nvPr>
-            <p:ph idx="1"/>
-          </p:nvPr>
-        </p:nvSpPr>
-        <p:spPr/>
-        <p:txBody>
-          <a:bodyPr/>
-          <a:lstStyle/>
-          <a:p>
-            <a:r>
-              <a:rPr lang="fi-FI" dirty="0" err="1" smtClean="0"/>
-              <a:t>Downloaded</a:t>
-            </a:r>
-            <a:r>
-              <a:rPr lang="fi-FI" dirty="0" smtClean="0"/>
-              <a:t> </a:t>
-            </a:r>
-            <a:r>
-              <a:rPr lang="fi-FI" dirty="0" err="1" smtClean="0"/>
-              <a:t>from</a:t>
-            </a:r>
-            <a:r>
-              <a:rPr lang="fi-FI" dirty="0" smtClean="0"/>
-              <a:t> </a:t>
-            </a:r>
-            <a:r>
-              <a:rPr lang="fi-FI" dirty="0" err="1" smtClean="0"/>
-              <a:t>Kaggle</a:t>
-            </a:r>
-            <a:r>
-              <a:rPr lang="fi-FI" dirty="0" smtClean="0"/>
-              <a:t>.</a:t>
-            </a:r>
-          </a:p>
-          <a:p>
-            <a:r>
-              <a:rPr lang="fi-FI" dirty="0" smtClean="0"/>
-              <a:t>Bank </a:t>
-            </a:r>
-            <a:r>
-              <a:rPr lang="fi-FI" dirty="0" smtClean="0"/>
-              <a:t>data </a:t>
-            </a:r>
-            <a:r>
-              <a:rPr lang="fi-FI" dirty="0" err="1" smtClean="0"/>
-              <a:t>from</a:t>
-            </a:r>
-            <a:r>
-              <a:rPr lang="fi-FI" dirty="0" smtClean="0"/>
-              <a:t> </a:t>
-            </a:r>
-            <a:r>
-              <a:rPr lang="fi-FI" dirty="0" err="1" smtClean="0"/>
-              <a:t>presumably</a:t>
-            </a:r>
-            <a:r>
-              <a:rPr lang="fi-FI" dirty="0" smtClean="0"/>
-              <a:t> USA, </a:t>
-            </a:r>
-            <a:r>
-              <a:rPr lang="fi-FI" dirty="0" err="1" smtClean="0"/>
-              <a:t>California</a:t>
-            </a:r>
-            <a:r>
-              <a:rPr lang="fi-FI" dirty="0" smtClean="0"/>
-              <a:t> (</a:t>
-            </a:r>
-            <a:r>
-              <a:rPr lang="fi-FI" dirty="0" err="1" smtClean="0"/>
-              <a:t>based</a:t>
-            </a:r>
-            <a:r>
-              <a:rPr lang="fi-FI" dirty="0" smtClean="0"/>
-              <a:t> on ZIP </a:t>
-            </a:r>
-            <a:r>
-              <a:rPr lang="fi-FI" dirty="0" err="1" smtClean="0"/>
-              <a:t>codes</a:t>
-            </a:r>
-            <a:r>
-              <a:rPr lang="fi-FI" dirty="0" smtClean="0"/>
-              <a:t>), 5000 </a:t>
-            </a:r>
-            <a:r>
-              <a:rPr lang="fi-FI" dirty="0" err="1" smtClean="0"/>
-              <a:t>entries</a:t>
-            </a:r>
-            <a:r>
-              <a:rPr lang="fi-FI" dirty="0" smtClean="0"/>
-              <a:t>.</a:t>
-            </a:r>
-          </a:p>
-          <a:p>
-            <a:r>
-              <a:rPr lang="fi-FI" dirty="0" smtClean="0"/>
-              <a:t>Data </a:t>
-            </a:r>
-            <a:r>
-              <a:rPr lang="fi-FI" dirty="0" err="1" smtClean="0"/>
-              <a:t>contains</a:t>
-            </a:r>
-            <a:r>
-              <a:rPr lang="fi-FI" dirty="0" smtClean="0"/>
-              <a:t> </a:t>
-            </a:r>
-            <a:r>
-              <a:rPr lang="fi-FI" dirty="0" err="1" smtClean="0"/>
-              <a:t>information</a:t>
-            </a:r>
-            <a:r>
-              <a:rPr lang="fi-FI" dirty="0" smtClean="0"/>
-              <a:t> </a:t>
-            </a:r>
-            <a:r>
-              <a:rPr lang="fi-FI" dirty="0" err="1" smtClean="0"/>
-              <a:t>about</a:t>
-            </a:r>
-            <a:r>
-              <a:rPr lang="fi-FI" dirty="0" smtClean="0"/>
-              <a:t> </a:t>
-            </a:r>
-            <a:r>
-              <a:rPr lang="fi-FI" dirty="0" err="1" smtClean="0"/>
-              <a:t>the</a:t>
-            </a:r>
-            <a:r>
-              <a:rPr lang="fi-FI" dirty="0" smtClean="0"/>
-              <a:t> </a:t>
-            </a:r>
-            <a:r>
-              <a:rPr lang="fi-FI" dirty="0" err="1" smtClean="0"/>
-              <a:t>customer</a:t>
-            </a:r>
-            <a:r>
-              <a:rPr lang="fi-FI" dirty="0" smtClean="0"/>
-              <a:t>.</a:t>
-            </a:r>
-          </a:p>
-          <a:p>
-            <a:r>
-              <a:rPr lang="fi-FI" dirty="0" err="1" smtClean="0"/>
-              <a:t>There</a:t>
-            </a:r>
-            <a:r>
-              <a:rPr lang="fi-FI" dirty="0" smtClean="0"/>
-              <a:t> </a:t>
-            </a:r>
-            <a:r>
-              <a:rPr lang="fi-FI" dirty="0" err="1" smtClean="0"/>
-              <a:t>was</a:t>
-            </a:r>
-            <a:r>
-              <a:rPr lang="fi-FI" dirty="0" smtClean="0"/>
-              <a:t> no </a:t>
-            </a:r>
-            <a:r>
-              <a:rPr lang="fi-FI" dirty="0" err="1" smtClean="0"/>
-              <a:t>missing</a:t>
-            </a:r>
-            <a:r>
-              <a:rPr lang="fi-FI" dirty="0" smtClean="0"/>
-              <a:t> data in </a:t>
-            </a:r>
-            <a:r>
-              <a:rPr lang="fi-FI" dirty="0" err="1" smtClean="0"/>
-              <a:t>the</a:t>
-            </a:r>
-            <a:r>
-              <a:rPr lang="fi-FI" dirty="0" smtClean="0"/>
-              <a:t> dataset.</a:t>
-            </a:r>
-          </a:p>
-          <a:p>
-            <a:r>
-              <a:rPr lang="fi-FI" dirty="0" smtClean="0"/>
-              <a:t>Data </a:t>
-            </a:r>
-            <a:r>
-              <a:rPr lang="fi-FI" dirty="0" err="1" smtClean="0"/>
-              <a:t>has</a:t>
-            </a:r>
-            <a:r>
-              <a:rPr lang="fi-FI" dirty="0" smtClean="0"/>
-              <a:t> 14 </a:t>
-            </a:r>
-            <a:r>
-              <a:rPr lang="fi-FI" dirty="0" err="1" smtClean="0"/>
-              <a:t>different</a:t>
-            </a:r>
-            <a:r>
-              <a:rPr lang="fi-FI" dirty="0" smtClean="0"/>
-              <a:t> </a:t>
-            </a:r>
-            <a:r>
-              <a:rPr lang="fi-FI" dirty="0" err="1" smtClean="0"/>
-              <a:t>values</a:t>
-            </a:r>
-            <a:endParaRPr lang="fi-FI" dirty="0" smtClean="0"/>
-          </a:p>
-          <a:p>
-            <a:r>
-              <a:rPr lang="en-US" dirty="0" smtClean="0"/>
+          <a:p>
+            <a:r>
+              <a:rPr lang="en-US" dirty="0"/>
               <a:t>ID, Age, Experience, Income, ZIP Code, Family, </a:t>
             </a:r>
             <a:r>
-              <a:rPr lang="en-US" dirty="0" err="1" smtClean="0"/>
+              <a:rPr lang="en-US" dirty="0" err="1"/>
               <a:t>CCAvg</a:t>
             </a:r>
             <a:r>
-              <a:rPr lang="en-US" dirty="0" smtClean="0"/>
+              <a:rPr lang="en-US" dirty="0"/>
               <a:t>, Education, Mortgage, Personal Loan, Securities Account, CD Account, Online, </a:t>
             </a:r>
             <a:r>
-              <a:rPr lang="en-US" dirty="0" err="1" smtClean="0"/>
+              <a:rPr lang="en-US" dirty="0" err="1"/>
               <a:t>CreditCard</a:t>
             </a:r>
             <a:endParaRPr lang="fi-FI" dirty="0"/>
@@ -3360,335 +3420,250 @@
           <a:lstStyle/>
           <a:p>
             <a:r>
-              <a:rPr lang="fi-FI" dirty="0" smtClean="0"/>
+              <a:rPr lang="fi-FI" dirty="0"/>
               <a:t>Pipeline</a:t>
             </a:r>
+          </a:p>
+        </p:txBody>
+      </p:sp>
+      <p:sp>
+        <p:nvSpPr>
+          <p:cNvPr id="3" name="Sisällön paikkamerkki 2"/>
+          <p:cNvSpPr>
+            <a:spLocks noGrp="1"/>
+          </p:cNvSpPr>
+          <p:nvPr>
+            <p:ph idx="1"/>
+          </p:nvPr>
+        </p:nvSpPr>
+        <p:spPr/>
+        <p:txBody>
+          <a:bodyPr>
+            <a:normAutofit/>
+          </a:bodyPr>
+          <a:lstStyle/>
+          <a:p>
+            <a:r>
+              <a:rPr lang="fi-FI" dirty="0"/>
+              <a:t>Virtual </a:t>
+            </a:r>
+            <a:r>
+              <a:rPr lang="fi-FI" dirty="0" err="1"/>
+              <a:t>machine</a:t>
+            </a:r>
+            <a:r>
+              <a:rPr lang="fi-FI" dirty="0"/>
+              <a:t> </a:t>
+            </a:r>
+            <a:r>
+              <a:rPr lang="fi-FI" dirty="0" err="1"/>
+              <a:t>setup</a:t>
+            </a:r>
             <a:endParaRPr lang="fi-FI" dirty="0"/>
           </a:p>
-        </p:txBody>
-      </p:sp>
-      <p:sp>
-        <p:nvSpPr>
-          <p:cNvPr id="3" name="Sisällön paikkamerkki 2"/>
-          <p:cNvSpPr>
-            <a:spLocks noGrp="1"/>
-          </p:cNvSpPr>
-          <p:nvPr>
-            <p:ph idx="1"/>
-          </p:nvPr>
-        </p:nvSpPr>
-        <p:spPr/>
-        <p:txBody>
-          <a:bodyPr>
-            <a:normAutofit lnSpcReduction="10000"/>
-          </a:bodyPr>
-          <a:lstStyle/>
-          <a:p>
-            <a:r>
-              <a:rPr lang="fi-FI" dirty="0" smtClean="0"/>
-              <a:t>Data </a:t>
-            </a:r>
-            <a:r>
-              <a:rPr lang="fi-FI" dirty="0" err="1" smtClean="0"/>
-              <a:t>download</a:t>
-            </a:r>
-            <a:endParaRPr lang="fi-FI" dirty="0" smtClean="0"/>
-          </a:p>
-          <a:p>
-            <a:r>
-              <a:rPr lang="fi-FI" dirty="0" err="1" smtClean="0"/>
-              <a:t>Convert</a:t>
-            </a:r>
-            <a:r>
-              <a:rPr lang="fi-FI" dirty="0" smtClean="0"/>
+          <a:p>
+            <a:r>
+              <a:rPr lang="fi-FI" dirty="0" err="1"/>
+              <a:t>Download</a:t>
+            </a:r>
+            <a:r>
+              <a:rPr lang="fi-FI" dirty="0"/>
+              <a:t> dataset</a:t>
+            </a:r>
+          </a:p>
+          <a:p>
+            <a:r>
+              <a:rPr lang="fi-FI" dirty="0" err="1"/>
+              <a:t>Save</a:t>
+            </a:r>
+            <a:r>
+              <a:rPr lang="fi-FI" dirty="0"/>
+              <a:t> </a:t>
+            </a:r>
+            <a:r>
+              <a:rPr lang="fi-FI" dirty="0" err="1"/>
+              <a:t>csv</a:t>
+            </a:r>
+            <a:r>
+              <a:rPr lang="fi-FI" dirty="0"/>
+              <a:t> </a:t>
+            </a:r>
+            <a:r>
+              <a:rPr lang="fi-FI" dirty="0" err="1"/>
+              <a:t>file</a:t>
+            </a:r>
+            <a:r>
+              <a:rPr lang="fi-FI" dirty="0"/>
               <a:t> to </a:t>
             </a:r>
             <a:r>
-              <a:rPr lang="fi-FI" dirty="0" err="1" smtClean="0"/>
-              <a:t>excel</a:t>
-            </a:r>
-            <a:r>
-              <a:rPr lang="fi-FI" dirty="0" smtClean="0"/>
+              <a:rPr lang="fi-FI" dirty="0" err="1"/>
+              <a:t>Hadoop</a:t>
+            </a:r>
+            <a:r>
+              <a:rPr lang="fi-FI" dirty="0"/>
+              <a:t> HDFS</a:t>
+            </a:r>
+          </a:p>
+          <a:p>
+            <a:r>
+              <a:rPr lang="fi-FI" dirty="0" err="1"/>
+              <a:t>MapReduce</a:t>
+            </a:r>
+            <a:r>
+              <a:rPr lang="fi-FI" dirty="0"/>
               <a:t> to </a:t>
             </a:r>
             <a:r>
-              <a:rPr lang="fi-FI" dirty="0" err="1" smtClean="0"/>
-              <a:t>csv</a:t>
+              <a:rPr lang="fi-FI" dirty="0" err="1"/>
+              <a:t>modify</a:t>
+            </a:r>
+            <a:r>
+              <a:rPr lang="fi-FI" dirty="0"/>
+              <a:t> data and </a:t>
+            </a:r>
+            <a:r>
+              <a:rPr lang="fi-FI" dirty="0" err="1"/>
+              <a:t>save</a:t>
+            </a:r>
+            <a:r>
+              <a:rPr lang="fi-FI" dirty="0"/>
+              <a:t> to </a:t>
+            </a:r>
+            <a:r>
+              <a:rPr lang="fi-FI" dirty="0" err="1"/>
+              <a:t>MongoDB</a:t>
             </a:r>
             <a:endParaRPr lang="fi-FI" dirty="0"/>
           </a:p>
           <a:p>
             <a:r>
-              <a:rPr lang="fi-FI" dirty="0" err="1" smtClean="0"/>
-              <a:t>Save</a:t>
-            </a:r>
-            <a:r>
-              <a:rPr lang="fi-FI" dirty="0" smtClean="0"/>
-              <a:t> </a:t>
-            </a:r>
-            <a:r>
-              <a:rPr lang="fi-FI" dirty="0" err="1" smtClean="0"/>
-              <a:t>csv</a:t>
-            </a:r>
-            <a:r>
-              <a:rPr lang="fi-FI" dirty="0" smtClean="0"/>
-              <a:t> to </a:t>
-            </a:r>
-            <a:r>
-              <a:rPr lang="fi-FI" dirty="0" err="1" smtClean="0"/>
-              <a:t>Hadoop</a:t>
-            </a:r>
-            <a:endParaRPr lang="fi-FI" dirty="0" smtClean="0"/>
-          </a:p>
-          <a:p>
-            <a:r>
-              <a:rPr lang="fi-FI" dirty="0" err="1" smtClean="0"/>
-              <a:t>Map-reduce</a:t>
-            </a:r>
-            <a:r>
-              <a:rPr lang="fi-FI" dirty="0" smtClean="0"/>
-              <a:t> to </a:t>
-            </a:r>
-            <a:r>
-              <a:rPr lang="fi-FI" dirty="0" err="1" smtClean="0"/>
-              <a:t>modify</a:t>
-            </a:r>
-            <a:r>
-              <a:rPr lang="fi-FI" dirty="0" smtClean="0"/>
-              <a:t> data and </a:t>
-            </a:r>
-            <a:r>
-              <a:rPr lang="fi-FI" dirty="0" err="1" smtClean="0"/>
-              <a:t>save</a:t>
-            </a:r>
-            <a:r>
-              <a:rPr lang="fi-FI" dirty="0" smtClean="0"/>
-              <a:t> to </a:t>
-            </a:r>
-            <a:r>
-              <a:rPr lang="fi-FI" dirty="0" err="1"/>
-              <a:t>M</a:t>
-            </a:r>
-            <a:r>
-              <a:rPr lang="fi-FI" dirty="0" err="1" smtClean="0"/>
-              <a:t>ongoDB</a:t>
-            </a:r>
-            <a:endParaRPr lang="fi-FI" dirty="0" smtClean="0"/>
+              <a:rPr lang="fi-FI" dirty="0" err="1"/>
+              <a:t>Verify</a:t>
+            </a:r>
+            <a:r>
+              <a:rPr lang="fi-FI" dirty="0"/>
+              <a:t> </a:t>
+            </a:r>
+            <a:r>
+              <a:rPr lang="fi-FI" dirty="0" err="1"/>
+              <a:t>hypotheses</a:t>
+            </a:r>
+            <a:endParaRPr lang="fi-FI" dirty="0"/>
           </a:p>
           <a:p>
             <a:pPr lvl="1"/>
             <a:r>
-              <a:rPr lang="fi-FI" dirty="0" err="1" smtClean="0"/>
-              <a:t>Move</a:t>
-            </a:r>
-            <a:r>
-              <a:rPr lang="fi-FI" dirty="0" smtClean="0"/>
-              <a:t> ZIP-</a:t>
-            </a:r>
-            <a:r>
-              <a:rPr lang="fi-FI" dirty="0" err="1" smtClean="0"/>
+              <a:rPr lang="fi-FI" dirty="0" err="1"/>
+              <a:t>Pymongo</a:t>
+            </a:r>
+            <a:r>
+              <a:rPr lang="fi-FI" dirty="0"/>
+              <a:t>, </a:t>
+            </a:r>
+            <a:r>
+              <a:rPr lang="fi-FI" dirty="0" err="1"/>
+              <a:t>pyspark</a:t>
+            </a:r>
+            <a:r>
+              <a:rPr lang="fi-FI" dirty="0"/>
+              <a:t>, </a:t>
+            </a:r>
+            <a:r>
+              <a:rPr lang="fi-FI" dirty="0" err="1"/>
+              <a:t>numpy</a:t>
+            </a:r>
+            <a:r>
+              <a:rPr lang="fi-FI" dirty="0"/>
+              <a:t>, </a:t>
+            </a:r>
+            <a:r>
+              <a:rPr lang="fi-FI" dirty="0" err="1"/>
+              <a:t>pandas</a:t>
+            </a:r>
+            <a:r>
+              <a:rPr lang="fi-FI" dirty="0"/>
+              <a:t> etc. </a:t>
+            </a:r>
+            <a:r>
+              <a:rPr lang="fi-FI" dirty="0" err="1"/>
+              <a:t>were</a:t>
+            </a:r>
+            <a:r>
+              <a:rPr lang="fi-FI" dirty="0"/>
+              <a:t> </a:t>
+            </a:r>
+            <a:r>
+              <a:rPr lang="fi-FI" dirty="0" err="1"/>
+              <a:t>used</a:t>
+            </a:r>
+            <a:r>
+              <a:rPr lang="fi-FI" dirty="0"/>
+              <a:t> in </a:t>
+            </a:r>
+            <a:r>
+              <a:rPr lang="fi-FI" dirty="0" err="1"/>
+              <a:t>the</a:t>
+            </a:r>
+            <a:r>
+              <a:rPr lang="fi-FI" dirty="0"/>
+              <a:t> </a:t>
+            </a:r>
+            <a:r>
+              <a:rPr lang="fi-FI" dirty="0" err="1"/>
+              <a:t>process</a:t>
+            </a:r>
+            <a:endParaRPr lang="fi-FI" dirty="0"/>
+          </a:p>
+          <a:p>
+            <a:r>
+              <a:rPr lang="fi-FI" dirty="0" err="1"/>
+              <a:t>Git</a:t>
+            </a:r>
+            <a:r>
+              <a:rPr lang="fi-FI" dirty="0"/>
+              <a:t> </a:t>
+            </a:r>
+            <a:r>
+              <a:rPr lang="fi-FI" dirty="0" err="1"/>
+              <a:t>was</a:t>
+            </a:r>
+            <a:r>
+              <a:rPr lang="fi-FI" dirty="0"/>
+              <a:t> </a:t>
+            </a:r>
+            <a:r>
+              <a:rPr lang="fi-FI" dirty="0" err="1"/>
+              <a:t>used</a:t>
+            </a:r>
+            <a:r>
+              <a:rPr lang="fi-FI" dirty="0"/>
+              <a:t> for version </a:t>
+            </a:r>
+            <a:r>
+              <a:rPr lang="fi-FI" dirty="0" err="1"/>
+              <a:t>control</a:t>
+            </a:r>
+            <a:r>
+              <a:rPr lang="fi-FI" dirty="0"/>
+              <a:t> and </a:t>
+            </a:r>
+            <a:r>
+              <a:rPr lang="fi-FI" dirty="0" err="1"/>
               <a:t>code</a:t>
             </a:r>
             <a:r>
-              <a:rPr lang="fi-FI" dirty="0" smtClean="0"/>
-              <a:t> to </a:t>
-            </a:r>
-            <a:r>
-              <a:rPr lang="fi-FI" dirty="0" err="1" smtClean="0"/>
-              <a:t>the</a:t>
-            </a:r>
-            <a:r>
-              <a:rPr lang="fi-FI" dirty="0" smtClean="0"/>
-              <a:t> </a:t>
-            </a:r>
-            <a:r>
-              <a:rPr lang="fi-FI" dirty="0" err="1" smtClean="0"/>
-              <a:t>start</a:t>
-            </a:r>
-            <a:r>
-              <a:rPr lang="fi-FI" dirty="0" smtClean="0"/>
-              <a:t> of </a:t>
-            </a:r>
-            <a:r>
-              <a:rPr lang="fi-FI" dirty="0" err="1" smtClean="0"/>
-              <a:t>the</a:t>
-            </a:r>
-            <a:r>
-              <a:rPr lang="fi-FI" dirty="0" smtClean="0"/>
-              <a:t> </a:t>
-            </a:r>
-            <a:r>
-              <a:rPr lang="fi-FI" dirty="0" err="1" smtClean="0"/>
-              <a:t>table</a:t>
-            </a:r>
-            <a:r>
-              <a:rPr lang="fi-FI" dirty="0" smtClean="0"/>
-              <a:t> (</a:t>
-            </a:r>
-            <a:r>
-              <a:rPr lang="fi-FI" dirty="0" err="1" smtClean="0"/>
-              <a:t>column</a:t>
-            </a:r>
-            <a:r>
-              <a:rPr lang="fi-FI" dirty="0" smtClean="0"/>
-              <a:t> 0) </a:t>
-            </a:r>
-            <a:r>
-              <a:rPr lang="fi-FI" dirty="0" err="1" smtClean="0"/>
-              <a:t>using</a:t>
-            </a:r>
-            <a:r>
-              <a:rPr lang="fi-FI" dirty="0" smtClean="0"/>
-              <a:t> </a:t>
-            </a:r>
-            <a:r>
-              <a:rPr lang="fi-FI" dirty="0" err="1" smtClean="0"/>
-              <a:t>mapper</a:t>
-            </a:r>
-            <a:endParaRPr lang="fi-FI" dirty="0" smtClean="0"/>
-          </a:p>
-          <a:p>
-            <a:pPr lvl="1"/>
-            <a:r>
-              <a:rPr lang="fi-FI" dirty="0" err="1" smtClean="0"/>
-              <a:t>Sort</a:t>
-            </a:r>
-            <a:r>
-              <a:rPr lang="fi-FI" dirty="0" smtClean="0"/>
-              <a:t> </a:t>
-            </a:r>
-            <a:r>
-              <a:rPr lang="fi-FI" dirty="0" err="1" smtClean="0"/>
-              <a:t>the</a:t>
-            </a:r>
-            <a:r>
-              <a:rPr lang="fi-FI" dirty="0" smtClean="0"/>
-              <a:t> </a:t>
-            </a:r>
-            <a:r>
-              <a:rPr lang="fi-FI" dirty="0" err="1" smtClean="0"/>
-              <a:t>result</a:t>
-            </a:r>
-            <a:endParaRPr lang="fi-FI" dirty="0" smtClean="0"/>
-          </a:p>
-          <a:p>
-            <a:pPr lvl="1"/>
-            <a:r>
-              <a:rPr lang="fi-FI" dirty="0" err="1" smtClean="0"/>
-              <a:t>Save</a:t>
-            </a:r>
-            <a:r>
-              <a:rPr lang="fi-FI" dirty="0" smtClean="0"/>
-              <a:t> </a:t>
-            </a:r>
-            <a:r>
-              <a:rPr lang="fi-FI" dirty="0" err="1" smtClean="0"/>
-              <a:t>the</a:t>
-            </a:r>
-            <a:r>
-              <a:rPr lang="fi-FI" dirty="0" smtClean="0"/>
-              <a:t> </a:t>
-            </a:r>
-            <a:r>
-              <a:rPr lang="fi-FI" dirty="0" err="1" smtClean="0"/>
-              <a:t>new</a:t>
-            </a:r>
-            <a:r>
-              <a:rPr lang="fi-FI" dirty="0" smtClean="0"/>
-              <a:t> </a:t>
-            </a:r>
-            <a:r>
-              <a:rPr lang="fi-FI" dirty="0" err="1" smtClean="0"/>
-              <a:t>table</a:t>
-            </a:r>
-            <a:r>
-              <a:rPr lang="fi-FI" dirty="0" smtClean="0"/>
-              <a:t> to </a:t>
-            </a:r>
-            <a:r>
-              <a:rPr lang="fi-FI" dirty="0" err="1" smtClean="0"/>
-              <a:t>mongoDB</a:t>
-            </a:r>
-            <a:r>
-              <a:rPr lang="fi-FI" dirty="0" smtClean="0"/>
-              <a:t> </a:t>
-            </a:r>
-            <a:r>
-              <a:rPr lang="fi-FI" dirty="0" err="1" smtClean="0"/>
-              <a:t>using</a:t>
-            </a:r>
-            <a:r>
-              <a:rPr lang="fi-FI" dirty="0" smtClean="0"/>
-              <a:t> </a:t>
-            </a:r>
-            <a:r>
-              <a:rPr lang="fi-FI" dirty="0" err="1" smtClean="0"/>
-              <a:t>reducer</a:t>
-            </a:r>
-            <a:endParaRPr lang="fi-FI" dirty="0" smtClean="0"/>
-          </a:p>
-          <a:p>
-            <a:pPr lvl="1"/>
-            <a:r>
-              <a:rPr lang="fi-FI" dirty="0" err="1" smtClean="0"/>
-              <a:t>Print</a:t>
-            </a:r>
-            <a:r>
-              <a:rPr lang="fi-FI" dirty="0" smtClean="0"/>
-              <a:t> </a:t>
-            </a:r>
-            <a:r>
-              <a:rPr lang="fi-FI" dirty="0" err="1" smtClean="0"/>
-              <a:t>amount</a:t>
-            </a:r>
-            <a:r>
-              <a:rPr lang="fi-FI" dirty="0" smtClean="0"/>
-              <a:t> of </a:t>
-            </a:r>
-            <a:r>
-              <a:rPr lang="fi-FI" dirty="0" err="1" smtClean="0"/>
-              <a:t>customers</a:t>
-            </a:r>
-            <a:r>
-              <a:rPr lang="fi-FI" dirty="0" smtClean="0"/>
-              <a:t> per ZIP-</a:t>
-            </a:r>
-            <a:r>
-              <a:rPr lang="fi-FI" dirty="0" err="1" smtClean="0"/>
-              <a:t>code</a:t>
-            </a:r>
-            <a:r>
-              <a:rPr lang="fi-FI" dirty="0" smtClean="0"/>
-              <a:t>.</a:t>
-            </a:r>
-          </a:p>
-          <a:p>
-            <a:r>
-              <a:rPr lang="fi-FI" dirty="0" err="1" smtClean="0"/>
-              <a:t>Spark</a:t>
-            </a:r>
-            <a:r>
-              <a:rPr lang="fi-FI" dirty="0" smtClean="0"/>
-              <a:t>???</a:t>
-            </a:r>
-          </a:p>
-          <a:p>
-            <a:r>
-              <a:rPr lang="fi-FI" dirty="0" err="1" smtClean="0"/>
-              <a:t>Verify</a:t>
-            </a:r>
-            <a:r>
-              <a:rPr lang="fi-FI" dirty="0" smtClean="0"/>
-              <a:t> </a:t>
-            </a:r>
-            <a:r>
-              <a:rPr lang="fi-FI" dirty="0" err="1" smtClean="0"/>
-              <a:t>hypotheses</a:t>
-            </a:r>
-            <a:endParaRPr lang="fi-FI" dirty="0" smtClean="0"/>
-          </a:p>
-          <a:p>
-            <a:endParaRPr lang="fi-FI" dirty="0" smtClean="0"/>
+              <a:rPr lang="fi-FI" dirty="0"/>
+              <a:t> </a:t>
+            </a:r>
+            <a:r>
+              <a:rPr lang="fi-FI" dirty="0" err="1"/>
+              <a:t>sharing</a:t>
+            </a:r>
+            <a:endParaRPr lang="fi-FI" dirty="0"/>
+          </a:p>
+          <a:p>
+            <a:endParaRPr lang="fi-FI" dirty="0"/>
           </a:p>
           <a:p>
             <a:endParaRPr lang="fi-FI" dirty="0"/>
@@ -3741,52 +3716,402 @@
           <a:lstStyle/>
           <a:p>
             <a:r>
-              <a:rPr lang="fi-FI" dirty="0" err="1" smtClean="0"/>
+              <a:rPr lang="fi-FI" dirty="0" err="1"/>
+              <a:t>MapReduce</a:t>
+            </a:r>
+            <a:endParaRPr lang="fi-FI" dirty="0"/>
+          </a:p>
+        </p:txBody>
+      </p:sp>
+      <p:sp>
+        <p:nvSpPr>
+          <p:cNvPr id="3" name="Sisällön paikkamerkki 2"/>
+          <p:cNvSpPr>
+            <a:spLocks noGrp="1"/>
+          </p:cNvSpPr>
+          <p:nvPr>
+            <p:ph idx="1"/>
+          </p:nvPr>
+        </p:nvSpPr>
+        <p:spPr/>
+        <p:txBody>
+          <a:bodyPr/>
+          <a:lstStyle/>
+          <a:p>
+            <a:r>
+              <a:rPr lang="fi-FI" dirty="0" err="1"/>
+              <a:t>MapReduce</a:t>
+            </a:r>
+            <a:r>
+              <a:rPr lang="fi-FI" dirty="0"/>
+              <a:t> is </a:t>
+            </a:r>
+            <a:r>
+              <a:rPr lang="fi-FI" dirty="0" err="1"/>
+              <a:t>used</a:t>
+            </a:r>
+            <a:r>
+              <a:rPr lang="fi-FI" dirty="0"/>
+              <a:t> to </a:t>
+            </a:r>
+            <a:r>
+              <a:rPr lang="fi-FI" dirty="0" err="1"/>
+              <a:t>store</a:t>
+            </a:r>
+            <a:r>
+              <a:rPr lang="fi-FI" dirty="0"/>
+              <a:t> </a:t>
+            </a:r>
+            <a:r>
+              <a:rPr lang="fi-FI" dirty="0" err="1"/>
+              <a:t>the</a:t>
+            </a:r>
+            <a:r>
+              <a:rPr lang="fi-FI" dirty="0"/>
+              <a:t> data to </a:t>
+            </a:r>
+            <a:r>
+              <a:rPr lang="fi-FI" dirty="0" err="1"/>
+              <a:t>the</a:t>
+            </a:r>
+            <a:r>
+              <a:rPr lang="fi-FI" dirty="0"/>
+              <a:t> </a:t>
+            </a:r>
+            <a:r>
+              <a:rPr lang="fi-FI" dirty="0" err="1"/>
+              <a:t>MongoDB</a:t>
+            </a:r>
+            <a:r>
+              <a:rPr lang="fi-FI" dirty="0"/>
+              <a:t> </a:t>
+            </a:r>
+            <a:r>
+              <a:rPr lang="fi-FI" dirty="0" err="1"/>
+              <a:t>database</a:t>
+            </a:r>
+            <a:endParaRPr lang="fi-FI" dirty="0"/>
+          </a:p>
+          <a:p>
+            <a:r>
+              <a:rPr lang="fi-FI" dirty="0"/>
+              <a:t>It </a:t>
+            </a:r>
+            <a:r>
+              <a:rPr lang="fi-FI" dirty="0" err="1"/>
+              <a:t>takes</a:t>
+            </a:r>
+            <a:r>
+              <a:rPr lang="fi-FI" dirty="0"/>
+              <a:t> </a:t>
+            </a:r>
+            <a:r>
+              <a:rPr lang="fi-FI" dirty="0" err="1"/>
+              <a:t>the</a:t>
+            </a:r>
+            <a:r>
+              <a:rPr lang="fi-FI" dirty="0"/>
+              <a:t> </a:t>
+            </a:r>
+            <a:r>
+              <a:rPr lang="fi-FI" dirty="0" err="1"/>
+              <a:t>bank</a:t>
+            </a:r>
+            <a:r>
+              <a:rPr lang="fi-FI" dirty="0"/>
+              <a:t> </a:t>
+            </a:r>
+            <a:r>
+              <a:rPr lang="fi-FI" dirty="0" err="1"/>
+              <a:t>account</a:t>
+            </a:r>
+            <a:r>
+              <a:rPr lang="fi-FI" dirty="0"/>
+              <a:t> data </a:t>
+            </a:r>
+            <a:r>
+              <a:rPr lang="fi-FI" dirty="0" err="1"/>
+              <a:t>from</a:t>
+            </a:r>
+            <a:r>
+              <a:rPr lang="fi-FI" dirty="0"/>
+              <a:t> </a:t>
+            </a:r>
+            <a:r>
+              <a:rPr lang="fi-FI" dirty="0" err="1"/>
+              <a:t>the</a:t>
+            </a:r>
+            <a:r>
+              <a:rPr lang="fi-FI" dirty="0"/>
+              <a:t> </a:t>
+            </a:r>
+            <a:r>
+              <a:rPr lang="fi-FI" dirty="0" err="1"/>
+              <a:t>csv</a:t>
+            </a:r>
+            <a:r>
+              <a:rPr lang="fi-FI" dirty="0"/>
+              <a:t> </a:t>
+            </a:r>
+            <a:r>
+              <a:rPr lang="fi-FI" dirty="0" err="1"/>
+              <a:t>file</a:t>
+            </a:r>
+            <a:r>
+              <a:rPr lang="fi-FI" dirty="0"/>
+              <a:t> in </a:t>
+            </a:r>
+            <a:r>
+              <a:rPr lang="fi-FI" dirty="0" err="1"/>
               <a:t>Hadoop</a:t>
             </a:r>
+            <a:r>
+              <a:rPr lang="fi-FI" dirty="0"/>
+              <a:t> HDFS</a:t>
+            </a:r>
+          </a:p>
+          <a:p>
+            <a:r>
+              <a:rPr lang="fi-FI" dirty="0"/>
+              <a:t>It </a:t>
+            </a:r>
+            <a:r>
+              <a:rPr lang="fi-FI" dirty="0" err="1"/>
+              <a:t>removes</a:t>
+            </a:r>
+            <a:r>
+              <a:rPr lang="fi-FI" dirty="0"/>
+              <a:t> </a:t>
+            </a:r>
+            <a:r>
+              <a:rPr lang="fi-FI" dirty="0" err="1"/>
+              <a:t>the</a:t>
+            </a:r>
+            <a:r>
+              <a:rPr lang="fi-FI" dirty="0"/>
+              <a:t> </a:t>
+            </a:r>
+            <a:r>
+              <a:rPr lang="fi-FI" dirty="0" err="1"/>
+              <a:t>unnecessary</a:t>
+            </a:r>
+            <a:r>
+              <a:rPr lang="fi-FI" dirty="0"/>
+              <a:t> </a:t>
+            </a:r>
+            <a:r>
+              <a:rPr lang="fi-FI" dirty="0" err="1"/>
+              <a:t>columns</a:t>
+            </a:r>
+            <a:r>
+              <a:rPr lang="fi-FI" dirty="0"/>
+              <a:t> of </a:t>
+            </a:r>
+            <a:r>
+              <a:rPr lang="fi-FI" dirty="0" err="1"/>
+              <a:t>the</a:t>
+            </a:r>
+            <a:r>
+              <a:rPr lang="fi-FI" dirty="0"/>
+              <a:t> data</a:t>
+            </a:r>
+          </a:p>
+          <a:p>
+            <a:r>
+              <a:rPr lang="fi-FI" dirty="0" err="1"/>
+              <a:t>Finally</a:t>
+            </a:r>
+            <a:r>
+              <a:rPr lang="fi-FI" dirty="0"/>
+              <a:t>, it </a:t>
+            </a:r>
+            <a:r>
+              <a:rPr lang="fi-FI" dirty="0" err="1"/>
+              <a:t>puts</a:t>
+            </a:r>
+            <a:r>
+              <a:rPr lang="fi-FI" dirty="0"/>
+              <a:t> </a:t>
+            </a:r>
+            <a:r>
+              <a:rPr lang="fi-FI" dirty="0" err="1"/>
+              <a:t>the</a:t>
+            </a:r>
+            <a:r>
+              <a:rPr lang="fi-FI" dirty="0"/>
+              <a:t> </a:t>
+            </a:r>
+            <a:r>
+              <a:rPr lang="fi-FI" dirty="0" err="1"/>
+              <a:t>object</a:t>
+            </a:r>
+            <a:r>
+              <a:rPr lang="fi-FI" dirty="0"/>
+              <a:t> </a:t>
+            </a:r>
+            <a:r>
+              <a:rPr lang="fi-FI" dirty="0" err="1"/>
+              <a:t>with</a:t>
+            </a:r>
+            <a:r>
+              <a:rPr lang="fi-FI" dirty="0"/>
+              <a:t> </a:t>
+            </a:r>
+            <a:r>
+              <a:rPr lang="fi-FI" dirty="0" err="1"/>
+              <a:t>only</a:t>
+            </a:r>
+            <a:r>
+              <a:rPr lang="fi-FI" dirty="0"/>
+              <a:t> </a:t>
+            </a:r>
+            <a:r>
+              <a:rPr lang="fi-FI" dirty="0" err="1"/>
+              <a:t>relevant</a:t>
+            </a:r>
+            <a:r>
+              <a:rPr lang="fi-FI" dirty="0"/>
+              <a:t> </a:t>
+            </a:r>
+            <a:r>
+              <a:rPr lang="fi-FI" dirty="0" err="1"/>
+              <a:t>values</a:t>
+            </a:r>
+            <a:r>
+              <a:rPr lang="fi-FI" dirty="0"/>
+              <a:t> to </a:t>
+            </a:r>
+            <a:r>
+              <a:rPr lang="fi-FI" dirty="0" err="1"/>
+              <a:t>the</a:t>
+            </a:r>
+            <a:r>
+              <a:rPr lang="fi-FI" dirty="0"/>
+              <a:t> </a:t>
+            </a:r>
+            <a:r>
+              <a:rPr lang="fi-FI" dirty="0" err="1"/>
+              <a:t>MongoDB</a:t>
+            </a:r>
+            <a:r>
+              <a:rPr lang="fi-FI" dirty="0"/>
+              <a:t> </a:t>
+            </a:r>
+            <a:r>
+              <a:rPr lang="fi-FI" dirty="0" err="1"/>
+              <a:t>database</a:t>
+            </a:r>
+            <a:r>
+              <a:rPr lang="fi-FI" dirty="0"/>
+              <a:t> to </a:t>
+            </a:r>
+            <a:r>
+              <a:rPr lang="fi-FI" dirty="0" err="1"/>
+              <a:t>be</a:t>
+            </a:r>
+            <a:r>
+              <a:rPr lang="fi-FI" dirty="0"/>
+              <a:t> </a:t>
+            </a:r>
+            <a:r>
+              <a:rPr lang="fi-FI" dirty="0" err="1"/>
+              <a:t>used</a:t>
+            </a:r>
+            <a:r>
+              <a:rPr lang="fi-FI" dirty="0"/>
+              <a:t> in </a:t>
+            </a:r>
+            <a:r>
+              <a:rPr lang="fi-FI" dirty="0" err="1"/>
+              <a:t>proving</a:t>
+            </a:r>
+            <a:r>
+              <a:rPr lang="fi-FI" dirty="0"/>
+              <a:t> </a:t>
+            </a:r>
+            <a:r>
+              <a:rPr lang="fi-FI" dirty="0" err="1"/>
+              <a:t>the</a:t>
+            </a:r>
+            <a:r>
+              <a:rPr lang="fi-FI" dirty="0"/>
+              <a:t> </a:t>
+            </a:r>
+            <a:r>
+              <a:rPr lang="fi-FI" dirty="0" err="1"/>
+              <a:t>hypotheses</a:t>
+            </a:r>
             <a:endParaRPr lang="fi-FI" dirty="0"/>
           </a:p>
-        </p:txBody>
-      </p:sp>
-      <p:sp>
-        <p:nvSpPr>
-          <p:cNvPr id="3" name="Sisällön paikkamerkki 2"/>
-          <p:cNvSpPr>
-            <a:spLocks noGrp="1"/>
-          </p:cNvSpPr>
-          <p:nvPr>
-            <p:ph idx="1"/>
-          </p:nvPr>
-        </p:nvSpPr>
-        <p:spPr/>
-        <p:txBody>
-          <a:bodyPr/>
-          <a:lstStyle/>
-          <a:p>
-            <a:r>
-              <a:rPr lang="fi-FI" dirty="0" smtClean="0"/>
-              <a:t>CSV-</a:t>
-            </a:r>
-            <a:r>
-              <a:rPr lang="fi-FI" dirty="0" err="1" smtClean="0"/>
-              <a:t>file</a:t>
-            </a:r>
-            <a:r>
-              <a:rPr lang="fi-FI" dirty="0" smtClean="0"/>
-              <a:t> is </a:t>
-            </a:r>
-            <a:r>
-              <a:rPr lang="fi-FI" dirty="0" err="1" smtClean="0"/>
-              <a:t>stored</a:t>
-            </a:r>
-            <a:r>
-              <a:rPr lang="fi-FI" dirty="0" smtClean="0"/>
-              <a:t> in </a:t>
-            </a:r>
-            <a:r>
-              <a:rPr lang="fi-FI" dirty="0" err="1" smtClean="0"/>
-              <a:t>Hadoop</a:t>
-            </a:r>
+          <a:p>
+            <a:r>
+              <a:rPr lang="fi-FI" dirty="0"/>
+              <a:t>It </a:t>
+            </a:r>
+            <a:r>
+              <a:rPr lang="fi-FI" dirty="0" err="1"/>
+              <a:t>also</a:t>
+            </a:r>
+            <a:r>
+              <a:rPr lang="fi-FI" dirty="0"/>
+              <a:t> </a:t>
+            </a:r>
+            <a:r>
+              <a:rPr lang="fi-FI" dirty="0" err="1"/>
+              <a:t>counts</a:t>
+            </a:r>
+            <a:r>
+              <a:rPr lang="fi-FI" dirty="0"/>
+              <a:t> </a:t>
+            </a:r>
+            <a:r>
+              <a:rPr lang="fi-FI" dirty="0" err="1"/>
+              <a:t>amount</a:t>
+            </a:r>
+            <a:r>
+              <a:rPr lang="fi-FI" dirty="0"/>
+              <a:t> of </a:t>
+            </a:r>
+            <a:r>
+              <a:rPr lang="fi-FI" dirty="0" err="1"/>
+              <a:t>customers</a:t>
+            </a:r>
+            <a:r>
+              <a:rPr lang="fi-FI" dirty="0"/>
+              <a:t> for </a:t>
+            </a:r>
+            <a:r>
+              <a:rPr lang="fi-FI" dirty="0" err="1"/>
+              <a:t>each</a:t>
+            </a:r>
+            <a:r>
+              <a:rPr lang="fi-FI" dirty="0"/>
+              <a:t> </a:t>
+            </a:r>
+            <a:r>
+              <a:rPr lang="fi-FI" dirty="0" err="1"/>
+              <a:t>zip</a:t>
+            </a:r>
+            <a:r>
+              <a:rPr lang="fi-FI" dirty="0"/>
+              <a:t> </a:t>
+            </a:r>
+            <a:r>
+              <a:rPr lang="fi-FI" dirty="0" err="1"/>
+              <a:t>code</a:t>
+            </a:r>
+            <a:endParaRPr lang="fi-FI" dirty="0"/>
+          </a:p>
+          <a:p>
+            <a:endParaRPr lang="fi-FI" dirty="0"/>
+          </a:p>
+          <a:p>
+            <a:endParaRPr lang="fi-FI" dirty="0"/>
+          </a:p>
+          <a:p>
+            <a:pPr marL="0" indent="0">
+              <a:buNone/>
+            </a:pPr>
             <a:endParaRPr lang="fi-FI" dirty="0"/>
           </a:p>
         </p:txBody>
@@ -3794,7 +4119,7 @@
     </p:spTree>
     <p:extLst>
       <p:ext uri="{BB962C8B-B14F-4D97-AF65-F5344CB8AC3E}">
-        <p14:creationId xmlns:p14="http://schemas.microsoft.com/office/powerpoint/2010/main" val="832293117"/>
+        <p14:creationId xmlns:p14="http://schemas.microsoft.com/office/powerpoint/2010/main" val="1584973023"/>
       </p:ext>
     </p:extLst>
   </p:cSld>
@@ -3833,20 +4158,110 @@
         </p:nvSpPr>
         <p:spPr/>
         <p:txBody>
-          <a:bodyPr/>
-          <a:lstStyle/>
-          <a:p>
-            <a:r>
-              <a:rPr lang="fi-FI" dirty="0" err="1" smtClean="0"/>
-              <a:t>Map</a:t>
-            </a:r>
-            <a:r>
-              <a:rPr lang="fi-FI" dirty="0" err="1"/>
-              <a:t>-</a:t>
-            </a:r>
-            <a:r>
-              <a:rPr lang="fi-FI" dirty="0" err="1" smtClean="0"/>
-              <a:t>reduce</a:t>
+          <a:bodyPr>
+            <a:normAutofit fontScale="90000"/>
+          </a:bodyPr>
+          <a:lstStyle/>
+          <a:p>
+            <a:r>
+              <a:rPr lang="fi-FI" dirty="0" err="1"/>
+              <a:t>Hypothesis</a:t>
+            </a:r>
+            <a:r>
+              <a:rPr lang="fi-FI" dirty="0"/>
+              <a:t> 1: </a:t>
+            </a:r>
+            <a:r>
+              <a:rPr lang="fi-FI" i="1" dirty="0"/>
+              <a:t>Young </a:t>
+            </a:r>
+            <a:r>
+              <a:rPr lang="fi-FI" i="1" dirty="0" err="1"/>
+              <a:t>people</a:t>
+            </a:r>
+            <a:r>
+              <a:rPr lang="fi-FI" i="1" dirty="0"/>
+              <a:t> </a:t>
+            </a:r>
+            <a:r>
+              <a:rPr lang="fi-FI" i="1" dirty="0" err="1"/>
+              <a:t>use</a:t>
+            </a:r>
+            <a:r>
+              <a:rPr lang="fi-FI" i="1" dirty="0"/>
+              <a:t> </a:t>
+            </a:r>
+            <a:r>
+              <a:rPr lang="fi-FI" i="1" dirty="0" err="1"/>
+              <a:t>more</a:t>
+            </a:r>
+            <a:r>
+              <a:rPr lang="fi-FI" i="1" dirty="0"/>
+              <a:t> money (</a:t>
+            </a:r>
+            <a:r>
+              <a:rPr lang="fi-FI" i="1" dirty="0" err="1"/>
+              <a:t>credit</a:t>
+            </a:r>
+            <a:r>
+              <a:rPr lang="fi-FI" i="1" dirty="0"/>
+              <a:t> </a:t>
+            </a:r>
+            <a:r>
+              <a:rPr lang="fi-FI" i="1" dirty="0" err="1"/>
+              <a:t>card</a:t>
+            </a:r>
+            <a:r>
+              <a:rPr lang="fi-FI" i="1" dirty="0"/>
+              <a:t>) </a:t>
+            </a:r>
+            <a:r>
+              <a:rPr lang="fi-FI" i="1" dirty="0" err="1"/>
+              <a:t>propotionally</a:t>
+            </a:r>
+            <a:r>
+              <a:rPr lang="fi-FI" i="1" dirty="0"/>
+              <a:t> to </a:t>
+            </a:r>
+            <a:r>
+              <a:rPr lang="fi-FI" i="1" dirty="0" err="1"/>
+              <a:t>their</a:t>
+            </a:r>
+            <a:r>
+              <a:rPr lang="fi-FI" i="1" dirty="0"/>
+              <a:t> </a:t>
+            </a:r>
+            <a:r>
+              <a:rPr lang="fi-FI" i="1" dirty="0" err="1"/>
+              <a:t>income</a:t>
+            </a:r>
+            <a:r>
+              <a:rPr lang="fi-FI" i="1" dirty="0"/>
+              <a:t> </a:t>
+            </a:r>
+            <a:r>
+              <a:rPr lang="fi-FI" i="1" dirty="0" err="1"/>
+              <a:t>than</a:t>
+            </a:r>
+            <a:r>
+              <a:rPr lang="fi-FI" i="1" dirty="0"/>
+              <a:t> </a:t>
+            </a:r>
+            <a:r>
+              <a:rPr lang="fi-FI" i="1" dirty="0" err="1"/>
+              <a:t>older</a:t>
+            </a:r>
+            <a:r>
+              <a:rPr lang="fi-FI" i="1" dirty="0"/>
+              <a:t> </a:t>
+            </a:r>
+            <a:r>
+              <a:rPr lang="fi-FI" i="1" dirty="0" err="1"/>
+              <a:t>people</a:t>
+            </a:r>
+            <a:r>
+              <a:rPr lang="fi-FI" i="1" dirty="0"/>
+              <a:t>.</a:t>
             </a:r>
             <a:endParaRPr lang="fi-FI" dirty="0"/>
           </a:p>
@@ -3864,245 +4279,366 @@
         </p:nvSpPr>
         <p:spPr/>
         <p:txBody>
-          <a:bodyPr/>
-          <a:lstStyle/>
-          <a:p>
-            <a:r>
-              <a:rPr lang="fi-FI" dirty="0" err="1" smtClean="0"/>
-              <a:t>Map-reduce</a:t>
-            </a:r>
-            <a:r>
-              <a:rPr lang="fi-FI" dirty="0" smtClean="0"/>
-              <a:t> is </a:t>
-            </a:r>
-            <a:r>
-              <a:rPr lang="fi-FI" dirty="0" err="1" smtClean="0"/>
+          <a:bodyPr>
+            <a:normAutofit/>
+          </a:bodyPr>
+          <a:lstStyle/>
+          <a:p>
+            <a:r>
+              <a:rPr lang="fi-FI" dirty="0"/>
+              <a:t>Young </a:t>
+            </a:r>
+            <a:r>
+              <a:rPr lang="fi-FI" dirty="0" err="1"/>
+              <a:t>people</a:t>
+            </a:r>
+            <a:r>
+              <a:rPr lang="fi-FI" dirty="0"/>
+              <a:t> </a:t>
+            </a:r>
+            <a:r>
+              <a:rPr lang="fi-FI" dirty="0" err="1"/>
+              <a:t>were</a:t>
+            </a:r>
+            <a:r>
+              <a:rPr lang="fi-FI" dirty="0"/>
+              <a:t> </a:t>
+            </a:r>
+            <a:r>
+              <a:rPr lang="fi-FI" dirty="0" err="1"/>
+              <a:t>everyone</a:t>
+            </a:r>
+            <a:r>
+              <a:rPr lang="fi-FI" dirty="0"/>
+              <a:t> &lt; 44 </a:t>
+            </a:r>
+            <a:r>
+              <a:rPr lang="fi-FI" dirty="0" err="1"/>
+              <a:t>years</a:t>
+            </a:r>
+            <a:r>
+              <a:rPr lang="fi-FI" dirty="0"/>
+              <a:t> </a:t>
+            </a:r>
+            <a:r>
+              <a:rPr lang="fi-FI" dirty="0" err="1"/>
+              <a:t>old</a:t>
+            </a:r>
+            <a:r>
+              <a:rPr lang="fi-FI" dirty="0"/>
+              <a:t>. </a:t>
+            </a:r>
+            <a:r>
+              <a:rPr lang="en-FI" dirty="0"/>
+              <a:t>Amount: 2271</a:t>
+            </a:r>
+            <a:endParaRPr lang="fi-FI" dirty="0"/>
+          </a:p>
+          <a:p>
+            <a:pPr lvl="1"/>
+            <a:r>
+              <a:rPr lang="fi-FI" dirty="0" err="1"/>
+              <a:t>Income</a:t>
+            </a:r>
+            <a:r>
+              <a:rPr lang="fi-FI" dirty="0"/>
+              <a:t> </a:t>
+            </a:r>
+            <a:r>
+              <a:rPr lang="fi-FI" dirty="0" err="1"/>
+              <a:t>average</a:t>
+            </a:r>
+            <a:r>
+              <a:rPr lang="fi-FI" dirty="0"/>
+              <a:t>: 75.94k/</a:t>
+            </a:r>
+            <a:r>
+              <a:rPr lang="fi-FI" dirty="0" err="1"/>
+              <a:t>year</a:t>
+            </a:r>
+            <a:r>
+              <a:rPr lang="fi-FI" dirty="0"/>
+              <a:t>.</a:t>
+            </a:r>
+          </a:p>
+          <a:p>
+            <a:pPr lvl="1"/>
+            <a:r>
+              <a:rPr lang="fi-FI" dirty="0"/>
+              <a:t>Credit </a:t>
+            </a:r>
+            <a:r>
+              <a:rPr lang="fi-FI" dirty="0" err="1"/>
+              <a:t>card</a:t>
+            </a:r>
+            <a:r>
+              <a:rPr lang="fi-FI" dirty="0"/>
+              <a:t> </a:t>
+            </a:r>
+            <a:r>
+              <a:rPr lang="fi-FI" dirty="0" err="1"/>
+              <a:t>average</a:t>
+            </a:r>
+            <a:r>
+              <a:rPr lang="fi-FI" dirty="0"/>
+              <a:t> </a:t>
+            </a:r>
+            <a:r>
+              <a:rPr lang="fi-FI" dirty="0" err="1"/>
+              <a:t>usage</a:t>
+            </a:r>
+            <a:r>
+              <a:rPr lang="fi-FI" dirty="0"/>
+              <a:t>: 2.02k/</a:t>
+            </a:r>
+            <a:r>
+              <a:rPr lang="fi-FI" dirty="0" err="1"/>
+              <a:t>month</a:t>
+            </a:r>
+            <a:r>
+              <a:rPr lang="fi-FI" dirty="0"/>
+              <a:t>.</a:t>
+            </a:r>
+          </a:p>
+          <a:p>
+            <a:pPr lvl="1"/>
+            <a:r>
+              <a:rPr lang="fi-FI" dirty="0"/>
+              <a:t>~32% of </a:t>
+            </a:r>
+            <a:r>
+              <a:rPr lang="fi-FI" dirty="0" err="1"/>
+              <a:t>income</a:t>
+            </a:r>
+            <a:r>
+              <a:rPr lang="fi-FI" dirty="0"/>
+              <a:t> </a:t>
+            </a:r>
+            <a:r>
+              <a:rPr lang="fi-FI" dirty="0" err="1"/>
               <a:t>used</a:t>
             </a:r>
             <a:r>
-              <a:rPr lang="fi-FI" dirty="0" smtClean="0"/>
-              <a:t> to </a:t>
-            </a:r>
-            <a:r>
-              <a:rPr lang="fi-FI" dirty="0" err="1" smtClean="0"/>
-              <a:t>store</a:t>
-            </a:r>
-            <a:r>
-              <a:rPr lang="fi-FI" dirty="0" smtClean="0"/>
-              <a:t> </a:t>
-            </a:r>
-            <a:r>
-              <a:rPr lang="fi-FI" dirty="0" err="1" smtClean="0"/>
-              <a:t>the</a:t>
-            </a:r>
-            <a:r>
-              <a:rPr lang="fi-FI" dirty="0" smtClean="0"/>
-              <a:t> data to </a:t>
-            </a:r>
-            <a:r>
-              <a:rPr lang="fi-FI" dirty="0" err="1" smtClean="0"/>
-              <a:t>the</a:t>
-            </a:r>
-            <a:r>
-              <a:rPr lang="fi-FI" dirty="0" smtClean="0"/>
-              <a:t> </a:t>
-            </a:r>
-            <a:r>
-              <a:rPr lang="fi-FI" dirty="0" err="1"/>
-              <a:t>M</a:t>
-            </a:r>
-            <a:r>
-              <a:rPr lang="fi-FI" dirty="0" err="1" smtClean="0"/>
-              <a:t>ongoDB</a:t>
-            </a:r>
-            <a:r>
-              <a:rPr lang="fi-FI" dirty="0" smtClean="0"/>
-              <a:t> </a:t>
-            </a:r>
-            <a:r>
-              <a:rPr lang="fi-FI" dirty="0" err="1" smtClean="0"/>
-              <a:t>database</a:t>
-            </a:r>
-            <a:r>
-              <a:rPr lang="fi-FI" dirty="0" smtClean="0"/>
+              <a:rPr lang="fi-FI" dirty="0"/>
+              <a:t> per </a:t>
+            </a:r>
+            <a:r>
+              <a:rPr lang="fi-FI" dirty="0" err="1"/>
+              <a:t>month</a:t>
+            </a:r>
+            <a:r>
+              <a:rPr lang="fi-FI" dirty="0"/>
               <a:t>.</a:t>
             </a:r>
           </a:p>
           <a:p>
             <a:r>
-              <a:rPr lang="fi-FI" dirty="0" err="1" smtClean="0"/>
-              <a:t>The</a:t>
-            </a:r>
-            <a:r>
-              <a:rPr lang="fi-FI" dirty="0" smtClean="0"/>
-              <a:t> </a:t>
-            </a:r>
-            <a:r>
-              <a:rPr lang="fi-FI" dirty="0" err="1" smtClean="0"/>
-              <a:t>original</a:t>
-            </a:r>
-            <a:r>
-              <a:rPr lang="fi-FI" dirty="0" smtClean="0"/>
-              <a:t> CSV-</a:t>
-            </a:r>
-            <a:r>
-              <a:rPr lang="fi-FI" dirty="0" err="1" smtClean="0"/>
-              <a:t>file</a:t>
-            </a:r>
-            <a:r>
-              <a:rPr lang="fi-FI" dirty="0" smtClean="0"/>
-              <a:t> is </a:t>
-            </a:r>
-            <a:r>
-              <a:rPr lang="fi-FI" dirty="0" err="1" smtClean="0"/>
-              <a:t>also</a:t>
-            </a:r>
-            <a:r>
-              <a:rPr lang="fi-FI" dirty="0" smtClean="0"/>
-              <a:t> </a:t>
-            </a:r>
-            <a:r>
-              <a:rPr lang="fi-FI" dirty="0" err="1" smtClean="0"/>
-              <a:t>modified</a:t>
-            </a:r>
-            <a:r>
-              <a:rPr lang="fi-FI" dirty="0" smtClean="0"/>
-              <a:t> </a:t>
-            </a:r>
-            <a:r>
-              <a:rPr lang="fi-FI" dirty="0" err="1" smtClean="0"/>
-              <a:t>prior</a:t>
-            </a:r>
-            <a:r>
-              <a:rPr lang="fi-FI" dirty="0" smtClean="0"/>
-              <a:t> to </a:t>
-            </a:r>
-            <a:r>
-              <a:rPr lang="fi-FI" dirty="0" err="1" smtClean="0"/>
-              <a:t>saving</a:t>
-            </a:r>
-            <a:r>
-              <a:rPr lang="fi-FI" dirty="0" smtClean="0"/>
-              <a:t> it to </a:t>
-            </a:r>
-            <a:r>
-              <a:rPr lang="fi-FI" dirty="0" err="1" smtClean="0"/>
-              <a:t>database</a:t>
-            </a:r>
-            <a:r>
-              <a:rPr lang="fi-FI" dirty="0" smtClean="0"/>
+              <a:rPr lang="fi-FI" dirty="0"/>
+              <a:t>Old </a:t>
+            </a:r>
+            <a:r>
+              <a:rPr lang="fi-FI" dirty="0" err="1"/>
+              <a:t>people</a:t>
+            </a:r>
+            <a:r>
+              <a:rPr lang="fi-FI" dirty="0"/>
+              <a:t> </a:t>
+            </a:r>
+            <a:r>
+              <a:rPr lang="fi-FI" dirty="0" err="1"/>
+              <a:t>were</a:t>
+            </a:r>
+            <a:r>
+              <a:rPr lang="fi-FI" dirty="0"/>
+              <a:t> </a:t>
+            </a:r>
+            <a:r>
+              <a:rPr lang="fi-FI" dirty="0" err="1"/>
+              <a:t>everyone</a:t>
+            </a:r>
+            <a:r>
+              <a:rPr lang="fi-FI" dirty="0"/>
+              <a:t> &gt;= 44 </a:t>
+            </a:r>
+            <a:r>
+              <a:rPr lang="fi-FI" dirty="0" err="1"/>
+              <a:t>years</a:t>
+            </a:r>
+            <a:r>
+              <a:rPr lang="fi-FI" dirty="0"/>
+              <a:t> </a:t>
+            </a:r>
+            <a:r>
+              <a:rPr lang="fi-FI" dirty="0" err="1"/>
+              <a:t>old</a:t>
+            </a:r>
+            <a:r>
+              <a:rPr lang="fi-FI" dirty="0"/>
+              <a:t>. </a:t>
+            </a:r>
+            <a:r>
+              <a:rPr lang="fi-FI" dirty="0" err="1"/>
+              <a:t>Amount</a:t>
+            </a:r>
+            <a:r>
+              <a:rPr lang="fi-FI" dirty="0"/>
+              <a:t>: </a:t>
+            </a:r>
+            <a:r>
+              <a:rPr lang="en-FI" dirty="0"/>
+              <a:t>2729</a:t>
+            </a:r>
+            <a:endParaRPr lang="fi-FI" dirty="0"/>
+          </a:p>
+          <a:p>
+            <a:pPr lvl="1"/>
+            <a:r>
+              <a:rPr lang="fi-FI" dirty="0" err="1"/>
+              <a:t>Income</a:t>
+            </a:r>
+            <a:r>
+              <a:rPr lang="fi-FI" dirty="0"/>
+              <a:t> </a:t>
+            </a:r>
+            <a:r>
+              <a:rPr lang="fi-FI" dirty="0" err="1"/>
+              <a:t>average</a:t>
+            </a:r>
+            <a:r>
+              <a:rPr lang="fi-FI" dirty="0"/>
+              <a:t>: 71.98k/</a:t>
+            </a:r>
+            <a:r>
+              <a:rPr lang="fi-FI" dirty="0" err="1"/>
+              <a:t>year</a:t>
+            </a:r>
+            <a:r>
+              <a:rPr lang="fi-FI" dirty="0"/>
               <a:t>.</a:t>
             </a:r>
           </a:p>
           <a:p>
-            <a:r>
-              <a:rPr lang="fi-FI" dirty="0" err="1" smtClean="0"/>
-              <a:t>Customers</a:t>
-            </a:r>
-            <a:r>
-              <a:rPr lang="fi-FI" dirty="0" smtClean="0"/>
-              <a:t> </a:t>
-            </a:r>
-            <a:r>
-              <a:rPr lang="fi-FI" dirty="0" err="1" smtClean="0"/>
-              <a:t>are</a:t>
-            </a:r>
-            <a:r>
-              <a:rPr lang="fi-FI" dirty="0" smtClean="0"/>
-              <a:t> </a:t>
-            </a:r>
-            <a:r>
-              <a:rPr lang="fi-FI" dirty="0" err="1" smtClean="0"/>
-              <a:t>grouped</a:t>
-            </a:r>
-            <a:r>
-              <a:rPr lang="fi-FI" dirty="0" smtClean="0"/>
-              <a:t> </a:t>
-            </a:r>
-            <a:r>
-              <a:rPr lang="fi-FI" dirty="0" err="1" smtClean="0"/>
-              <a:t>by</a:t>
-            </a:r>
-            <a:r>
-              <a:rPr lang="fi-FI" dirty="0" smtClean="0"/>
-              <a:t> ZIP </a:t>
-            </a:r>
-            <a:r>
-              <a:rPr lang="fi-FI" dirty="0" err="1" smtClean="0"/>
-              <a:t>Code</a:t>
-            </a:r>
-            <a:r>
-              <a:rPr lang="fi-FI" dirty="0" smtClean="0"/>
+            <a:pPr lvl="1"/>
+            <a:r>
+              <a:rPr lang="fi-FI" dirty="0"/>
+              <a:t>Credit </a:t>
+            </a:r>
+            <a:r>
+              <a:rPr lang="fi-FI" dirty="0" err="1"/>
+              <a:t>card</a:t>
+            </a:r>
+            <a:r>
+              <a:rPr lang="fi-FI" dirty="0"/>
+              <a:t> </a:t>
+            </a:r>
+            <a:r>
+              <a:rPr lang="fi-FI" dirty="0" err="1"/>
+              <a:t>average</a:t>
+            </a:r>
+            <a:r>
+              <a:rPr lang="fi-FI" dirty="0"/>
+              <a:t> </a:t>
+            </a:r>
+            <a:r>
+              <a:rPr lang="fi-FI" dirty="0" err="1"/>
+              <a:t>usage</a:t>
+            </a:r>
+            <a:r>
+              <a:rPr lang="fi-FI" dirty="0"/>
+              <a:t>: 1.87k/</a:t>
+            </a:r>
+            <a:r>
+              <a:rPr lang="fi-FI" dirty="0" err="1"/>
+              <a:t>month</a:t>
+            </a:r>
+            <a:endParaRPr lang="fi-FI" dirty="0"/>
+          </a:p>
+          <a:p>
+            <a:pPr lvl="1"/>
+            <a:r>
+              <a:rPr lang="fi-FI" dirty="0"/>
+              <a:t>~31% of </a:t>
+            </a:r>
+            <a:r>
+              <a:rPr lang="fi-FI" dirty="0" err="1"/>
+              <a:t>income</a:t>
+            </a:r>
+            <a:r>
+              <a:rPr lang="fi-FI" dirty="0"/>
+              <a:t> </a:t>
+            </a:r>
+            <a:r>
+              <a:rPr lang="fi-FI" dirty="0" err="1"/>
+              <a:t>used</a:t>
+            </a:r>
+            <a:r>
+              <a:rPr lang="fi-FI" dirty="0"/>
+              <a:t> per </a:t>
+            </a:r>
+            <a:r>
+              <a:rPr lang="fi-FI" dirty="0" err="1"/>
+              <a:t>month</a:t>
+            </a:r>
+            <a:r>
+              <a:rPr lang="fi-FI" dirty="0"/>
               <a:t>.</a:t>
             </a:r>
           </a:p>
           <a:p>
-            <a:pPr lvl="1"/>
-            <a:r>
-              <a:rPr lang="fi-FI" dirty="0" err="1" smtClean="0"/>
-              <a:t>This</a:t>
-            </a:r>
-            <a:r>
-              <a:rPr lang="fi-FI" dirty="0" smtClean="0"/>
-              <a:t> is </a:t>
-            </a:r>
-            <a:r>
-              <a:rPr lang="fi-FI" dirty="0" err="1" smtClean="0"/>
-              <a:t>done</a:t>
-            </a:r>
-            <a:r>
-              <a:rPr lang="fi-FI" dirty="0" smtClean="0"/>
-              <a:t> to </a:t>
-            </a:r>
-            <a:r>
-              <a:rPr lang="fi-FI" dirty="0" err="1" smtClean="0"/>
-              <a:t>get</a:t>
-            </a:r>
-            <a:r>
-              <a:rPr lang="fi-FI" dirty="0" smtClean="0"/>
-              <a:t> </a:t>
-            </a:r>
-            <a:r>
-              <a:rPr lang="fi-FI" dirty="0" err="1" smtClean="0"/>
-              <a:t>more</a:t>
-            </a:r>
-            <a:r>
-              <a:rPr lang="fi-FI" dirty="0" smtClean="0"/>
-              <a:t> </a:t>
-            </a:r>
-            <a:r>
-              <a:rPr lang="fi-FI" dirty="0" err="1" smtClean="0"/>
-              <a:t>information</a:t>
-            </a:r>
-            <a:r>
-              <a:rPr lang="fi-FI" dirty="0" smtClean="0"/>
-              <a:t> </a:t>
-            </a:r>
-            <a:r>
-              <a:rPr lang="fi-FI" dirty="0" err="1" smtClean="0"/>
-              <a:t>about</a:t>
-            </a:r>
-            <a:r>
-              <a:rPr lang="fi-FI" dirty="0" smtClean="0"/>
-              <a:t> </a:t>
-            </a:r>
-            <a:r>
-              <a:rPr lang="fi-FI" dirty="0" err="1" smtClean="0"/>
-              <a:t>the</a:t>
-            </a:r>
-            <a:r>
-              <a:rPr lang="fi-FI" dirty="0" smtClean="0"/>
-              <a:t> data.</a:t>
-            </a:r>
-          </a:p>
-          <a:p>
-            <a:pPr lvl="1"/>
-            <a:endParaRPr lang="fi-FI" dirty="0" smtClean="0"/>
-          </a:p>
-          <a:p>
-            <a:pPr marL="0" indent="0">
-              <a:buNone/>
-            </a:pPr>
+            <a:r>
+              <a:rPr lang="fi-FI" dirty="0"/>
+              <a:t>No </a:t>
+            </a:r>
+            <a:r>
+              <a:rPr lang="fi-FI" dirty="0" err="1"/>
+              <a:t>significant</a:t>
+            </a:r>
+            <a:r>
+              <a:rPr lang="fi-FI" dirty="0"/>
+              <a:t> </a:t>
+            </a:r>
+            <a:r>
+              <a:rPr lang="fi-FI" dirty="0" err="1"/>
+              <a:t>difference</a:t>
+            </a:r>
+            <a:r>
+              <a:rPr lang="fi-FI" dirty="0"/>
+              <a:t>, </a:t>
+            </a:r>
+            <a:r>
+              <a:rPr lang="fi-FI" dirty="0" err="1"/>
+              <a:t>hypothesis</a:t>
+            </a:r>
+            <a:r>
+              <a:rPr lang="fi-FI" dirty="0"/>
+              <a:t> </a:t>
+            </a:r>
+            <a:r>
+              <a:rPr lang="fi-FI" dirty="0" err="1"/>
+              <a:t>was</a:t>
+            </a:r>
+            <a:r>
+              <a:rPr lang="fi-FI" dirty="0"/>
+              <a:t> </a:t>
+            </a:r>
+            <a:r>
+              <a:rPr lang="fi-FI" dirty="0" err="1"/>
+              <a:t>proven</a:t>
+            </a:r>
+            <a:r>
+              <a:rPr lang="fi-FI" dirty="0"/>
+              <a:t> </a:t>
+            </a:r>
+            <a:r>
+              <a:rPr lang="fi-FI" dirty="0" err="1"/>
+              <a:t>wrong</a:t>
+            </a:r>
+            <a:r>
+              <a:rPr lang="fi-FI" dirty="0"/>
+              <a:t>.</a:t>
+            </a:r>
+          </a:p>
+          <a:p>
             <a:endParaRPr lang="fi-FI" dirty="0"/>
           </a:p>
         </p:txBody>
@@ -4110,7 +4646,7 @@
     </p:spTree>
     <p:extLst>
       <p:ext uri="{BB962C8B-B14F-4D97-AF65-F5344CB8AC3E}">
-        <p14:creationId xmlns:p14="http://schemas.microsoft.com/office/powerpoint/2010/main" val="1584973023"/>
+        <p14:creationId xmlns:p14="http://schemas.microsoft.com/office/powerpoint/2010/main" val="3713847787"/>
       </p:ext>
     </p:extLst>
   </p:cSld>
@@ -4150,516 +4686,286 @@
         <p:spPr/>
         <p:txBody>
           <a:bodyPr>
-            <a:normAutofit fontScale="90000"/>
-          </a:bodyPr>
-          <a:lstStyle/>
-          <a:p>
-            <a:r>
-              <a:rPr lang="fi-FI" dirty="0" err="1" smtClean="0"/>
-              <a:t>Hypothesis</a:t>
-            </a:r>
-            <a:r>
-              <a:rPr lang="fi-FI" dirty="0" smtClean="0"/>
-              <a:t> 1: </a:t>
-            </a:r>
-            <a:r>
-              <a:rPr lang="fi-FI" i="1" dirty="0" smtClean="0"/>
-              <a:t>Young </a:t>
-            </a:r>
-            <a:r>
-              <a:rPr lang="fi-FI" i="1" dirty="0" err="1" smtClean="0"/>
-              <a:t>people</a:t>
-            </a:r>
-            <a:r>
-              <a:rPr lang="fi-FI" i="1" dirty="0" smtClean="0"/>
-              <a:t> </a:t>
-            </a:r>
-            <a:r>
-              <a:rPr lang="fi-FI" i="1" dirty="0" err="1" smtClean="0"/>
-              <a:t>use</a:t>
-            </a:r>
-            <a:r>
-              <a:rPr lang="fi-FI" i="1" dirty="0" smtClean="0"/>
-              <a:t> </a:t>
-            </a:r>
-            <a:r>
-              <a:rPr lang="fi-FI" i="1" dirty="0" err="1" smtClean="0"/>
-              <a:t>more</a:t>
-            </a:r>
-            <a:r>
-              <a:rPr lang="fi-FI" i="1" dirty="0" smtClean="0"/>
-              <a:t> money (</a:t>
-            </a:r>
-            <a:r>
-              <a:rPr lang="fi-FI" i="1" dirty="0" err="1" smtClean="0"/>
-              <a:t>credit</a:t>
-            </a:r>
-            <a:r>
-              <a:rPr lang="fi-FI" i="1" dirty="0" smtClean="0"/>
-              <a:t> </a:t>
-            </a:r>
-            <a:r>
-              <a:rPr lang="fi-FI" i="1" dirty="0" err="1" smtClean="0"/>
-              <a:t>card</a:t>
-            </a:r>
-            <a:r>
-              <a:rPr lang="fi-FI" i="1" dirty="0" smtClean="0"/>
-              <a:t>) </a:t>
-            </a:r>
-            <a:r>
-              <a:rPr lang="fi-FI" i="1" dirty="0" err="1" smtClean="0"/>
-              <a:t>propotionally</a:t>
-            </a:r>
-            <a:r>
-              <a:rPr lang="fi-FI" i="1" dirty="0" smtClean="0"/>
-              <a:t> to </a:t>
-            </a:r>
-            <a:r>
-              <a:rPr lang="fi-FI" i="1" dirty="0" err="1" smtClean="0"/>
-              <a:t>their</a:t>
-            </a:r>
-            <a:r>
-              <a:rPr lang="fi-FI" i="1" dirty="0" smtClean="0"/>
-              <a:t> </a:t>
-            </a:r>
-            <a:r>
-              <a:rPr lang="fi-FI" i="1" dirty="0" err="1" smtClean="0"/>
-              <a:t>income</a:t>
-            </a:r>
-            <a:r>
-              <a:rPr lang="fi-FI" i="1" dirty="0"/>
-              <a:t> </a:t>
-            </a:r>
-            <a:r>
-              <a:rPr lang="fi-FI" i="1" dirty="0" err="1" smtClean="0"/>
-              <a:t>than</a:t>
-            </a:r>
-            <a:r>
-              <a:rPr lang="fi-FI" i="1" dirty="0"/>
-              <a:t> </a:t>
-            </a:r>
-            <a:r>
-              <a:rPr lang="fi-FI" i="1" dirty="0" err="1" smtClean="0"/>
-              <a:t>older</a:t>
-            </a:r>
-            <a:r>
-              <a:rPr lang="fi-FI" i="1" dirty="0" smtClean="0"/>
-              <a:t> </a:t>
-            </a:r>
-            <a:r>
-              <a:rPr lang="fi-FI" i="1" dirty="0" err="1" smtClean="0"/>
-              <a:t>people</a:t>
-            </a:r>
-            <a:r>
-              <a:rPr lang="fi-FI" i="1" dirty="0" smtClean="0"/>
-              <a:t>.</a:t>
-            </a:r>
-            <a:endParaRPr lang="fi-FI" dirty="0"/>
-          </a:p>
-        </p:txBody>
-      </p:sp>
-      <p:sp>
-        <p:nvSpPr>
-          <p:cNvPr id="3" name="Sisällön paikkamerkki 2"/>
-          <p:cNvSpPr>
-            <a:spLocks noGrp="1"/>
-          </p:cNvSpPr>
-          <p:nvPr>
-            <p:ph idx="1"/>
-          </p:nvPr>
-        </p:nvSpPr>
-        <p:spPr/>
-        <p:txBody>
-          <a:bodyPr>
             <a:normAutofit/>
           </a:bodyPr>
           <a:lstStyle/>
           <a:p>
             <a:r>
-              <a:rPr lang="fi-FI" dirty="0" smtClean="0"/>
-              <a:t>Young </a:t>
-            </a:r>
-            <a:r>
-              <a:rPr lang="fi-FI" dirty="0" err="1" smtClean="0"/>
-              <a:t>people</a:t>
-            </a:r>
-            <a:r>
-              <a:rPr lang="fi-FI" dirty="0" smtClean="0"/>
-              <a:t> </a:t>
-            </a:r>
-            <a:r>
-              <a:rPr lang="fi-FI" dirty="0" err="1" smtClean="0"/>
-              <a:t>were</a:t>
-            </a:r>
-            <a:r>
-              <a:rPr lang="fi-FI" dirty="0" smtClean="0"/>
-              <a:t> </a:t>
-            </a:r>
-            <a:r>
-              <a:rPr lang="fi-FI" dirty="0" err="1" smtClean="0"/>
-              <a:t>everyone</a:t>
-            </a:r>
-            <a:r>
-              <a:rPr lang="fi-FI" dirty="0" smtClean="0"/>
-              <a:t> &lt; 44 </a:t>
-            </a:r>
-            <a:r>
-              <a:rPr lang="fi-FI" dirty="0" err="1" smtClean="0"/>
+              <a:rPr lang="fi-FI" dirty="0" err="1"/>
+              <a:t>Hypothesis</a:t>
+            </a:r>
+            <a:r>
+              <a:rPr lang="fi-FI" dirty="0"/>
+              <a:t> 2: </a:t>
+            </a:r>
+            <a:r>
+              <a:rPr lang="fi-FI" i="1" dirty="0" err="1"/>
+              <a:t>Work</a:t>
+            </a:r>
+            <a:r>
+              <a:rPr lang="fi-FI" i="1" dirty="0"/>
+              <a:t> </a:t>
+            </a:r>
+            <a:r>
+              <a:rPr lang="fi-FI" i="1" dirty="0" err="1"/>
+              <a:t>experience</a:t>
+            </a:r>
+            <a:r>
+              <a:rPr lang="fi-FI" i="1" dirty="0"/>
+              <a:t> </a:t>
+            </a:r>
+            <a:r>
+              <a:rPr lang="fi-FI" i="1" dirty="0" err="1"/>
+              <a:t>correlates</a:t>
+            </a:r>
+            <a:r>
+              <a:rPr lang="fi-FI" i="1" dirty="0"/>
+              <a:t> to </a:t>
+            </a:r>
+            <a:r>
+              <a:rPr lang="fi-FI" i="1" dirty="0" err="1"/>
+              <a:t>larger</a:t>
+            </a:r>
+            <a:r>
+              <a:rPr lang="fi-FI" i="1" dirty="0"/>
+              <a:t> </a:t>
+            </a:r>
+            <a:r>
+              <a:rPr lang="fi-FI" i="1" dirty="0" err="1"/>
+              <a:t>income</a:t>
+            </a:r>
+            <a:r>
+              <a:rPr lang="fi-FI" i="1" dirty="0"/>
+              <a:t>.</a:t>
+            </a:r>
+            <a:endParaRPr lang="fi-FI" dirty="0"/>
+          </a:p>
+        </p:txBody>
+      </p:sp>
+      <p:sp>
+        <p:nvSpPr>
+          <p:cNvPr id="3" name="Sisällön paikkamerkki 2"/>
+          <p:cNvSpPr>
+            <a:spLocks noGrp="1"/>
+          </p:cNvSpPr>
+          <p:nvPr>
+            <p:ph idx="1"/>
+          </p:nvPr>
+        </p:nvSpPr>
+        <p:spPr/>
+        <p:txBody>
+          <a:bodyPr/>
+          <a:lstStyle/>
+          <a:p>
+            <a:r>
+              <a:rPr lang="fi-FI" dirty="0"/>
+              <a:t>&gt;= 10 </a:t>
+            </a:r>
+            <a:r>
+              <a:rPr lang="fi-FI" dirty="0" err="1"/>
               <a:t>years</a:t>
             </a:r>
             <a:r>
-              <a:rPr lang="fi-FI" dirty="0" smtClean="0"/>
-              <a:t> </a:t>
-            </a:r>
-            <a:r>
-              <a:rPr lang="fi-FI" dirty="0" err="1" smtClean="0"/>
-              <a:t>old</a:t>
-            </a:r>
-            <a:r>
-              <a:rPr lang="fi-FI" dirty="0" smtClean="0"/>
-              <a:t>. (</a:t>
-            </a:r>
-            <a:r>
-              <a:rPr lang="fi-FI" dirty="0" err="1" smtClean="0"/>
-              <a:t>check</a:t>
-            </a:r>
-            <a:r>
-              <a:rPr lang="fi-FI" dirty="0" smtClean="0"/>
-              <a:t> </a:t>
-            </a:r>
-            <a:r>
-              <a:rPr lang="fi-FI" dirty="0" err="1" smtClean="0"/>
-              <a:t>the</a:t>
-            </a:r>
-            <a:r>
-              <a:rPr lang="fi-FI" dirty="0" smtClean="0"/>
-              <a:t> </a:t>
-            </a:r>
-            <a:r>
-              <a:rPr lang="fi-FI" dirty="0" err="1" smtClean="0"/>
-              <a:t>amount</a:t>
-            </a:r>
-            <a:r>
-              <a:rPr lang="fi-FI" dirty="0" smtClean="0"/>
-              <a:t>)</a:t>
+              <a:rPr lang="fi-FI" dirty="0"/>
+              <a:t> of </a:t>
+            </a:r>
+            <a:r>
+              <a:rPr lang="fi-FI" dirty="0" err="1"/>
+              <a:t>work</a:t>
+            </a:r>
+            <a:r>
+              <a:rPr lang="fi-FI" dirty="0"/>
+              <a:t> </a:t>
+            </a:r>
+            <a:r>
+              <a:rPr lang="fi-FI" dirty="0" err="1"/>
+              <a:t>experience</a:t>
+            </a:r>
+            <a:r>
+              <a:rPr lang="fi-FI" dirty="0"/>
+              <a:t>:</a:t>
             </a:r>
           </a:p>
           <a:p>
             <a:pPr lvl="1"/>
             <a:r>
-              <a:rPr lang="fi-FI" dirty="0" err="1" smtClean="0"/>
-              <a:t>Income</a:t>
-            </a:r>
-            <a:r>
-              <a:rPr lang="fi-FI" dirty="0" smtClean="0"/>
-              <a:t> </a:t>
-            </a:r>
-            <a:r>
-              <a:rPr lang="fi-FI" dirty="0" err="1" smtClean="0"/>
-              <a:t>average</a:t>
-            </a:r>
-            <a:r>
-              <a:rPr lang="fi-FI" dirty="0" smtClean="0"/>
-              <a:t>: 75.94k/</a:t>
-            </a:r>
-            <a:r>
-              <a:rPr lang="fi-FI" dirty="0" err="1" smtClean="0"/>
+              <a:rPr lang="fi-FI" dirty="0" err="1"/>
+              <a:t>Average</a:t>
+            </a:r>
+            <a:r>
+              <a:rPr lang="fi-FI" dirty="0"/>
+              <a:t> </a:t>
+            </a:r>
+            <a:r>
+              <a:rPr lang="fi-FI" dirty="0" err="1"/>
+              <a:t>income</a:t>
+            </a:r>
+            <a:r>
+              <a:rPr lang="fi-FI" dirty="0"/>
+              <a:t> 73.12k/</a:t>
+            </a:r>
+            <a:r>
+              <a:rPr lang="fi-FI" dirty="0" err="1"/>
               <a:t>year</a:t>
             </a:r>
             <a:r>
-              <a:rPr lang="fi-FI" dirty="0" smtClean="0"/>
+              <a:rPr lang="fi-FI" dirty="0"/>
               <a:t>.</a:t>
             </a:r>
           </a:p>
           <a:p>
             <a:pPr lvl="1"/>
             <a:r>
-              <a:rPr lang="fi-FI" dirty="0" smtClean="0"/>
-              <a:t>Credit </a:t>
-            </a:r>
-            <a:r>
-              <a:rPr lang="fi-FI" dirty="0" err="1" smtClean="0"/>
-              <a:t>card</a:t>
-            </a:r>
-            <a:r>
-              <a:rPr lang="fi-FI" dirty="0" smtClean="0"/>
-              <a:t> </a:t>
-            </a:r>
-            <a:r>
-              <a:rPr lang="fi-FI" dirty="0" err="1" smtClean="0"/>
-              <a:t>average</a:t>
-            </a:r>
-            <a:r>
-              <a:rPr lang="fi-FI" dirty="0" smtClean="0"/>
-              <a:t> </a:t>
-            </a:r>
-            <a:r>
-              <a:rPr lang="fi-FI" dirty="0" err="1" smtClean="0"/>
-              <a:t>usage</a:t>
-            </a:r>
-            <a:r>
-              <a:rPr lang="fi-FI" dirty="0" smtClean="0"/>
-              <a:t>: 2.02k/</a:t>
-            </a:r>
-            <a:r>
-              <a:rPr lang="fi-FI" dirty="0" err="1" smtClean="0"/>
-              <a:t>month</a:t>
-            </a:r>
-            <a:r>
-              <a:rPr lang="fi-FI" dirty="0" smtClean="0"/>
+              <a:rPr lang="fi-FI" dirty="0"/>
+              <a:t>Median </a:t>
+            </a:r>
+            <a:r>
+              <a:rPr lang="fi-FI" dirty="0" err="1"/>
+              <a:t>income</a:t>
+            </a:r>
+            <a:r>
+              <a:rPr lang="fi-FI" dirty="0"/>
+              <a:t> 63.00k/</a:t>
+            </a:r>
+            <a:r>
+              <a:rPr lang="fi-FI" dirty="0" err="1"/>
+              <a:t>year</a:t>
+            </a:r>
+            <a:r>
+              <a:rPr lang="fi-FI" dirty="0"/>
               <a:t>.</a:t>
             </a:r>
           </a:p>
           <a:p>
+            <a:r>
+              <a:rPr lang="fi-FI" dirty="0"/>
+              <a:t>&lt; 10 </a:t>
+            </a:r>
+            <a:r>
+              <a:rPr lang="fi-FI" dirty="0" err="1"/>
+              <a:t>years</a:t>
+            </a:r>
+            <a:r>
+              <a:rPr lang="fi-FI" dirty="0"/>
+              <a:t> of </a:t>
+            </a:r>
+            <a:r>
+              <a:rPr lang="fi-FI" dirty="0" err="1"/>
+              <a:t>work</a:t>
+            </a:r>
+            <a:r>
+              <a:rPr lang="fi-FI" dirty="0"/>
+              <a:t> </a:t>
+            </a:r>
+            <a:r>
+              <a:rPr lang="fi-FI" dirty="0" err="1"/>
+              <a:t>experience</a:t>
+            </a:r>
+            <a:endParaRPr lang="fi-FI" dirty="0"/>
+          </a:p>
+          <a:p>
             <a:pPr lvl="1"/>
             <a:r>
-              <a:rPr lang="fi-FI" dirty="0" smtClean="0"/>
-              <a:t>~32% of </a:t>
-            </a:r>
-            <a:r>
-              <a:rPr lang="fi-FI" dirty="0" err="1" smtClean="0"/>
+              <a:rPr lang="fi-FI" dirty="0" err="1"/>
+              <a:t>Average</a:t>
+            </a:r>
+            <a:r>
+              <a:rPr lang="fi-FI" dirty="0"/>
+              <a:t> </a:t>
+            </a:r>
+            <a:r>
+              <a:rPr lang="fi-FI" dirty="0" err="1"/>
               <a:t>income</a:t>
             </a:r>
             <a:r>
-              <a:rPr lang="fi-FI" dirty="0" smtClean="0"/>
-              <a:t> </a:t>
-            </a:r>
-            <a:r>
-              <a:rPr lang="fi-FI" dirty="0" err="1" smtClean="0"/>
-              <a:t>used</a:t>
-            </a:r>
-            <a:r>
-              <a:rPr lang="fi-FI" dirty="0" smtClean="0"/>
-              <a:t> per </a:t>
-            </a:r>
-            <a:r>
-              <a:rPr lang="fi-FI" dirty="0" err="1" smtClean="0"/>
-              <a:t>month</a:t>
-            </a:r>
-            <a:r>
-              <a:rPr lang="fi-FI" dirty="0" smtClean="0"/>
+              <a:rPr lang="fi-FI" dirty="0"/>
+              <a:t> : 75.89k/</a:t>
+            </a:r>
+            <a:r>
+              <a:rPr lang="fi-FI" dirty="0" err="1"/>
+              <a:t>year</a:t>
+            </a:r>
+            <a:r>
+              <a:rPr lang="fi-FI" dirty="0"/>
               <a:t>.</a:t>
             </a:r>
           </a:p>
           <a:p>
-            <a:r>
-              <a:rPr lang="fi-FI" dirty="0" smtClean="0"/>
-              <a:t>Old </a:t>
-            </a:r>
-            <a:r>
-              <a:rPr lang="fi-FI" dirty="0" err="1" smtClean="0"/>
-              <a:t>people</a:t>
-            </a:r>
-            <a:r>
-              <a:rPr lang="fi-FI" dirty="0" smtClean="0"/>
-              <a:t> </a:t>
-            </a:r>
-            <a:r>
-              <a:rPr lang="fi-FI" dirty="0" err="1" smtClean="0"/>
-              <a:t>were</a:t>
-            </a:r>
-            <a:r>
-              <a:rPr lang="fi-FI" dirty="0" smtClean="0"/>
-              <a:t> </a:t>
-            </a:r>
-            <a:r>
-              <a:rPr lang="fi-FI" dirty="0" err="1" smtClean="0"/>
-              <a:t>everyone</a:t>
-            </a:r>
-            <a:r>
-              <a:rPr lang="fi-FI" dirty="0" smtClean="0"/>
-              <a:t> &gt;= 44 </a:t>
-            </a:r>
-            <a:r>
-              <a:rPr lang="fi-FI" dirty="0" err="1" smtClean="0"/>
-              <a:t>years</a:t>
-            </a:r>
-            <a:r>
-              <a:rPr lang="fi-FI" dirty="0" smtClean="0"/>
-              <a:t> </a:t>
-            </a:r>
-            <a:r>
-              <a:rPr lang="fi-FI" dirty="0" err="1" smtClean="0"/>
-              <a:t>old</a:t>
-            </a:r>
-            <a:r>
-              <a:rPr lang="fi-FI" dirty="0" smtClean="0"/>
-              <a:t>. (</a:t>
-            </a:r>
-            <a:r>
-              <a:rPr lang="fi-FI" dirty="0" err="1" smtClean="0"/>
-              <a:t>check</a:t>
-            </a:r>
-            <a:r>
-              <a:rPr lang="fi-FI" dirty="0" smtClean="0"/>
-              <a:t> </a:t>
-            </a:r>
-            <a:r>
-              <a:rPr lang="fi-FI" dirty="0" err="1" smtClean="0"/>
-              <a:t>the</a:t>
-            </a:r>
-            <a:r>
-              <a:rPr lang="fi-FI" dirty="0" smtClean="0"/>
-              <a:t> </a:t>
-            </a:r>
-            <a:r>
-              <a:rPr lang="fi-FI" dirty="0" err="1" smtClean="0"/>
-              <a:t>amount</a:t>
-            </a:r>
-            <a:r>
-              <a:rPr lang="fi-FI" dirty="0" smtClean="0"/>
-              <a:t>)</a:t>
-            </a:r>
-          </a:p>
-          <a:p>
             <a:pPr lvl="1"/>
             <a:r>
-              <a:rPr lang="fi-FI" dirty="0" err="1" smtClean="0"/>
-              <a:t>Income</a:t>
-            </a:r>
-            <a:r>
-              <a:rPr lang="fi-FI" dirty="0" smtClean="0"/>
-              <a:t> </a:t>
-            </a:r>
-            <a:r>
-              <a:rPr lang="fi-FI" dirty="0" err="1" smtClean="0"/>
-              <a:t>average</a:t>
-            </a:r>
-            <a:r>
-              <a:rPr lang="fi-FI" dirty="0" smtClean="0"/>
-              <a:t>: 71.98k/</a:t>
-            </a:r>
-            <a:r>
-              <a:rPr lang="fi-FI" dirty="0" err="1" smtClean="0"/>
+              <a:rPr lang="fi-FI" dirty="0"/>
+              <a:t>Median </a:t>
+            </a:r>
+            <a:r>
+              <a:rPr lang="fi-FI" dirty="0" err="1"/>
+              <a:t>income</a:t>
+            </a:r>
+            <a:r>
+              <a:rPr lang="fi-FI" dirty="0"/>
+              <a:t>: 68.00k/</a:t>
+            </a:r>
+            <a:r>
+              <a:rPr lang="fi-FI" dirty="0" err="1"/>
               <a:t>year</a:t>
             </a:r>
-            <a:r>
-              <a:rPr lang="fi-FI" dirty="0" smtClean="0"/>
+            <a:endParaRPr lang="fi-FI" dirty="0"/>
+          </a:p>
+          <a:p>
+            <a:r>
+              <a:rPr lang="fi-FI" dirty="0"/>
+              <a:t>No </a:t>
+            </a:r>
+            <a:r>
+              <a:rPr lang="fi-FI" dirty="0" err="1"/>
+              <a:t>significant</a:t>
+            </a:r>
+            <a:r>
+              <a:rPr lang="fi-FI" dirty="0"/>
+              <a:t> </a:t>
+            </a:r>
+            <a:r>
+              <a:rPr lang="fi-FI" dirty="0" err="1"/>
+              <a:t>difference</a:t>
+            </a:r>
+            <a:r>
+              <a:rPr lang="fi-FI" dirty="0"/>
+              <a:t>, </a:t>
+            </a:r>
+            <a:r>
+              <a:rPr lang="fi-FI" dirty="0" err="1"/>
+              <a:t>hypothesis</a:t>
+            </a:r>
+            <a:r>
+              <a:rPr lang="fi-FI" dirty="0"/>
+              <a:t> </a:t>
+            </a:r>
+            <a:r>
+              <a:rPr lang="fi-FI" dirty="0" err="1"/>
+              <a:t>was</a:t>
+            </a:r>
+            <a:r>
+              <a:rPr lang="fi-FI" dirty="0"/>
+              <a:t> </a:t>
+            </a:r>
+            <a:r>
+              <a:rPr lang="fi-FI" dirty="0" err="1"/>
+              <a:t>proven</a:t>
+            </a:r>
+            <a:r>
+              <a:rPr lang="fi-FI" dirty="0"/>
+              <a:t> </a:t>
+            </a:r>
+            <a:r>
+              <a:rPr lang="fi-FI" dirty="0" err="1"/>
+              <a:t>wrong</a:t>
+            </a:r>
+            <a:r>
+              <a:rPr lang="fi-FI" dirty="0"/>
               <a:t>.</a:t>
             </a:r>
           </a:p>
           <a:p>
             <a:pPr lvl="1"/>
-            <a:r>
-              <a:rPr lang="fi-FI" dirty="0" smtClean="0"/>
-              <a:t>Credit </a:t>
-            </a:r>
-            <a:r>
-              <a:rPr lang="fi-FI" dirty="0" err="1" smtClean="0"/>
-              <a:t>card</a:t>
-            </a:r>
-            <a:r>
-              <a:rPr lang="fi-FI" dirty="0" smtClean="0"/>
-              <a:t> </a:t>
-            </a:r>
-            <a:r>
-              <a:rPr lang="fi-FI" dirty="0" err="1" smtClean="0"/>
-              <a:t>average</a:t>
-            </a:r>
-            <a:r>
-              <a:rPr lang="fi-FI" dirty="0" smtClean="0"/>
-              <a:t> </a:t>
-            </a:r>
-            <a:r>
-              <a:rPr lang="fi-FI" dirty="0" err="1" smtClean="0"/>
-              <a:t>usage</a:t>
-            </a:r>
-            <a:r>
-              <a:rPr lang="fi-FI" dirty="0" smtClean="0"/>
-              <a:t>: 1.87k/</a:t>
-            </a:r>
-            <a:r>
-              <a:rPr lang="fi-FI" dirty="0" err="1" smtClean="0"/>
-              <a:t>month</a:t>
-            </a:r>
-            <a:endParaRPr lang="fi-FI" dirty="0" smtClean="0"/>
-          </a:p>
-          <a:p>
-            <a:pPr lvl="1"/>
-            <a:r>
-              <a:rPr lang="fi-FI" dirty="0" smtClean="0"/>
-              <a:t>~31% of </a:t>
-            </a:r>
-            <a:r>
-              <a:rPr lang="fi-FI" dirty="0" err="1" smtClean="0"/>
-              <a:t>income</a:t>
-            </a:r>
-            <a:r>
-              <a:rPr lang="fi-FI" dirty="0" smtClean="0"/>
-              <a:t> </a:t>
-            </a:r>
-            <a:r>
-              <a:rPr lang="fi-FI" dirty="0" err="1" smtClean="0"/>
-              <a:t>used</a:t>
-            </a:r>
-            <a:r>
-              <a:rPr lang="fi-FI" dirty="0" smtClean="0"/>
-              <a:t> per </a:t>
-            </a:r>
-            <a:r>
-              <a:rPr lang="fi-FI" dirty="0" err="1" smtClean="0"/>
-              <a:t>month</a:t>
-            </a:r>
-            <a:r>
-              <a:rPr lang="fi-FI" dirty="0" smtClean="0"/>
-              <a:t>.</a:t>
-            </a:r>
-          </a:p>
-          <a:p>
-            <a:r>
-              <a:rPr lang="fi-FI" dirty="0" smtClean="0"/>
-              <a:t>No </a:t>
-            </a:r>
-            <a:r>
-              <a:rPr lang="fi-FI" dirty="0" err="1" smtClean="0"/>
-              <a:t>significant</a:t>
-            </a:r>
-            <a:r>
-              <a:rPr lang="fi-FI" dirty="0" smtClean="0"/>
-              <a:t> </a:t>
-            </a:r>
-            <a:r>
-              <a:rPr lang="fi-FI" dirty="0" err="1" smtClean="0"/>
-              <a:t>difference</a:t>
-            </a:r>
-            <a:r>
-              <a:rPr lang="fi-FI" dirty="0" smtClean="0"/>
-              <a:t>, </a:t>
-            </a:r>
-            <a:r>
-              <a:rPr lang="fi-FI" dirty="0" err="1" smtClean="0"/>
-              <a:t>hypothesis</a:t>
-            </a:r>
-            <a:r>
-              <a:rPr lang="fi-FI" dirty="0" smtClean="0"/>
-              <a:t> </a:t>
-            </a:r>
-            <a:r>
-              <a:rPr lang="fi-FI" dirty="0" err="1" smtClean="0"/>
-              <a:t>was</a:t>
-            </a:r>
-            <a:r>
-              <a:rPr lang="fi-FI" dirty="0" smtClean="0"/>
-              <a:t> </a:t>
-            </a:r>
-            <a:r>
-              <a:rPr lang="fi-FI" dirty="0" err="1" smtClean="0"/>
-              <a:t>proven</a:t>
-            </a:r>
-            <a:r>
-              <a:rPr lang="fi-FI" dirty="0" smtClean="0"/>
-              <a:t> </a:t>
-            </a:r>
-            <a:r>
-              <a:rPr lang="fi-FI" dirty="0" err="1" smtClean="0"/>
-              <a:t>wrong</a:t>
-            </a:r>
-            <a:r>
-              <a:rPr lang="fi-FI" dirty="0" smtClean="0"/>
-              <a:t>.</a:t>
-            </a:r>
-          </a:p>
-          <a:p>
             <a:endParaRPr lang="fi-FI" dirty="0"/>
           </a:p>
         </p:txBody>
@@ -4667,7 +4973,7 @@
     </p:spTree>
     <p:extLst>
       <p:ext uri="{BB962C8B-B14F-4D97-AF65-F5344CB8AC3E}">
-        <p14:creationId xmlns:p14="http://schemas.microsoft.com/office/powerpoint/2010/main" val="3713847787"/>
+        <p14:creationId xmlns:p14="http://schemas.microsoft.com/office/powerpoint/2010/main" val="865127251"/>
       </p:ext>
     </p:extLst>
   </p:cSld>
@@ -4712,60 +5018,113 @@
           <a:lstStyle/>
           <a:p>
             <a:r>
-              <a:rPr lang="fi-FI" dirty="0" err="1" smtClean="0"/>
+              <a:rPr lang="fi-FI" dirty="0" err="1"/>
               <a:t>Hypothesis</a:t>
             </a:r>
             <a:r>
-              <a:rPr lang="fi-FI" dirty="0" smtClean="0"/>
-              <a:t> 2: </a:t>
-            </a:r>
-            <a:r>
-              <a:rPr lang="fi-FI" i="1" dirty="0" err="1" smtClean="0"/>
-              <a:t>Work</a:t>
-            </a:r>
-            <a:r>
-              <a:rPr lang="fi-FI" i="1" dirty="0" smtClean="0"/>
-              <a:t> </a:t>
-            </a:r>
-            <a:r>
-              <a:rPr lang="fi-FI" i="1" dirty="0" err="1" smtClean="0"/>
-              <a:t>experience</a:t>
-            </a:r>
-            <a:r>
-              <a:rPr lang="fi-FI" i="1" dirty="0" smtClean="0"/>
-              <a:t> </a:t>
-            </a:r>
-            <a:r>
-              <a:rPr lang="fi-FI" i="1" dirty="0" err="1" smtClean="0"/>
-              <a:t>correlates</a:t>
-            </a:r>
-            <a:r>
-              <a:rPr lang="fi-FI" i="1" dirty="0" smtClean="0"/>
-              <a:t> to </a:t>
-            </a:r>
-            <a:r>
-              <a:rPr lang="fi-FI" i="1" dirty="0" err="1" smtClean="0"/>
+              <a:rPr lang="fi-FI" dirty="0"/>
+              <a:t> 3: </a:t>
+            </a:r>
+            <a:r>
+              <a:rPr lang="fi-FI" i="1" dirty="0"/>
+              <a:t>People </a:t>
+            </a:r>
+            <a:r>
+              <a:rPr lang="fi-FI" i="1" dirty="0" err="1"/>
+              <a:t>with</a:t>
+            </a:r>
+            <a:r>
+              <a:rPr lang="fi-FI" i="1" dirty="0"/>
+              <a:t> </a:t>
+            </a:r>
+            <a:r>
+              <a:rPr lang="fi-FI" i="1" dirty="0" err="1"/>
+              <a:t>small</a:t>
+            </a:r>
+            <a:r>
+              <a:rPr lang="fi-FI" i="1" dirty="0"/>
+              <a:t> </a:t>
+            </a:r>
+            <a:r>
+              <a:rPr lang="fi-FI" i="1" dirty="0" err="1"/>
+              <a:t>income</a:t>
+            </a:r>
+            <a:r>
+              <a:rPr lang="fi-FI" i="1" dirty="0"/>
+              <a:t> </a:t>
+            </a:r>
+            <a:r>
+              <a:rPr lang="fi-FI" i="1" dirty="0" err="1"/>
+              <a:t>take</a:t>
+            </a:r>
+            <a:r>
+              <a:rPr lang="fi-FI" i="1" dirty="0"/>
+              <a:t> </a:t>
+            </a:r>
+            <a:r>
+              <a:rPr lang="fi-FI" i="1" dirty="0" err="1"/>
+              <a:t>more</a:t>
+            </a:r>
+            <a:r>
+              <a:rPr lang="fi-FI" i="1" dirty="0"/>
+              <a:t> </a:t>
+            </a:r>
+            <a:r>
+              <a:rPr lang="fi-FI" i="1" dirty="0" err="1"/>
+              <a:t>personal</a:t>
+            </a:r>
+            <a:r>
+              <a:rPr lang="fi-FI" i="1" dirty="0"/>
+              <a:t> </a:t>
+            </a:r>
+            <a:r>
+              <a:rPr lang="fi-FI" i="1" dirty="0" err="1"/>
+              <a:t>loans</a:t>
+            </a:r>
+            <a:r>
+              <a:rPr lang="fi-FI" i="1" dirty="0"/>
+              <a:t> </a:t>
+            </a:r>
+            <a:r>
+              <a:rPr lang="fi-FI" i="1" dirty="0" err="1"/>
+              <a:t>than</a:t>
+            </a:r>
+            <a:r>
+              <a:rPr lang="fi-FI" i="1" dirty="0"/>
+              <a:t> </a:t>
+            </a:r>
+            <a:r>
+              <a:rPr lang="fi-FI" i="1" dirty="0" err="1"/>
+              <a:t>people</a:t>
+            </a:r>
+            <a:r>
+              <a:rPr lang="fi-FI" i="1" dirty="0"/>
+              <a:t> </a:t>
+            </a:r>
+            <a:r>
+              <a:rPr lang="fi-FI" i="1" dirty="0" err="1"/>
+              <a:t>with</a:t>
+            </a:r>
+            <a:r>
+              <a:rPr lang="fi-FI" i="1" dirty="0"/>
+              <a:t> </a:t>
+            </a:r>
+            <a:r>
+              <a:rPr lang="fi-FI" i="1" dirty="0" err="1"/>
               <a:t>larger</a:t>
             </a:r>
             <a:r>
-              <a:rPr lang="fi-FI" i="1" dirty="0" smtClean="0"/>
-              <a:t> </a:t>
-            </a:r>
-            <a:r>
-              <a:rPr lang="fi-FI" i="1" dirty="0" err="1" smtClean="0"/>
+              <a:rPr lang="fi-FI" i="1" dirty="0"/>
+              <a:t> </a:t>
+            </a:r>
+            <a:r>
+              <a:rPr lang="fi-FI" i="1" dirty="0" err="1"/>
               <a:t>income</a:t>
             </a:r>
             <a:r>
-              <a:rPr lang="fi-FI" i="1" dirty="0" smtClean="0"/>
+              <a:rPr lang="fi-FI" i="1" dirty="0"/>
               <a:t>.</a:t>
             </a:r>
-            <a:r>
-              <a:rPr lang="fi-FI" dirty="0" smtClean="0"/>
-              <a:t/>
-            </a:r>
-            <a:br>
-              <a:rPr lang="fi-FI" dirty="0" smtClean="0"/>
-            </a:br>
             <a:endParaRPr lang="fi-FI" dirty="0"/>
           </a:p>
         </p:txBody>
@@ -4786,222 +5145,262 @@
           <a:lstStyle/>
           <a:p>
             <a:r>
-              <a:rPr lang="fi-FI" dirty="0" smtClean="0"/>
-              <a:t>&gt;= 10 </a:t>
-            </a:r>
-            <a:r>
-              <a:rPr lang="fi-FI" dirty="0" err="1" smtClean="0"/>
-              <a:t>years</a:t>
-            </a:r>
-            <a:r>
-              <a:rPr lang="fi-FI" dirty="0" smtClean="0"/>
-              <a:t> of </a:t>
-            </a:r>
-            <a:r>
-              <a:rPr lang="fi-FI" dirty="0" err="1" smtClean="0"/>
-              <a:t>work</a:t>
-            </a:r>
-            <a:r>
-              <a:rPr lang="fi-FI" dirty="0" smtClean="0"/>
-              <a:t> </a:t>
-            </a:r>
-            <a:r>
-              <a:rPr lang="fi-FI" dirty="0" err="1" smtClean="0"/>
-              <a:t>experience</a:t>
-            </a:r>
-            <a:r>
-              <a:rPr lang="fi-FI" dirty="0" smtClean="0"/>
-              <a:t>:</a:t>
-            </a:r>
-          </a:p>
-          <a:p>
-            <a:pPr lvl="1"/>
-            <a:r>
-              <a:rPr lang="fi-FI" dirty="0" err="1" smtClean="0"/>
-              <a:t>Average</a:t>
-            </a:r>
-            <a:r>
-              <a:rPr lang="fi-FI" dirty="0" smtClean="0"/>
-              <a:t> </a:t>
-            </a:r>
-            <a:r>
-              <a:rPr lang="fi-FI" dirty="0" err="1" smtClean="0"/>
+              <a:rPr lang="fi-FI" dirty="0"/>
+              <a:t>Person </a:t>
+            </a:r>
+            <a:r>
+              <a:rPr lang="fi-FI" dirty="0" err="1"/>
+              <a:t>with</a:t>
+            </a:r>
+            <a:r>
+              <a:rPr lang="fi-FI" dirty="0"/>
+              <a:t> &gt;80k/</a:t>
+            </a:r>
+            <a:r>
+              <a:rPr lang="fi-FI" dirty="0" err="1"/>
+              <a:t>year</a:t>
+            </a:r>
+            <a:r>
+              <a:rPr lang="fi-FI" dirty="0"/>
+              <a:t> </a:t>
+            </a:r>
+            <a:r>
+              <a:rPr lang="fi-FI" dirty="0" err="1"/>
               <a:t>income</a:t>
             </a:r>
             <a:r>
-              <a:rPr lang="fi-FI" dirty="0" smtClean="0"/>
-              <a:t> 73.12k/</a:t>
-            </a:r>
-            <a:r>
-              <a:rPr lang="fi-FI" dirty="0" err="1" smtClean="0"/>
+              <a:rPr lang="fi-FI" dirty="0"/>
+              <a:t> </a:t>
+            </a:r>
+            <a:r>
+              <a:rPr lang="fi-FI" dirty="0" err="1"/>
+              <a:t>was</a:t>
+            </a:r>
+            <a:r>
+              <a:rPr lang="fi-FI" dirty="0"/>
+              <a:t> </a:t>
+            </a:r>
+            <a:r>
+              <a:rPr lang="fi-FI" dirty="0" err="1"/>
+              <a:t>labeled</a:t>
+            </a:r>
+            <a:r>
+              <a:rPr lang="fi-FI" dirty="0"/>
+              <a:t> as </a:t>
+            </a:r>
+            <a:r>
+              <a:rPr lang="fi-FI" dirty="0" err="1"/>
+              <a:t>having</a:t>
+            </a:r>
+            <a:r>
+              <a:rPr lang="fi-FI" dirty="0"/>
+              <a:t> </a:t>
+            </a:r>
+            <a:r>
+              <a:rPr lang="fi-FI" dirty="0" err="1"/>
+              <a:t>large</a:t>
+            </a:r>
+            <a:r>
+              <a:rPr lang="fi-FI" dirty="0"/>
+              <a:t> </a:t>
+            </a:r>
+            <a:r>
+              <a:rPr lang="fi-FI" dirty="0" err="1"/>
+              <a:t>income</a:t>
+            </a:r>
+            <a:r>
+              <a:rPr lang="fi-FI" dirty="0"/>
+              <a:t>.</a:t>
+            </a:r>
+          </a:p>
+          <a:p>
+            <a:r>
+              <a:rPr lang="fi-FI" dirty="0"/>
+              <a:t>473/480 </a:t>
+            </a:r>
+            <a:r>
+              <a:rPr lang="fi-FI" dirty="0" err="1"/>
+              <a:t>personal</a:t>
+            </a:r>
+            <a:r>
+              <a:rPr lang="fi-FI" dirty="0"/>
+              <a:t> </a:t>
+            </a:r>
+            <a:r>
+              <a:rPr lang="fi-FI" dirty="0" err="1"/>
+              <a:t>loans</a:t>
+            </a:r>
+            <a:r>
+              <a:rPr lang="fi-FI" dirty="0"/>
+              <a:t> </a:t>
+            </a:r>
+            <a:r>
+              <a:rPr lang="fi-FI" dirty="0" err="1"/>
+              <a:t>were</a:t>
+            </a:r>
+            <a:r>
+              <a:rPr lang="fi-FI" dirty="0"/>
+              <a:t> </a:t>
+            </a:r>
+            <a:r>
+              <a:rPr lang="fi-FI" dirty="0" err="1"/>
+              <a:t>taken</a:t>
+            </a:r>
+            <a:r>
+              <a:rPr lang="fi-FI" dirty="0"/>
+              <a:t> </a:t>
+            </a:r>
+            <a:r>
+              <a:rPr lang="fi-FI" dirty="0" err="1"/>
+              <a:t>by</a:t>
+            </a:r>
+            <a:r>
+              <a:rPr lang="fi-FI" dirty="0"/>
+              <a:t> </a:t>
+            </a:r>
+            <a:r>
+              <a:rPr lang="fi-FI" dirty="0" err="1"/>
+              <a:t>people</a:t>
+            </a:r>
+            <a:r>
+              <a:rPr lang="fi-FI" dirty="0"/>
+              <a:t> </a:t>
+            </a:r>
+            <a:r>
+              <a:rPr lang="fi-FI" dirty="0" err="1"/>
+              <a:t>who</a:t>
+            </a:r>
+            <a:r>
+              <a:rPr lang="fi-FI" dirty="0"/>
+              <a:t> </a:t>
+            </a:r>
+            <a:r>
+              <a:rPr lang="fi-FI" dirty="0" err="1"/>
+              <a:t>had</a:t>
+            </a:r>
+            <a:r>
+              <a:rPr lang="fi-FI" dirty="0"/>
+              <a:t> </a:t>
+            </a:r>
+            <a:r>
+              <a:rPr lang="fi-FI" dirty="0" err="1"/>
+              <a:t>income</a:t>
+            </a:r>
+            <a:r>
+              <a:rPr lang="fi-FI" dirty="0"/>
+              <a:t> </a:t>
+            </a:r>
+            <a:r>
+              <a:rPr lang="fi-FI" dirty="0" err="1"/>
+              <a:t>over</a:t>
+            </a:r>
+            <a:r>
+              <a:rPr lang="fi-FI" dirty="0"/>
+              <a:t> 80k/</a:t>
+            </a:r>
+            <a:r>
+              <a:rPr lang="fi-FI" dirty="0" err="1"/>
               <a:t>year</a:t>
             </a:r>
             <a:r>
-              <a:rPr lang="fi-FI" dirty="0" smtClean="0"/>
+              <a:rPr lang="fi-FI" dirty="0"/>
               <a:t>.</a:t>
             </a:r>
           </a:p>
           <a:p>
-            <a:pPr lvl="1"/>
-            <a:r>
-              <a:rPr lang="fi-FI" dirty="0" smtClean="0"/>
-              <a:t>Median </a:t>
-            </a:r>
-            <a:r>
-              <a:rPr lang="fi-FI" dirty="0" err="1" smtClean="0"/>
+            <a:r>
+              <a:rPr lang="fi-FI" dirty="0" err="1"/>
+              <a:t>Overwhelming</a:t>
+            </a:r>
+            <a:r>
+              <a:rPr lang="fi-FI" dirty="0"/>
+              <a:t> </a:t>
+            </a:r>
+            <a:r>
+              <a:rPr lang="fi-FI" dirty="0" err="1"/>
+              <a:t>majority</a:t>
+            </a:r>
+            <a:r>
+              <a:rPr lang="fi-FI" dirty="0"/>
+              <a:t> of loan </a:t>
+            </a:r>
+            <a:r>
+              <a:rPr lang="fi-FI" dirty="0" err="1"/>
+              <a:t>takers</a:t>
+            </a:r>
+            <a:r>
+              <a:rPr lang="fi-FI" dirty="0"/>
+              <a:t> </a:t>
+            </a:r>
+            <a:r>
+              <a:rPr lang="fi-FI" dirty="0" err="1"/>
+              <a:t>had</a:t>
+            </a:r>
+            <a:r>
+              <a:rPr lang="fi-FI" dirty="0"/>
+              <a:t> </a:t>
+            </a:r>
+            <a:r>
+              <a:rPr lang="fi-FI" dirty="0" err="1"/>
+              <a:t>large</a:t>
+            </a:r>
+            <a:r>
+              <a:rPr lang="fi-FI" dirty="0"/>
+              <a:t> </a:t>
+            </a:r>
+            <a:r>
+              <a:rPr lang="fi-FI" dirty="0" err="1"/>
               <a:t>income</a:t>
             </a:r>
             <a:r>
-              <a:rPr lang="fi-FI" dirty="0" smtClean="0"/>
-              <a:t> 63.00k/</a:t>
-            </a:r>
-            <a:r>
-              <a:rPr lang="fi-FI" dirty="0" err="1" smtClean="0"/>
-              <a:t>year</a:t>
-            </a:r>
-            <a:r>
-              <a:rPr lang="fi-FI" dirty="0" smtClean="0"/>
+              <a:rPr lang="fi-FI" dirty="0"/>
+              <a:t>. </a:t>
+            </a:r>
+            <a:r>
+              <a:rPr lang="fi-FI" dirty="0" err="1"/>
+              <a:t>Hypothesis</a:t>
+            </a:r>
+            <a:r>
+              <a:rPr lang="fi-FI" dirty="0"/>
+              <a:t> </a:t>
+            </a:r>
+            <a:r>
+              <a:rPr lang="fi-FI" dirty="0" err="1"/>
+              <a:t>was</a:t>
+            </a:r>
+            <a:r>
+              <a:rPr lang="fi-FI" dirty="0"/>
+              <a:t> </a:t>
+            </a:r>
+            <a:r>
+              <a:rPr lang="fi-FI" dirty="0" err="1"/>
+              <a:t>proven</a:t>
+            </a:r>
+            <a:r>
+              <a:rPr lang="fi-FI" dirty="0"/>
+              <a:t> </a:t>
+            </a:r>
+            <a:r>
+              <a:rPr lang="fi-FI" dirty="0" err="1"/>
+              <a:t>wrong</a:t>
+            </a:r>
+            <a:r>
+              <a:rPr lang="fi-FI" dirty="0"/>
               <a:t>.</a:t>
             </a:r>
           </a:p>
           <a:p>
-            <a:r>
-              <a:rPr lang="fi-FI" dirty="0" smtClean="0"/>
-              <a:t>&lt; 10 </a:t>
-            </a:r>
-            <a:r>
-              <a:rPr lang="fi-FI" dirty="0" err="1" smtClean="0"/>
-              <a:t>years</a:t>
-            </a:r>
-            <a:r>
-              <a:rPr lang="fi-FI" dirty="0" smtClean="0"/>
-              <a:t> of </a:t>
-            </a:r>
-            <a:r>
-              <a:rPr lang="fi-FI" dirty="0" err="1" smtClean="0"/>
-              <a:t>work</a:t>
-            </a:r>
-            <a:r>
-              <a:rPr lang="fi-FI" dirty="0" smtClean="0"/>
-              <a:t> </a:t>
-            </a:r>
-            <a:r>
-              <a:rPr lang="fi-FI" dirty="0" err="1" smtClean="0"/>
-              <a:t>experience</a:t>
-            </a:r>
-            <a:endParaRPr lang="fi-FI" dirty="0" smtClean="0"/>
-          </a:p>
-          <a:p>
-            <a:pPr lvl="1"/>
-            <a:r>
-              <a:rPr lang="fi-FI" dirty="0" err="1" smtClean="0"/>
-              <a:t>Average</a:t>
-            </a:r>
-            <a:r>
-              <a:rPr lang="fi-FI" dirty="0" smtClean="0"/>
-              <a:t> </a:t>
-            </a:r>
-            <a:r>
-              <a:rPr lang="fi-FI" dirty="0" err="1" smtClean="0"/>
-              <a:t>income</a:t>
-            </a:r>
-            <a:r>
-              <a:rPr lang="fi-FI" dirty="0" smtClean="0"/>
-              <a:t> : 75.89k/</a:t>
-            </a:r>
-            <a:r>
-              <a:rPr lang="fi-FI" dirty="0" err="1" smtClean="0"/>
-              <a:t>year</a:t>
-            </a:r>
-            <a:r>
-              <a:rPr lang="fi-FI" dirty="0" smtClean="0"/>
-              <a:t>.</a:t>
-            </a:r>
-          </a:p>
-          <a:p>
-            <a:pPr lvl="1"/>
-            <a:r>
-              <a:rPr lang="fi-FI" dirty="0" smtClean="0"/>
-              <a:t>Median </a:t>
-            </a:r>
-            <a:r>
-              <a:rPr lang="fi-FI" dirty="0" err="1" smtClean="0"/>
-              <a:t>income</a:t>
-            </a:r>
-            <a:r>
-              <a:rPr lang="fi-FI" dirty="0" smtClean="0"/>
-              <a:t>: 68.00k/</a:t>
-            </a:r>
-            <a:r>
-              <a:rPr lang="fi-FI" dirty="0" err="1" smtClean="0"/>
-              <a:t>year</a:t>
-            </a:r>
-            <a:endParaRPr lang="fi-FI" dirty="0" smtClean="0"/>
-          </a:p>
-          <a:p>
-            <a:r>
-              <a:rPr lang="fi-FI" dirty="0" smtClean="0"/>
-              <a:t>No </a:t>
-            </a:r>
-            <a:r>
-              <a:rPr lang="fi-FI" dirty="0" err="1" smtClean="0"/>
-              <a:t>significant</a:t>
-            </a:r>
-            <a:r>
-              <a:rPr lang="fi-FI" dirty="0" smtClean="0"/>
-              <a:t> </a:t>
-            </a:r>
-            <a:r>
-              <a:rPr lang="fi-FI" dirty="0" err="1" smtClean="0"/>
-              <a:t>difference</a:t>
-            </a:r>
-            <a:r>
-              <a:rPr lang="fi-FI" dirty="0" smtClean="0"/>
-              <a:t>, </a:t>
-            </a:r>
-            <a:r>
-              <a:rPr lang="fi-FI" dirty="0" err="1" smtClean="0"/>
-              <a:t>hypothesis</a:t>
-            </a:r>
-            <a:r>
-              <a:rPr lang="fi-FI" dirty="0" smtClean="0"/>
-              <a:t> </a:t>
-            </a:r>
-            <a:r>
-              <a:rPr lang="fi-FI" dirty="0" err="1" smtClean="0"/>
-              <a:t>was</a:t>
-            </a:r>
-            <a:r>
-              <a:rPr lang="fi-FI" dirty="0" smtClean="0"/>
-              <a:t> </a:t>
-            </a:r>
-            <a:r>
-              <a:rPr lang="fi-FI" dirty="0" err="1" smtClean="0"/>
-              <a:t>proven</a:t>
-            </a:r>
-            <a:r>
-              <a:rPr lang="fi-FI" dirty="0" smtClean="0"/>
-              <a:t> </a:t>
-            </a:r>
-            <a:r>
-              <a:rPr lang="fi-FI" dirty="0" err="1" smtClean="0"/>
-              <a:t>wrong</a:t>
-            </a:r>
-            <a:r>
-              <a:rPr lang="fi-FI" dirty="0" smtClean="0"/>
-              <a:t>.</a:t>
-            </a:r>
-          </a:p>
-          <a:p>
-            <a:pPr lvl="1"/>
-            <a:endParaRPr lang="fi-FI" dirty="0" smtClean="0"/>
+            <a:endParaRPr lang="fi-FI" dirty="0"/>
+          </a:p>
+          <a:p>
+            <a:endParaRPr lang="fi-FI" dirty="0"/>
           </a:p>
         </p:txBody>
       </p:sp>
     </p:spTree>
     <p:extLst>
       <p:ext uri="{BB962C8B-B14F-4D97-AF65-F5344CB8AC3E}">
-        <p14:creationId xmlns:p14="http://schemas.microsoft.com/office/powerpoint/2010/main" val="865127251"/>
+        <p14:creationId xmlns:p14="http://schemas.microsoft.com/office/powerpoint/2010/main" val="317094417"/>
       </p:ext>
     </p:extLst>
   </p:cSld>
@@ -5046,386 +5445,304 @@
           <a:lstStyle/>
           <a:p>
             <a:r>
-              <a:rPr lang="fi-FI" dirty="0" err="1" smtClean="0"/>
+              <a:rPr lang="fi-FI" dirty="0" err="1"/>
               <a:t>Hypothesis</a:t>
             </a:r>
             <a:r>
-              <a:rPr lang="fi-FI" dirty="0" smtClean="0"/>
-              <a:t> 3: </a:t>
-            </a:r>
-            <a:r>
-              <a:rPr lang="fi-FI" i="1" dirty="0" smtClean="0"/>
-              <a:t>People </a:t>
-            </a:r>
-            <a:r>
-              <a:rPr lang="fi-FI" i="1" dirty="0" err="1" smtClean="0"/>
-              <a:t>with</a:t>
-            </a:r>
-            <a:r>
-              <a:rPr lang="fi-FI" i="1" dirty="0" smtClean="0"/>
-              <a:t> </a:t>
-            </a:r>
-            <a:r>
-              <a:rPr lang="fi-FI" i="1" dirty="0" err="1" smtClean="0"/>
-              <a:t>small</a:t>
-            </a:r>
-            <a:r>
-              <a:rPr lang="fi-FI" i="1" dirty="0" smtClean="0"/>
-              <a:t> </a:t>
-            </a:r>
-            <a:r>
-              <a:rPr lang="fi-FI" i="1" dirty="0" err="1" smtClean="0"/>
-              <a:t>income</a:t>
-            </a:r>
-            <a:r>
-              <a:rPr lang="fi-FI" i="1" dirty="0" smtClean="0"/>
-              <a:t> </a:t>
-            </a:r>
-            <a:r>
-              <a:rPr lang="fi-FI" i="1" dirty="0" err="1" smtClean="0"/>
-              <a:t>take</a:t>
-            </a:r>
-            <a:r>
-              <a:rPr lang="fi-FI" i="1" dirty="0" smtClean="0"/>
-              <a:t> </a:t>
-            </a:r>
-            <a:r>
-              <a:rPr lang="fi-FI" i="1" dirty="0" err="1" smtClean="0"/>
-              <a:t>more</a:t>
-            </a:r>
-            <a:r>
-              <a:rPr lang="fi-FI" i="1" dirty="0" smtClean="0"/>
-              <a:t> </a:t>
-            </a:r>
-            <a:r>
-              <a:rPr lang="fi-FI" i="1" dirty="0" err="1" smtClean="0"/>
-              <a:t>personal</a:t>
-            </a:r>
-            <a:r>
-              <a:rPr lang="fi-FI" i="1" dirty="0" smtClean="0"/>
-              <a:t> </a:t>
-            </a:r>
-            <a:r>
-              <a:rPr lang="fi-FI" i="1" dirty="0" err="1" smtClean="0"/>
-              <a:t>loans</a:t>
-            </a:r>
-            <a:r>
-              <a:rPr lang="fi-FI" i="1" dirty="0" smtClean="0"/>
-              <a:t> </a:t>
-            </a:r>
-            <a:r>
-              <a:rPr lang="fi-FI" i="1" dirty="0" err="1" smtClean="0"/>
+              <a:rPr lang="fi-FI" dirty="0"/>
+              <a:t> 4: </a:t>
+            </a:r>
+            <a:r>
+              <a:rPr lang="fi-FI" i="1" dirty="0"/>
+              <a:t>Online </a:t>
+            </a:r>
+            <a:r>
+              <a:rPr lang="fi-FI" i="1" dirty="0" err="1"/>
+              <a:t>banking</a:t>
+            </a:r>
+            <a:r>
+              <a:rPr lang="fi-FI" i="1" dirty="0"/>
+              <a:t> </a:t>
+            </a:r>
+            <a:r>
+              <a:rPr lang="fi-FI" i="1" dirty="0" err="1"/>
+              <a:t>usage</a:t>
+            </a:r>
+            <a:r>
+              <a:rPr lang="fi-FI" i="1" dirty="0"/>
+              <a:t> is </a:t>
+            </a:r>
+            <a:r>
+              <a:rPr lang="fi-FI" i="1" dirty="0" err="1"/>
+              <a:t>relatively</a:t>
+            </a:r>
+            <a:r>
+              <a:rPr lang="fi-FI" i="1" dirty="0"/>
+              <a:t> </a:t>
+            </a:r>
+            <a:r>
+              <a:rPr lang="fi-FI" i="1" dirty="0" err="1"/>
+              <a:t>bigger</a:t>
+            </a:r>
+            <a:r>
+              <a:rPr lang="fi-FI" i="1" dirty="0"/>
+              <a:t> </a:t>
+            </a:r>
+            <a:r>
+              <a:rPr lang="fi-FI" i="1" dirty="0" err="1"/>
+              <a:t>among</a:t>
+            </a:r>
+            <a:r>
+              <a:rPr lang="fi-FI" i="1" dirty="0"/>
+              <a:t> </a:t>
+            </a:r>
+            <a:r>
+              <a:rPr lang="fi-FI" i="1" dirty="0" err="1"/>
+              <a:t>young</a:t>
+            </a:r>
+            <a:r>
+              <a:rPr lang="fi-FI" i="1" dirty="0"/>
+              <a:t> </a:t>
+            </a:r>
+            <a:r>
+              <a:rPr lang="fi-FI" i="1" dirty="0" err="1"/>
+              <a:t>people</a:t>
+            </a:r>
+            <a:r>
+              <a:rPr lang="fi-FI" i="1" dirty="0"/>
+              <a:t> </a:t>
+            </a:r>
+            <a:r>
+              <a:rPr lang="fi-FI" i="1" dirty="0" err="1"/>
               <a:t>than</a:t>
             </a:r>
             <a:r>
-              <a:rPr lang="fi-FI" i="1" dirty="0" smtClean="0"/>
-              <a:t> </a:t>
-            </a:r>
-            <a:r>
-              <a:rPr lang="fi-FI" i="1" dirty="0" err="1" smtClean="0"/>
+              <a:rPr lang="fi-FI" i="1" dirty="0"/>
+              <a:t> </a:t>
+            </a:r>
+            <a:r>
+              <a:rPr lang="fi-FI" i="1" dirty="0" err="1"/>
+              <a:t>old</a:t>
+            </a:r>
+            <a:endParaRPr lang="fi-FI" dirty="0"/>
+          </a:p>
+        </p:txBody>
+      </p:sp>
+      <p:sp>
+        <p:nvSpPr>
+          <p:cNvPr id="3" name="Sisällön paikkamerkki 2"/>
+          <p:cNvSpPr>
+            <a:spLocks noGrp="1"/>
+          </p:cNvSpPr>
+          <p:nvPr>
+            <p:ph idx="1"/>
+          </p:nvPr>
+        </p:nvSpPr>
+        <p:spPr/>
+        <p:txBody>
+          <a:bodyPr/>
+          <a:lstStyle/>
+          <a:p>
+            <a:r>
+              <a:rPr lang="fi-FI" dirty="0"/>
+              <a:t>Young </a:t>
+            </a:r>
+            <a:r>
+              <a:rPr lang="fi-FI" dirty="0" err="1"/>
               <a:t>people</a:t>
             </a:r>
             <a:r>
-              <a:rPr lang="fi-FI" i="1" dirty="0" smtClean="0"/>
-              <a:t> </a:t>
-            </a:r>
-            <a:r>
-              <a:rPr lang="fi-FI" i="1" dirty="0" err="1" smtClean="0"/>
-              <a:t>with</a:t>
-            </a:r>
-            <a:r>
-              <a:rPr lang="fi-FI" i="1" dirty="0" smtClean="0"/>
-              <a:t> </a:t>
-            </a:r>
-            <a:r>
-              <a:rPr lang="fi-FI" i="1" dirty="0" err="1" smtClean="0"/>
-              <a:t>larger</a:t>
-            </a:r>
-            <a:r>
-              <a:rPr lang="fi-FI" i="1" dirty="0" smtClean="0"/>
-              <a:t> </a:t>
-            </a:r>
-            <a:r>
-              <a:rPr lang="fi-FI" i="1" dirty="0" err="1" smtClean="0"/>
-              <a:t>income</a:t>
-            </a:r>
-            <a:r>
-              <a:rPr lang="fi-FI" i="1" dirty="0" smtClean="0"/>
+              <a:rPr lang="fi-FI" dirty="0"/>
+              <a:t> </a:t>
+            </a:r>
+            <a:r>
+              <a:rPr lang="fi-FI" dirty="0" err="1"/>
+              <a:t>were</a:t>
+            </a:r>
+            <a:r>
+              <a:rPr lang="fi-FI" dirty="0"/>
+              <a:t> </a:t>
+            </a:r>
+            <a:r>
+              <a:rPr lang="fi-FI" dirty="0" err="1"/>
+              <a:t>everyone</a:t>
+            </a:r>
+            <a:r>
+              <a:rPr lang="fi-FI" dirty="0"/>
+              <a:t> &lt; 44 </a:t>
+            </a:r>
+            <a:r>
+              <a:rPr lang="fi-FI" dirty="0" err="1"/>
+              <a:t>years</a:t>
+            </a:r>
+            <a:r>
+              <a:rPr lang="fi-FI" dirty="0"/>
+              <a:t> </a:t>
+            </a:r>
+            <a:r>
+              <a:rPr lang="fi-FI" dirty="0" err="1"/>
+              <a:t>old</a:t>
+            </a:r>
+            <a:r>
+              <a:rPr lang="fi-FI" dirty="0"/>
+              <a:t>. </a:t>
+            </a:r>
+            <a:r>
+              <a:rPr lang="en-FI" dirty="0"/>
+              <a:t>Amount: 2271</a:t>
+            </a:r>
+            <a:endParaRPr lang="fi-FI" dirty="0"/>
+          </a:p>
+          <a:p>
+            <a:pPr lvl="1"/>
+            <a:r>
+              <a:rPr lang="en-GB" dirty="0"/>
+              <a:t>Use online services: 59.0%</a:t>
+            </a:r>
+            <a:endParaRPr lang="fi-FI" dirty="0"/>
+          </a:p>
+          <a:p>
+            <a:r>
+              <a:rPr lang="fi-FI" dirty="0"/>
+              <a:t>Old </a:t>
+            </a:r>
+            <a:r>
+              <a:rPr lang="fi-FI" dirty="0" err="1"/>
+              <a:t>people</a:t>
+            </a:r>
+            <a:r>
+              <a:rPr lang="fi-FI" dirty="0"/>
+              <a:t> </a:t>
+            </a:r>
+            <a:r>
+              <a:rPr lang="fi-FI" dirty="0" err="1"/>
+              <a:t>were</a:t>
+            </a:r>
+            <a:r>
+              <a:rPr lang="fi-FI" dirty="0"/>
+              <a:t> </a:t>
+            </a:r>
+            <a:r>
+              <a:rPr lang="fi-FI" dirty="0" err="1"/>
+              <a:t>everyone</a:t>
+            </a:r>
+            <a:r>
+              <a:rPr lang="fi-FI" dirty="0"/>
+              <a:t> &gt;= 44 </a:t>
+            </a:r>
+            <a:r>
+              <a:rPr lang="fi-FI" dirty="0" err="1"/>
+              <a:t>years</a:t>
+            </a:r>
+            <a:r>
+              <a:rPr lang="fi-FI" dirty="0"/>
+              <a:t> </a:t>
+            </a:r>
+            <a:r>
+              <a:rPr lang="fi-FI" dirty="0" err="1"/>
+              <a:t>old</a:t>
+            </a:r>
+            <a:r>
+              <a:rPr lang="fi-FI" dirty="0"/>
+              <a:t>. </a:t>
+            </a:r>
+            <a:r>
+              <a:rPr lang="fi-FI" dirty="0" err="1"/>
+              <a:t>Amount</a:t>
+            </a:r>
+            <a:r>
+              <a:rPr lang="fi-FI" dirty="0"/>
+              <a:t>: </a:t>
+            </a:r>
+            <a:r>
+              <a:rPr lang="en-FI" dirty="0"/>
+              <a:t>2729</a:t>
+            </a:r>
+            <a:endParaRPr lang="fi-FI" dirty="0"/>
+          </a:p>
+          <a:p>
+            <a:pPr lvl="1"/>
+            <a:r>
+              <a:rPr lang="fi-FI" dirty="0" err="1"/>
+              <a:t>Use</a:t>
+            </a:r>
+            <a:r>
+              <a:rPr lang="fi-FI" dirty="0"/>
+              <a:t> </a:t>
+            </a:r>
+            <a:r>
+              <a:rPr lang="fi-FI" dirty="0" err="1"/>
+              <a:t>online</a:t>
+            </a:r>
+            <a:r>
+              <a:rPr lang="fi-FI" dirty="0"/>
+              <a:t> </a:t>
+            </a:r>
+            <a:r>
+              <a:rPr lang="fi-FI" dirty="0" err="1"/>
+              <a:t>services</a:t>
+            </a:r>
+            <a:r>
+              <a:rPr lang="fi-FI" dirty="0"/>
+              <a:t>: 60.3%</a:t>
+            </a:r>
+          </a:p>
+          <a:p>
+            <a:r>
+              <a:rPr lang="fi-FI" dirty="0"/>
+              <a:t>No </a:t>
+            </a:r>
+            <a:r>
+              <a:rPr lang="fi-FI" dirty="0" err="1"/>
+              <a:t>significant</a:t>
+            </a:r>
+            <a:r>
+              <a:rPr lang="fi-FI" dirty="0"/>
+              <a:t> </a:t>
+            </a:r>
+            <a:r>
+              <a:rPr lang="fi-FI" dirty="0" err="1"/>
+              <a:t>difference</a:t>
+            </a:r>
+            <a:r>
+              <a:rPr lang="fi-FI" dirty="0"/>
+              <a:t>, </a:t>
+            </a:r>
+            <a:r>
+              <a:rPr lang="fi-FI" dirty="0" err="1"/>
+              <a:t>hypothesis</a:t>
+            </a:r>
+            <a:r>
+              <a:rPr lang="fi-FI" dirty="0"/>
+              <a:t> </a:t>
+            </a:r>
+            <a:r>
+              <a:rPr lang="fi-FI" dirty="0" err="1"/>
+              <a:t>was</a:t>
+            </a:r>
+            <a:r>
+              <a:rPr lang="fi-FI" dirty="0"/>
+              <a:t> </a:t>
+            </a:r>
+            <a:r>
+              <a:rPr lang="fi-FI" dirty="0" err="1"/>
+              <a:t>proven</a:t>
+            </a:r>
+            <a:r>
+              <a:rPr lang="fi-FI" dirty="0"/>
+              <a:t> </a:t>
+            </a:r>
+            <a:r>
+              <a:rPr lang="fi-FI" dirty="0" err="1"/>
+              <a:t>wrong</a:t>
+            </a:r>
+            <a:r>
+              <a:rPr lang="fi-FI" dirty="0"/>
               <a:t>.</a:t>
             </a:r>
-            <a:r>
-              <a:rPr lang="fi-FI" dirty="0" smtClean="0"/>
-              <a:t/>
-            </a:r>
-            <a:br>
-              <a:rPr lang="fi-FI" dirty="0" smtClean="0"/>
-            </a:br>
+          </a:p>
+          <a:p>
             <a:endParaRPr lang="fi-FI" dirty="0"/>
-          </a:p>
-        </p:txBody>
-      </p:sp>
-      <p:sp>
-        <p:nvSpPr>
-          <p:cNvPr id="3" name="Sisällön paikkamerkki 2"/>
-          <p:cNvSpPr>
-            <a:spLocks noGrp="1"/>
-          </p:cNvSpPr>
-          <p:nvPr>
-            <p:ph idx="1"/>
-          </p:nvPr>
-        </p:nvSpPr>
-        <p:spPr/>
-        <p:txBody>
-          <a:bodyPr/>
-          <a:lstStyle/>
-          <a:p>
-            <a:r>
-              <a:rPr lang="fi-FI" dirty="0" smtClean="0"/>
-              <a:t>Person </a:t>
-            </a:r>
-            <a:r>
-              <a:rPr lang="fi-FI" dirty="0" err="1" smtClean="0"/>
-              <a:t>with</a:t>
-            </a:r>
-            <a:r>
-              <a:rPr lang="fi-FI" dirty="0" smtClean="0"/>
-              <a:t> &gt;80k/</a:t>
-            </a:r>
-            <a:r>
-              <a:rPr lang="fi-FI" dirty="0" err="1" smtClean="0"/>
-              <a:t>year</a:t>
-            </a:r>
-            <a:r>
-              <a:rPr lang="fi-FI" dirty="0" smtClean="0"/>
-              <a:t> </a:t>
-            </a:r>
-            <a:r>
-              <a:rPr lang="fi-FI" dirty="0" err="1" smtClean="0"/>
-              <a:t>income</a:t>
-            </a:r>
-            <a:r>
-              <a:rPr lang="fi-FI" dirty="0" smtClean="0"/>
-              <a:t> </a:t>
-            </a:r>
-            <a:r>
-              <a:rPr lang="fi-FI" dirty="0" err="1" smtClean="0"/>
-              <a:t>was</a:t>
-            </a:r>
-            <a:r>
-              <a:rPr lang="fi-FI" dirty="0" smtClean="0"/>
-              <a:t> </a:t>
-            </a:r>
-            <a:r>
-              <a:rPr lang="fi-FI" dirty="0" err="1" smtClean="0"/>
-              <a:t>labeled</a:t>
-            </a:r>
-            <a:r>
-              <a:rPr lang="fi-FI" dirty="0" smtClean="0"/>
-              <a:t> as </a:t>
-            </a:r>
-            <a:r>
-              <a:rPr lang="fi-FI" dirty="0" err="1" smtClean="0"/>
-              <a:t>having</a:t>
-            </a:r>
-            <a:r>
-              <a:rPr lang="fi-FI" dirty="0" smtClean="0"/>
-              <a:t> </a:t>
-            </a:r>
-            <a:r>
-              <a:rPr lang="fi-FI" dirty="0" err="1" smtClean="0"/>
-              <a:t>large</a:t>
-            </a:r>
-            <a:r>
-              <a:rPr lang="fi-FI" dirty="0" smtClean="0"/>
-              <a:t> </a:t>
-            </a:r>
-            <a:r>
-              <a:rPr lang="fi-FI" dirty="0" err="1" smtClean="0"/>
-              <a:t>income</a:t>
-            </a:r>
-            <a:r>
-              <a:rPr lang="fi-FI" dirty="0" smtClean="0"/>
-              <a:t>.</a:t>
-            </a:r>
-          </a:p>
-          <a:p>
-            <a:r>
-              <a:rPr lang="fi-FI" dirty="0" smtClean="0"/>
-              <a:t>473/480 </a:t>
-            </a:r>
-            <a:r>
-              <a:rPr lang="fi-FI" dirty="0" err="1" smtClean="0"/>
-              <a:t>personal</a:t>
-            </a:r>
-            <a:r>
-              <a:rPr lang="fi-FI" dirty="0" smtClean="0"/>
-              <a:t> </a:t>
-            </a:r>
-            <a:r>
-              <a:rPr lang="fi-FI" dirty="0" err="1" smtClean="0"/>
-              <a:t>loans</a:t>
-            </a:r>
-            <a:r>
-              <a:rPr lang="fi-FI" dirty="0" smtClean="0"/>
-              <a:t> </a:t>
-            </a:r>
-            <a:r>
-              <a:rPr lang="fi-FI" dirty="0" err="1" smtClean="0"/>
-              <a:t>were</a:t>
-            </a:r>
-            <a:r>
-              <a:rPr lang="fi-FI" dirty="0" smtClean="0"/>
-              <a:t> </a:t>
-            </a:r>
-            <a:r>
-              <a:rPr lang="fi-FI" dirty="0" err="1" smtClean="0"/>
-              <a:t>taken</a:t>
-            </a:r>
-            <a:r>
-              <a:rPr lang="fi-FI" dirty="0" smtClean="0"/>
-              <a:t> </a:t>
-            </a:r>
-            <a:r>
-              <a:rPr lang="fi-FI" dirty="0" err="1" smtClean="0"/>
-              <a:t>by</a:t>
-            </a:r>
-            <a:r>
-              <a:rPr lang="fi-FI" dirty="0" smtClean="0"/>
-              <a:t> </a:t>
-            </a:r>
-            <a:r>
-              <a:rPr lang="fi-FI" dirty="0" err="1" smtClean="0"/>
-              <a:t>people</a:t>
-            </a:r>
-            <a:r>
-              <a:rPr lang="fi-FI" dirty="0" smtClean="0"/>
-              <a:t> </a:t>
-            </a:r>
-            <a:r>
-              <a:rPr lang="fi-FI" dirty="0" err="1" smtClean="0"/>
-              <a:t>who</a:t>
-            </a:r>
-            <a:r>
-              <a:rPr lang="fi-FI" dirty="0" smtClean="0"/>
-              <a:t> </a:t>
-            </a:r>
-            <a:r>
-              <a:rPr lang="fi-FI" dirty="0" err="1" smtClean="0"/>
-              <a:t>had</a:t>
-            </a:r>
-            <a:r>
-              <a:rPr lang="fi-FI" dirty="0" smtClean="0"/>
-              <a:t> </a:t>
-            </a:r>
-            <a:r>
-              <a:rPr lang="fi-FI" dirty="0" err="1" smtClean="0"/>
-              <a:t>income</a:t>
-            </a:r>
-            <a:r>
-              <a:rPr lang="fi-FI" dirty="0" smtClean="0"/>
-              <a:t> </a:t>
-            </a:r>
-            <a:r>
-              <a:rPr lang="fi-FI" dirty="0" err="1" smtClean="0"/>
-              <a:t>over</a:t>
-            </a:r>
-            <a:r>
-              <a:rPr lang="fi-FI" dirty="0" smtClean="0"/>
-              <a:t> 80k/</a:t>
-            </a:r>
-            <a:r>
-              <a:rPr lang="fi-FI" dirty="0" err="1" smtClean="0"/>
-              <a:t>year</a:t>
-            </a:r>
-            <a:r>
-              <a:rPr lang="fi-FI" dirty="0" smtClean="0"/>
-              <a:t>.</a:t>
-            </a:r>
-          </a:p>
-          <a:p>
-            <a:r>
-              <a:rPr lang="fi-FI" dirty="0" err="1" smtClean="0"/>
-              <a:t>Overwhelming</a:t>
-            </a:r>
-            <a:r>
-              <a:rPr lang="fi-FI" dirty="0" smtClean="0"/>
-              <a:t> </a:t>
-            </a:r>
-            <a:r>
-              <a:rPr lang="fi-FI" dirty="0" err="1" smtClean="0"/>
-              <a:t>majority</a:t>
-            </a:r>
-            <a:r>
-              <a:rPr lang="fi-FI" dirty="0" smtClean="0"/>
-              <a:t> of loan </a:t>
-            </a:r>
-            <a:r>
-              <a:rPr lang="fi-FI" dirty="0" err="1" smtClean="0"/>
-              <a:t>takers</a:t>
-            </a:r>
-            <a:r>
-              <a:rPr lang="fi-FI" dirty="0" smtClean="0"/>
-              <a:t> </a:t>
-            </a:r>
-            <a:r>
-              <a:rPr lang="fi-FI" dirty="0" err="1" smtClean="0"/>
-              <a:t>had</a:t>
-            </a:r>
-            <a:r>
-              <a:rPr lang="fi-FI" dirty="0" smtClean="0"/>
-              <a:t> </a:t>
-            </a:r>
-            <a:r>
-              <a:rPr lang="fi-FI" dirty="0" err="1" smtClean="0"/>
-              <a:t>large</a:t>
-            </a:r>
-            <a:r>
-              <a:rPr lang="fi-FI" dirty="0" smtClean="0"/>
-              <a:t> </a:t>
-            </a:r>
-            <a:r>
-              <a:rPr lang="fi-FI" dirty="0" err="1" smtClean="0"/>
-              <a:t>income</a:t>
-            </a:r>
-            <a:r>
-              <a:rPr lang="fi-FI" dirty="0" smtClean="0"/>
-              <a:t>. </a:t>
-            </a:r>
-            <a:r>
-              <a:rPr lang="fi-FI" dirty="0" err="1" smtClean="0"/>
-              <a:t>Hypothesis</a:t>
-            </a:r>
-            <a:r>
-              <a:rPr lang="fi-FI" dirty="0" smtClean="0"/>
-              <a:t> </a:t>
-            </a:r>
-            <a:r>
-              <a:rPr lang="fi-FI" dirty="0" err="1" smtClean="0"/>
-              <a:t>was</a:t>
-            </a:r>
-            <a:r>
-              <a:rPr lang="fi-FI" dirty="0" smtClean="0"/>
-              <a:t> </a:t>
-            </a:r>
-            <a:r>
-              <a:rPr lang="fi-FI" dirty="0" err="1" smtClean="0"/>
-              <a:t>proven</a:t>
-            </a:r>
-            <a:r>
-              <a:rPr lang="fi-FI" dirty="0" smtClean="0"/>
-              <a:t> </a:t>
-            </a:r>
-            <a:r>
-              <a:rPr lang="fi-FI" dirty="0" err="1" smtClean="0"/>
-              <a:t>wrong</a:t>
-            </a:r>
-            <a:r>
-              <a:rPr lang="fi-FI" dirty="0" smtClean="0"/>
-              <a:t>.</a:t>
-            </a:r>
-          </a:p>
-          <a:p>
-            <a:endParaRPr lang="fi-FI" dirty="0" smtClean="0"/>
           </a:p>
           <a:p>
             <a:endParaRPr lang="fi-FI" dirty="0"/>
@@ -5435,7 +5752,7 @@
     </p:spTree>
     <p:extLst>
       <p:ext uri="{BB962C8B-B14F-4D97-AF65-F5344CB8AC3E}">
-        <p14:creationId xmlns:p14="http://schemas.microsoft.com/office/powerpoint/2010/main" val="317094417"/>
+        <p14:creationId xmlns:p14="http://schemas.microsoft.com/office/powerpoint/2010/main" val="3340630398"/>
       </p:ext>
     </p:extLst>
   </p:cSld>
@@ -5474,36 +5791,347 @@
         </p:nvSpPr>
         <p:spPr/>
         <p:txBody>
+          <a:bodyPr>
+            <a:normAutofit/>
+          </a:bodyPr>
+          <a:lstStyle/>
+          <a:p>
+            <a:r>
+              <a:rPr lang="fi-FI" dirty="0" err="1"/>
+              <a:t>Discussion</a:t>
+            </a:r>
+            <a:endParaRPr lang="fi-FI" dirty="0"/>
+          </a:p>
+        </p:txBody>
+      </p:sp>
+      <p:sp>
+        <p:nvSpPr>
+          <p:cNvPr id="3" name="Sisällön paikkamerkki 2"/>
+          <p:cNvSpPr>
+            <a:spLocks noGrp="1"/>
+          </p:cNvSpPr>
+          <p:nvPr>
+            <p:ph idx="1"/>
+          </p:nvPr>
+        </p:nvSpPr>
+        <p:spPr/>
+        <p:txBody>
           <a:bodyPr/>
           <a:lstStyle/>
           <a:p>
+            <a:r>
+              <a:rPr lang="fi-FI" dirty="0" err="1"/>
+              <a:t>All</a:t>
+            </a:r>
+            <a:r>
+              <a:rPr lang="fi-FI" dirty="0"/>
+              <a:t> </a:t>
+            </a:r>
+            <a:r>
+              <a:rPr lang="fi-FI" dirty="0" err="1"/>
+              <a:t>hypotheses</a:t>
+            </a:r>
+            <a:r>
+              <a:rPr lang="fi-FI" dirty="0"/>
+              <a:t> </a:t>
+            </a:r>
+            <a:r>
+              <a:rPr lang="fi-FI" dirty="0" err="1"/>
+              <a:t>were</a:t>
+            </a:r>
+            <a:r>
+              <a:rPr lang="fi-FI" dirty="0"/>
+              <a:t> </a:t>
+            </a:r>
+            <a:r>
+              <a:rPr lang="fi-FI" dirty="0" err="1"/>
+              <a:t>proved</a:t>
+            </a:r>
+            <a:r>
+              <a:rPr lang="fi-FI" dirty="0"/>
+              <a:t> to </a:t>
+            </a:r>
+            <a:r>
+              <a:rPr lang="fi-FI" dirty="0" err="1"/>
+              <a:t>be</a:t>
+            </a:r>
+            <a:r>
+              <a:rPr lang="fi-FI" dirty="0"/>
+              <a:t> </a:t>
+            </a:r>
+            <a:r>
+              <a:rPr lang="fi-FI" dirty="0" err="1"/>
+              <a:t>wrong</a:t>
+            </a:r>
             <a:endParaRPr lang="fi-FI" dirty="0"/>
           </a:p>
-        </p:txBody>
-      </p:sp>
-      <p:sp>
-        <p:nvSpPr>
-          <p:cNvPr id="3" name="Sisällön paikkamerkki 2"/>
-          <p:cNvSpPr>
-            <a:spLocks noGrp="1"/>
-          </p:cNvSpPr>
-          <p:nvPr>
-            <p:ph idx="1"/>
-          </p:nvPr>
-        </p:nvSpPr>
-        <p:spPr/>
-        <p:txBody>
-          <a:bodyPr/>
-          <a:lstStyle/>
-          <a:p>
-            <a:endParaRPr lang="fi-FI"/>
+          <a:p>
+            <a:r>
+              <a:rPr lang="fi-FI" dirty="0"/>
+              <a:t>Some of </a:t>
+            </a:r>
+            <a:r>
+              <a:rPr lang="fi-FI" dirty="0" err="1"/>
+              <a:t>the</a:t>
+            </a:r>
+            <a:r>
+              <a:rPr lang="fi-FI" dirty="0"/>
+              <a:t> </a:t>
+            </a:r>
+            <a:r>
+              <a:rPr lang="fi-FI" dirty="0" err="1"/>
+              <a:t>results</a:t>
+            </a:r>
+            <a:r>
+              <a:rPr lang="fi-FI" dirty="0"/>
+              <a:t> </a:t>
+            </a:r>
+            <a:r>
+              <a:rPr lang="fi-FI" dirty="0" err="1"/>
+              <a:t>were</a:t>
+            </a:r>
+            <a:r>
+              <a:rPr lang="fi-FI" dirty="0"/>
+              <a:t> </a:t>
+            </a:r>
+            <a:r>
+              <a:rPr lang="fi-FI" dirty="0" err="1"/>
+              <a:t>counter</a:t>
+            </a:r>
+            <a:r>
+              <a:rPr lang="fi-FI" dirty="0"/>
+              <a:t> </a:t>
+            </a:r>
+            <a:r>
+              <a:rPr lang="fi-FI" dirty="0" err="1"/>
+              <a:t>intuitive</a:t>
+            </a:r>
+            <a:endParaRPr lang="fi-FI" dirty="0"/>
+          </a:p>
+          <a:p>
+            <a:pPr lvl="1"/>
+            <a:r>
+              <a:rPr lang="fi-FI" dirty="0" err="1"/>
+              <a:t>Experience</a:t>
+            </a:r>
+            <a:r>
+              <a:rPr lang="fi-FI" dirty="0"/>
+              <a:t> </a:t>
+            </a:r>
+            <a:r>
+              <a:rPr lang="fi-FI" dirty="0" err="1"/>
+              <a:t>does</a:t>
+            </a:r>
+            <a:r>
+              <a:rPr lang="fi-FI" dirty="0"/>
+              <a:t> </a:t>
+            </a:r>
+            <a:r>
+              <a:rPr lang="fi-FI" dirty="0" err="1"/>
+              <a:t>not</a:t>
+            </a:r>
+            <a:r>
+              <a:rPr lang="fi-FI" dirty="0"/>
+              <a:t> </a:t>
+            </a:r>
+            <a:r>
+              <a:rPr lang="fi-FI" dirty="0" err="1"/>
+              <a:t>correlate</a:t>
+            </a:r>
+            <a:r>
+              <a:rPr lang="fi-FI" dirty="0"/>
+              <a:t> </a:t>
+            </a:r>
+            <a:r>
+              <a:rPr lang="fi-FI" dirty="0" err="1"/>
+              <a:t>with</a:t>
+            </a:r>
+            <a:r>
+              <a:rPr lang="fi-FI" dirty="0"/>
+              <a:t> </a:t>
+            </a:r>
+            <a:r>
+              <a:rPr lang="fi-FI" dirty="0" err="1"/>
+              <a:t>higher</a:t>
+            </a:r>
+            <a:r>
+              <a:rPr lang="fi-FI" dirty="0"/>
+              <a:t> </a:t>
+            </a:r>
+            <a:r>
+              <a:rPr lang="fi-FI" dirty="0" err="1"/>
+              <a:t>income</a:t>
+            </a:r>
+            <a:endParaRPr lang="fi-FI" dirty="0"/>
+          </a:p>
+          <a:p>
+            <a:pPr lvl="1"/>
+            <a:r>
+              <a:rPr lang="fi-FI" dirty="0" err="1"/>
+              <a:t>Overwhelming</a:t>
+            </a:r>
+            <a:r>
+              <a:rPr lang="fi-FI" dirty="0"/>
+              <a:t> </a:t>
+            </a:r>
+            <a:r>
+              <a:rPr lang="fi-FI" dirty="0" err="1"/>
+              <a:t>majority</a:t>
+            </a:r>
+            <a:r>
+              <a:rPr lang="fi-FI" dirty="0"/>
+              <a:t> of </a:t>
+            </a:r>
+            <a:r>
+              <a:rPr lang="fi-FI" dirty="0" err="1"/>
+              <a:t>personal</a:t>
+            </a:r>
+            <a:r>
+              <a:rPr lang="fi-FI" dirty="0"/>
+              <a:t> loan </a:t>
+            </a:r>
+            <a:r>
+              <a:rPr lang="fi-FI" dirty="0" err="1"/>
+              <a:t>takers</a:t>
+            </a:r>
+            <a:r>
+              <a:rPr lang="fi-FI" dirty="0"/>
+              <a:t> </a:t>
+            </a:r>
+            <a:r>
+              <a:rPr lang="fi-FI" dirty="0" err="1"/>
+              <a:t>had</a:t>
+            </a:r>
+            <a:r>
+              <a:rPr lang="fi-FI" dirty="0"/>
+              <a:t> </a:t>
+            </a:r>
+            <a:r>
+              <a:rPr lang="fi-FI" dirty="0" err="1"/>
+              <a:t>high</a:t>
+            </a:r>
+            <a:r>
+              <a:rPr lang="fi-FI" dirty="0"/>
+              <a:t> </a:t>
+            </a:r>
+            <a:r>
+              <a:rPr lang="fi-FI" dirty="0" err="1"/>
+              <a:t>salary</a:t>
+            </a:r>
+            <a:endParaRPr lang="fi-FI" dirty="0"/>
+          </a:p>
+          <a:p>
+            <a:r>
+              <a:rPr lang="fi-FI" dirty="0"/>
+              <a:t>As a side </a:t>
+            </a:r>
+            <a:r>
+              <a:rPr lang="fi-FI" dirty="0" err="1"/>
+              <a:t>effect</a:t>
+            </a:r>
+            <a:r>
+              <a:rPr lang="fi-FI" dirty="0"/>
+              <a:t> it </a:t>
+            </a:r>
+            <a:r>
+              <a:rPr lang="fi-FI" dirty="0" err="1"/>
+              <a:t>was</a:t>
+            </a:r>
+            <a:r>
+              <a:rPr lang="fi-FI" dirty="0"/>
+              <a:t> </a:t>
+            </a:r>
+            <a:r>
+              <a:rPr lang="fi-FI" dirty="0" err="1"/>
+              <a:t>noted</a:t>
+            </a:r>
+            <a:r>
+              <a:rPr lang="fi-FI" dirty="0"/>
+              <a:t> </a:t>
+            </a:r>
+            <a:r>
+              <a:rPr lang="fi-FI" dirty="0" err="1"/>
+              <a:t>that</a:t>
+            </a:r>
+            <a:r>
+              <a:rPr lang="fi-FI" dirty="0"/>
+              <a:t> </a:t>
+            </a:r>
+            <a:r>
+              <a:rPr lang="fi-FI" dirty="0" err="1"/>
+              <a:t>only</a:t>
+            </a:r>
+            <a:r>
+              <a:rPr lang="fi-FI" dirty="0"/>
+              <a:t> </a:t>
+            </a:r>
+            <a:r>
+              <a:rPr lang="fi-FI" dirty="0" err="1"/>
+              <a:t>about</a:t>
+            </a:r>
+            <a:r>
+              <a:rPr lang="fi-FI" dirty="0"/>
+              <a:t> 60% </a:t>
+            </a:r>
+            <a:r>
+              <a:rPr lang="fi-FI" dirty="0" err="1"/>
+              <a:t>regardless</a:t>
+            </a:r>
+            <a:r>
+              <a:rPr lang="fi-FI" dirty="0"/>
+              <a:t> of </a:t>
+            </a:r>
+            <a:r>
+              <a:rPr lang="fi-FI" dirty="0" err="1"/>
+              <a:t>age</a:t>
+            </a:r>
+            <a:r>
+              <a:rPr lang="fi-FI" dirty="0"/>
+              <a:t> </a:t>
+            </a:r>
+            <a:r>
+              <a:rPr lang="fi-FI" dirty="0" err="1"/>
+              <a:t>used</a:t>
+            </a:r>
+            <a:r>
+              <a:rPr lang="fi-FI" dirty="0"/>
+              <a:t> </a:t>
+            </a:r>
+            <a:r>
+              <a:rPr lang="fi-FI" dirty="0" err="1"/>
+              <a:t>online</a:t>
+            </a:r>
+            <a:r>
+              <a:rPr lang="fi-FI" dirty="0"/>
+              <a:t> </a:t>
+            </a:r>
+            <a:r>
+              <a:rPr lang="fi-FI" dirty="0" err="1"/>
+              <a:t>banking</a:t>
+            </a:r>
+            <a:r>
+              <a:rPr lang="fi-FI" dirty="0"/>
+              <a:t> </a:t>
+            </a:r>
+            <a:r>
+              <a:rPr lang="fi-FI" dirty="0" err="1"/>
+              <a:t>services</a:t>
+            </a:r>
+            <a:endParaRPr lang="fi-FI" dirty="0"/>
+          </a:p>
+          <a:p>
+            <a:pPr lvl="1"/>
+            <a:endParaRPr lang="fi-FI" dirty="0"/>
+          </a:p>
+          <a:p>
+            <a:endParaRPr lang="fi-FI" dirty="0"/>
           </a:p>
         </p:txBody>
       </p:sp>
     </p:spTree>
     <p:extLst>
       <p:ext uri="{BB962C8B-B14F-4D97-AF65-F5344CB8AC3E}">
-        <p14:creationId xmlns:p14="http://schemas.microsoft.com/office/powerpoint/2010/main" val="228752826"/>
+        <p14:creationId xmlns:p14="http://schemas.microsoft.com/office/powerpoint/2010/main" val="798252907"/>
       </p:ext>
     </p:extLst>
   </p:cSld>

--- a/DSDBA Project.pptx
+++ b/DSDBA Project.pptx
@@ -13,8 +13,9 @@
     <p:sldId id="259" r:id="rId7"/>
     <p:sldId id="260" r:id="rId8"/>
     <p:sldId id="265" r:id="rId9"/>
-    <p:sldId id="266" r:id="rId10"/>
-    <p:sldId id="267" r:id="rId11"/>
+    <p:sldId id="268" r:id="rId10"/>
+    <p:sldId id="266" r:id="rId11"/>
+    <p:sldId id="267" r:id="rId12"/>
   </p:sldIdLst>
   <p:sldSz cx="12192000" cy="6858000"/>
   <p:notesSz cx="6858000" cy="9144000"/>
@@ -119,6 +120,58 @@
     </p:ext>
   </p:extLst>
 </p:presentation>
+</file>
+
+<file path=ppt/changesInfos/changesInfo1.xml><?xml version="1.0" encoding="utf-8"?>
+<pc:chgInfo xmlns:a="http://schemas.openxmlformats.org/drawingml/2006/main" xmlns:r="http://schemas.openxmlformats.org/officeDocument/2006/relationships" xmlns:ac="http://schemas.microsoft.com/office/drawing/2013/main/command" xmlns:pc="http://schemas.microsoft.com/office/powerpoint/2013/main/command">
+  <pc:docChgLst>
+    <pc:chgData name="laura silvala" userId="09a80ae404a784f0" providerId="LiveId" clId="{3C1CA22B-87C5-4084-8E72-31E3C308F085}"/>
+    <pc:docChg chg="custSel addSld modSld">
+      <pc:chgData name="laura silvala" userId="09a80ae404a784f0" providerId="LiveId" clId="{3C1CA22B-87C5-4084-8E72-31E3C308F085}" dt="2023-06-27T19:22:20.263" v="725" actId="27636"/>
+      <pc:docMkLst>
+        <pc:docMk/>
+      </pc:docMkLst>
+      <pc:sldChg chg="modSp mod">
+        <pc:chgData name="laura silvala" userId="09a80ae404a784f0" providerId="LiveId" clId="{3C1CA22B-87C5-4084-8E72-31E3C308F085}" dt="2023-06-27T19:11:24.542" v="0" actId="20577"/>
+        <pc:sldMkLst>
+          <pc:docMk/>
+          <pc:sldMk cId="348457489" sldId="257"/>
+        </pc:sldMkLst>
+        <pc:spChg chg="mod">
+          <ac:chgData name="laura silvala" userId="09a80ae404a784f0" providerId="LiveId" clId="{3C1CA22B-87C5-4084-8E72-31E3C308F085}" dt="2023-06-27T19:11:24.542" v="0" actId="20577"/>
+          <ac:spMkLst>
+            <pc:docMk/>
+            <pc:sldMk cId="348457489" sldId="257"/>
+            <ac:spMk id="3" creationId="{00000000-0000-0000-0000-000000000000}"/>
+          </ac:spMkLst>
+        </pc:spChg>
+      </pc:sldChg>
+      <pc:sldChg chg="modSp new mod">
+        <pc:chgData name="laura silvala" userId="09a80ae404a784f0" providerId="LiveId" clId="{3C1CA22B-87C5-4084-8E72-31E3C308F085}" dt="2023-06-27T19:22:20.263" v="725" actId="27636"/>
+        <pc:sldMkLst>
+          <pc:docMk/>
+          <pc:sldMk cId="1043321534" sldId="268"/>
+        </pc:sldMkLst>
+        <pc:spChg chg="mod">
+          <ac:chgData name="laura silvala" userId="09a80ae404a784f0" providerId="LiveId" clId="{3C1CA22B-87C5-4084-8E72-31E3C308F085}" dt="2023-06-27T19:15:11.158" v="151" actId="20577"/>
+          <ac:spMkLst>
+            <pc:docMk/>
+            <pc:sldMk cId="1043321534" sldId="268"/>
+            <ac:spMk id="2" creationId="{B8926D87-878F-C30F-B798-DBE2580E7B8C}"/>
+          </ac:spMkLst>
+        </pc:spChg>
+        <pc:spChg chg="mod">
+          <ac:chgData name="laura silvala" userId="09a80ae404a784f0" providerId="LiveId" clId="{3C1CA22B-87C5-4084-8E72-31E3C308F085}" dt="2023-06-27T19:22:20.263" v="725" actId="27636"/>
+          <ac:spMkLst>
+            <pc:docMk/>
+            <pc:sldMk cId="1043321534" sldId="268"/>
+            <ac:spMk id="3" creationId="{EDD7774F-DADB-ED8F-DE96-9E851826FF47}"/>
+          </ac:spMkLst>
+        </pc:spChg>
+      </pc:sldChg>
+    </pc:docChg>
+  </pc:docChgLst>
+</pc:chgInfo>
 </file>
 
 <file path=ppt/slideLayouts/slideLayout1.xml><?xml version="1.0" encoding="utf-8"?>
@@ -3053,6 +3106,385 @@
       </p:grpSpPr>
       <p:sp>
         <p:nvSpPr>
+          <p:cNvPr id="2" name="Otsikko 1"/>
+          <p:cNvSpPr>
+            <a:spLocks noGrp="1"/>
+          </p:cNvSpPr>
+          <p:nvPr>
+            <p:ph type="title"/>
+          </p:nvPr>
+        </p:nvSpPr>
+        <p:spPr/>
+        <p:txBody>
+          <a:bodyPr>
+            <a:normAutofit/>
+          </a:bodyPr>
+          <a:lstStyle/>
+          <a:p>
+            <a:r>
+              <a:rPr lang="fi-FI" dirty="0" err="1"/>
+              <a:t>Discussion</a:t>
+            </a:r>
+            <a:endParaRPr lang="fi-FI" dirty="0"/>
+          </a:p>
+        </p:txBody>
+      </p:sp>
+      <p:sp>
+        <p:nvSpPr>
+          <p:cNvPr id="3" name="Sisällön paikkamerkki 2"/>
+          <p:cNvSpPr>
+            <a:spLocks noGrp="1"/>
+          </p:cNvSpPr>
+          <p:nvPr>
+            <p:ph idx="1"/>
+          </p:nvPr>
+        </p:nvSpPr>
+        <p:spPr/>
+        <p:txBody>
+          <a:bodyPr/>
+          <a:lstStyle/>
+          <a:p>
+            <a:r>
+              <a:rPr lang="fi-FI" dirty="0" err="1"/>
+              <a:t>All</a:t>
+            </a:r>
+            <a:r>
+              <a:rPr lang="fi-FI" dirty="0"/>
+              <a:t> </a:t>
+            </a:r>
+            <a:r>
+              <a:rPr lang="fi-FI" dirty="0" err="1"/>
+              <a:t>hypotheses</a:t>
+            </a:r>
+            <a:r>
+              <a:rPr lang="fi-FI" dirty="0"/>
+              <a:t> </a:t>
+            </a:r>
+            <a:r>
+              <a:rPr lang="fi-FI" dirty="0" err="1"/>
+              <a:t>were</a:t>
+            </a:r>
+            <a:r>
+              <a:rPr lang="fi-FI" dirty="0"/>
+              <a:t> </a:t>
+            </a:r>
+            <a:r>
+              <a:rPr lang="fi-FI" dirty="0" err="1"/>
+              <a:t>proved</a:t>
+            </a:r>
+            <a:r>
+              <a:rPr lang="fi-FI" dirty="0"/>
+              <a:t> to </a:t>
+            </a:r>
+            <a:r>
+              <a:rPr lang="fi-FI" dirty="0" err="1"/>
+              <a:t>be</a:t>
+            </a:r>
+            <a:r>
+              <a:rPr lang="fi-FI" dirty="0"/>
+              <a:t> </a:t>
+            </a:r>
+            <a:r>
+              <a:rPr lang="fi-FI" dirty="0" err="1"/>
+              <a:t>wrong</a:t>
+            </a:r>
+            <a:endParaRPr lang="fi-FI" dirty="0"/>
+          </a:p>
+          <a:p>
+            <a:r>
+              <a:rPr lang="fi-FI" dirty="0"/>
+              <a:t>Some of </a:t>
+            </a:r>
+            <a:r>
+              <a:rPr lang="fi-FI" dirty="0" err="1"/>
+              <a:t>the</a:t>
+            </a:r>
+            <a:r>
+              <a:rPr lang="fi-FI" dirty="0"/>
+              <a:t> </a:t>
+            </a:r>
+            <a:r>
+              <a:rPr lang="fi-FI" dirty="0" err="1"/>
+              <a:t>results</a:t>
+            </a:r>
+            <a:r>
+              <a:rPr lang="fi-FI" dirty="0"/>
+              <a:t> </a:t>
+            </a:r>
+            <a:r>
+              <a:rPr lang="fi-FI" dirty="0" err="1"/>
+              <a:t>were</a:t>
+            </a:r>
+            <a:r>
+              <a:rPr lang="fi-FI" dirty="0"/>
+              <a:t> </a:t>
+            </a:r>
+            <a:r>
+              <a:rPr lang="fi-FI" dirty="0" err="1"/>
+              <a:t>counter</a:t>
+            </a:r>
+            <a:r>
+              <a:rPr lang="fi-FI" dirty="0"/>
+              <a:t> </a:t>
+            </a:r>
+            <a:r>
+              <a:rPr lang="fi-FI" dirty="0" err="1"/>
+              <a:t>intuitive</a:t>
+            </a:r>
+            <a:endParaRPr lang="fi-FI" dirty="0"/>
+          </a:p>
+          <a:p>
+            <a:pPr lvl="1"/>
+            <a:r>
+              <a:rPr lang="fi-FI" dirty="0" err="1"/>
+              <a:t>Experience</a:t>
+            </a:r>
+            <a:r>
+              <a:rPr lang="fi-FI" dirty="0"/>
+              <a:t> </a:t>
+            </a:r>
+            <a:r>
+              <a:rPr lang="fi-FI" dirty="0" err="1"/>
+              <a:t>does</a:t>
+            </a:r>
+            <a:r>
+              <a:rPr lang="fi-FI" dirty="0"/>
+              <a:t> </a:t>
+            </a:r>
+            <a:r>
+              <a:rPr lang="fi-FI" dirty="0" err="1"/>
+              <a:t>not</a:t>
+            </a:r>
+            <a:r>
+              <a:rPr lang="fi-FI" dirty="0"/>
+              <a:t> </a:t>
+            </a:r>
+            <a:r>
+              <a:rPr lang="fi-FI" dirty="0" err="1"/>
+              <a:t>correlate</a:t>
+            </a:r>
+            <a:r>
+              <a:rPr lang="fi-FI" dirty="0"/>
+              <a:t> </a:t>
+            </a:r>
+            <a:r>
+              <a:rPr lang="fi-FI" dirty="0" err="1"/>
+              <a:t>with</a:t>
+            </a:r>
+            <a:r>
+              <a:rPr lang="fi-FI" dirty="0"/>
+              <a:t> </a:t>
+            </a:r>
+            <a:r>
+              <a:rPr lang="fi-FI" dirty="0" err="1"/>
+              <a:t>higher</a:t>
+            </a:r>
+            <a:r>
+              <a:rPr lang="fi-FI" dirty="0"/>
+              <a:t> </a:t>
+            </a:r>
+            <a:r>
+              <a:rPr lang="fi-FI" dirty="0" err="1"/>
+              <a:t>income</a:t>
+            </a:r>
+            <a:endParaRPr lang="fi-FI" dirty="0"/>
+          </a:p>
+          <a:p>
+            <a:pPr lvl="1"/>
+            <a:r>
+              <a:rPr lang="fi-FI" dirty="0" err="1"/>
+              <a:t>Overwhelming</a:t>
+            </a:r>
+            <a:r>
+              <a:rPr lang="fi-FI" dirty="0"/>
+              <a:t> </a:t>
+            </a:r>
+            <a:r>
+              <a:rPr lang="fi-FI" dirty="0" err="1"/>
+              <a:t>majority</a:t>
+            </a:r>
+            <a:r>
+              <a:rPr lang="fi-FI" dirty="0"/>
+              <a:t> of </a:t>
+            </a:r>
+            <a:r>
+              <a:rPr lang="fi-FI" dirty="0" err="1"/>
+              <a:t>personal</a:t>
+            </a:r>
+            <a:r>
+              <a:rPr lang="fi-FI" dirty="0"/>
+              <a:t> loan </a:t>
+            </a:r>
+            <a:r>
+              <a:rPr lang="fi-FI" dirty="0" err="1"/>
+              <a:t>takers</a:t>
+            </a:r>
+            <a:r>
+              <a:rPr lang="fi-FI" dirty="0"/>
+              <a:t> </a:t>
+            </a:r>
+            <a:r>
+              <a:rPr lang="fi-FI" dirty="0" err="1"/>
+              <a:t>had</a:t>
+            </a:r>
+            <a:r>
+              <a:rPr lang="fi-FI" dirty="0"/>
+              <a:t> </a:t>
+            </a:r>
+            <a:r>
+              <a:rPr lang="fi-FI" dirty="0" err="1"/>
+              <a:t>high</a:t>
+            </a:r>
+            <a:r>
+              <a:rPr lang="fi-FI" dirty="0"/>
+              <a:t> </a:t>
+            </a:r>
+            <a:r>
+              <a:rPr lang="fi-FI" dirty="0" err="1"/>
+              <a:t>salary</a:t>
+            </a:r>
+            <a:endParaRPr lang="fi-FI" dirty="0"/>
+          </a:p>
+          <a:p>
+            <a:r>
+              <a:rPr lang="fi-FI" dirty="0"/>
+              <a:t>As a side </a:t>
+            </a:r>
+            <a:r>
+              <a:rPr lang="fi-FI" dirty="0" err="1"/>
+              <a:t>effect</a:t>
+            </a:r>
+            <a:r>
+              <a:rPr lang="fi-FI" dirty="0"/>
+              <a:t> it </a:t>
+            </a:r>
+            <a:r>
+              <a:rPr lang="fi-FI" dirty="0" err="1"/>
+              <a:t>was</a:t>
+            </a:r>
+            <a:r>
+              <a:rPr lang="fi-FI" dirty="0"/>
+              <a:t> </a:t>
+            </a:r>
+            <a:r>
+              <a:rPr lang="fi-FI" dirty="0" err="1"/>
+              <a:t>noted</a:t>
+            </a:r>
+            <a:r>
+              <a:rPr lang="fi-FI" dirty="0"/>
+              <a:t> </a:t>
+            </a:r>
+            <a:r>
+              <a:rPr lang="fi-FI" dirty="0" err="1"/>
+              <a:t>that</a:t>
+            </a:r>
+            <a:r>
+              <a:rPr lang="fi-FI" dirty="0"/>
+              <a:t> </a:t>
+            </a:r>
+            <a:r>
+              <a:rPr lang="fi-FI" dirty="0" err="1"/>
+              <a:t>only</a:t>
+            </a:r>
+            <a:r>
+              <a:rPr lang="fi-FI" dirty="0"/>
+              <a:t> </a:t>
+            </a:r>
+            <a:r>
+              <a:rPr lang="fi-FI" dirty="0" err="1"/>
+              <a:t>about</a:t>
+            </a:r>
+            <a:r>
+              <a:rPr lang="fi-FI" dirty="0"/>
+              <a:t> 60% </a:t>
+            </a:r>
+            <a:r>
+              <a:rPr lang="fi-FI" dirty="0" err="1"/>
+              <a:t>regardless</a:t>
+            </a:r>
+            <a:r>
+              <a:rPr lang="fi-FI" dirty="0"/>
+              <a:t> of </a:t>
+            </a:r>
+            <a:r>
+              <a:rPr lang="fi-FI" dirty="0" err="1"/>
+              <a:t>age</a:t>
+            </a:r>
+            <a:r>
+              <a:rPr lang="fi-FI" dirty="0"/>
+              <a:t> </a:t>
+            </a:r>
+            <a:r>
+              <a:rPr lang="fi-FI" dirty="0" err="1"/>
+              <a:t>used</a:t>
+            </a:r>
+            <a:r>
+              <a:rPr lang="fi-FI" dirty="0"/>
+              <a:t> </a:t>
+            </a:r>
+            <a:r>
+              <a:rPr lang="fi-FI" dirty="0" err="1"/>
+              <a:t>online</a:t>
+            </a:r>
+            <a:r>
+              <a:rPr lang="fi-FI" dirty="0"/>
+              <a:t> </a:t>
+            </a:r>
+            <a:r>
+              <a:rPr lang="fi-FI" dirty="0" err="1"/>
+              <a:t>banking</a:t>
+            </a:r>
+            <a:r>
+              <a:rPr lang="fi-FI" dirty="0"/>
+              <a:t> </a:t>
+            </a:r>
+            <a:r>
+              <a:rPr lang="fi-FI" dirty="0" err="1"/>
+              <a:t>services</a:t>
+            </a:r>
+            <a:endParaRPr lang="fi-FI" dirty="0"/>
+          </a:p>
+          <a:p>
+            <a:pPr lvl="1"/>
+            <a:endParaRPr lang="fi-FI" dirty="0"/>
+          </a:p>
+          <a:p>
+            <a:endParaRPr lang="fi-FI" dirty="0"/>
+          </a:p>
+        </p:txBody>
+      </p:sp>
+    </p:spTree>
+    <p:extLst>
+      <p:ext uri="{BB962C8B-B14F-4D97-AF65-F5344CB8AC3E}">
+        <p14:creationId xmlns:p14="http://schemas.microsoft.com/office/powerpoint/2010/main" val="798252907"/>
+      </p:ext>
+    </p:extLst>
+  </p:cSld>
+  <p:clrMapOvr>
+    <a:masterClrMapping/>
+  </p:clrMapOvr>
+</p:sld>
+</file>
+
+<file path=ppt/slides/slide11.xml><?xml version="1.0" encoding="utf-8"?>
+<p:sld xmlns:a="http://schemas.openxmlformats.org/drawingml/2006/main" xmlns:r="http://schemas.openxmlformats.org/officeDocument/2006/relationships" xmlns:p="http://schemas.openxmlformats.org/presentationml/2006/main">
+  <p:cSld>
+    <p:spTree>
+      <p:nvGrpSpPr>
+        <p:cNvPr id="1" name=""/>
+        <p:cNvGrpSpPr/>
+        <p:nvPr/>
+      </p:nvGrpSpPr>
+      <p:grpSpPr>
+        <a:xfrm>
+          <a:off x="0" y="0"/>
+          <a:ext cx="0" cy="0"/>
+          <a:chOff x="0" y="0"/>
+          <a:chExt cx="0" cy="0"/>
+        </a:xfrm>
+      </p:grpSpPr>
+      <p:sp>
+        <p:nvSpPr>
           <p:cNvPr id="2" name="Title 1">
             <a:extLst>
               <a:ext uri="{FF2B5EF4-FFF2-40B4-BE49-F238E27FC236}">
@@ -3285,7 +3717,7 @@
             </a:r>
             <a:r>
               <a:rPr lang="fi-FI" dirty="0" err="1"/>
-              <a:t>customer</a:t>
+              <a:t>customers</a:t>
             </a:r>
             <a:r>
               <a:rPr lang="fi-FI" dirty="0"/>
@@ -5781,7 +6213,13 @@
       </p:grpSpPr>
       <p:sp>
         <p:nvSpPr>
-          <p:cNvPr id="2" name="Otsikko 1"/>
+          <p:cNvPr id="2" name="Otsikko 1">
+            <a:extLst>
+              <a:ext uri="{FF2B5EF4-FFF2-40B4-BE49-F238E27FC236}">
+                <a16:creationId xmlns:a16="http://schemas.microsoft.com/office/drawing/2014/main" id="{B8926D87-878F-C30F-B798-DBE2580E7B8C}"/>
+              </a:ext>
+            </a:extLst>
+          </p:cNvPr>
           <p:cNvSpPr>
             <a:spLocks noGrp="1"/>
           </p:cNvSpPr>
@@ -5792,13 +6230,101 @@
         <p:spPr/>
         <p:txBody>
           <a:bodyPr>
-            <a:normAutofit/>
+            <a:normAutofit fontScale="90000"/>
           </a:bodyPr>
           <a:lstStyle/>
           <a:p>
             <a:r>
               <a:rPr lang="fi-FI" dirty="0" err="1"/>
-              <a:t>Discussion</a:t>
+              <a:t>Hypothesis</a:t>
+            </a:r>
+            <a:r>
+              <a:rPr lang="fi-FI" dirty="0"/>
+              <a:t> 5: </a:t>
+            </a:r>
+            <a:r>
+              <a:rPr lang="fi-FI" dirty="0" err="1"/>
+              <a:t>Younger</a:t>
+            </a:r>
+            <a:r>
+              <a:rPr lang="fi-FI" dirty="0"/>
+              <a:t> </a:t>
+            </a:r>
+            <a:r>
+              <a:rPr lang="fi-FI" dirty="0" err="1"/>
+              <a:t>people</a:t>
+            </a:r>
+            <a:r>
+              <a:rPr lang="fi-FI" dirty="0"/>
+              <a:t> </a:t>
+            </a:r>
+            <a:r>
+              <a:rPr lang="fi-FI" dirty="0" err="1"/>
+              <a:t>need</a:t>
+            </a:r>
+            <a:r>
+              <a:rPr lang="fi-FI" dirty="0"/>
+              <a:t> </a:t>
+            </a:r>
+            <a:r>
+              <a:rPr lang="fi-FI" dirty="0" err="1"/>
+              <a:t>more</a:t>
+            </a:r>
+            <a:r>
+              <a:rPr lang="fi-FI" dirty="0"/>
+              <a:t> </a:t>
+            </a:r>
+            <a:r>
+              <a:rPr lang="fi-FI" dirty="0" err="1"/>
+              <a:t>education</a:t>
+            </a:r>
+            <a:r>
+              <a:rPr lang="fi-FI" dirty="0"/>
+              <a:t> to </a:t>
+            </a:r>
+            <a:r>
+              <a:rPr lang="fi-FI" dirty="0" err="1"/>
+              <a:t>get</a:t>
+            </a:r>
+            <a:r>
+              <a:rPr lang="fi-FI" dirty="0"/>
+              <a:t> </a:t>
+            </a:r>
+            <a:r>
+              <a:rPr lang="fi-FI" dirty="0" err="1"/>
+              <a:t>same</a:t>
+            </a:r>
+            <a:r>
+              <a:rPr lang="fi-FI" dirty="0"/>
+              <a:t> </a:t>
+            </a:r>
+            <a:r>
+              <a:rPr lang="fi-FI" dirty="0" err="1"/>
+              <a:t>income</a:t>
+            </a:r>
+            <a:r>
+              <a:rPr lang="fi-FI" dirty="0"/>
+              <a:t> </a:t>
+            </a:r>
+            <a:r>
+              <a:rPr lang="fi-FI" dirty="0" err="1"/>
+              <a:t>compared</a:t>
+            </a:r>
+            <a:r>
+              <a:rPr lang="fi-FI" dirty="0"/>
+              <a:t> to </a:t>
+            </a:r>
+            <a:r>
+              <a:rPr lang="fi-FI" dirty="0" err="1"/>
+              <a:t>older</a:t>
+            </a:r>
+            <a:r>
+              <a:rPr lang="fi-FI" dirty="0"/>
+              <a:t> </a:t>
+            </a:r>
+            <a:r>
+              <a:rPr lang="fi-FI" dirty="0" err="1"/>
+              <a:t>generations</a:t>
             </a:r>
             <a:endParaRPr lang="fi-FI" dirty="0"/>
           </a:p>
@@ -5806,7 +6332,13 @@
       </p:sp>
       <p:sp>
         <p:nvSpPr>
-          <p:cNvPr id="3" name="Sisällön paikkamerkki 2"/>
+          <p:cNvPr id="3" name="Sisällön paikkamerkki 2">
+            <a:extLst>
+              <a:ext uri="{FF2B5EF4-FFF2-40B4-BE49-F238E27FC236}">
+                <a16:creationId xmlns:a16="http://schemas.microsoft.com/office/drawing/2014/main" id="{EDD7774F-DADB-ED8F-DE96-9E851826FF47}"/>
+              </a:ext>
+            </a:extLst>
+          </p:cNvPr>
           <p:cNvSpPr>
             <a:spLocks noGrp="1"/>
           </p:cNvSpPr>
@@ -5816,36 +6348,42 @@
         </p:nvSpPr>
         <p:spPr/>
         <p:txBody>
-          <a:bodyPr/>
+          <a:bodyPr>
+            <a:normAutofit lnSpcReduction="10000"/>
+          </a:bodyPr>
           <a:lstStyle/>
           <a:p>
             <a:r>
-              <a:rPr lang="fi-FI" dirty="0" err="1"/>
-              <a:t>All</a:t>
-            </a:r>
-            <a:r>
-              <a:rPr lang="fi-FI" dirty="0"/>
-              <a:t> </a:t>
-            </a:r>
-            <a:r>
-              <a:rPr lang="fi-FI" dirty="0" err="1"/>
-              <a:t>hypotheses</a:t>
-            </a:r>
-            <a:r>
-              <a:rPr lang="fi-FI" dirty="0"/>
-              <a:t> </a:t>
-            </a:r>
-            <a:r>
-              <a:rPr lang="fi-FI" dirty="0" err="1"/>
-              <a:t>were</a:t>
-            </a:r>
-            <a:r>
-              <a:rPr lang="fi-FI" dirty="0"/>
-              <a:t> </a:t>
-            </a:r>
-            <a:r>
-              <a:rPr lang="fi-FI" dirty="0" err="1"/>
-              <a:t>proved</a:t>
+              <a:rPr lang="fi-FI" dirty="0"/>
+              <a:t>New </a:t>
+            </a:r>
+            <a:r>
+              <a:rPr lang="fi-FI" dirty="0" err="1"/>
+              <a:t>column</a:t>
+            </a:r>
+            <a:r>
+              <a:rPr lang="fi-FI" dirty="0"/>
+              <a:t> ”</a:t>
+            </a:r>
+            <a:r>
+              <a:rPr lang="fi-FI" dirty="0" err="1"/>
+              <a:t>Generation</a:t>
+            </a:r>
+            <a:r>
+              <a:rPr lang="fi-FI" dirty="0"/>
+              <a:t>” </a:t>
+            </a:r>
+            <a:r>
+              <a:rPr lang="fi-FI" dirty="0" err="1"/>
+              <a:t>was</a:t>
+            </a:r>
+            <a:r>
+              <a:rPr lang="fi-FI" dirty="0"/>
+              <a:t> </a:t>
+            </a:r>
+            <a:r>
+              <a:rPr lang="fi-FI" dirty="0" err="1"/>
+              <a:t>added</a:t>
             </a:r>
             <a:r>
               <a:rPr lang="fi-FI" dirty="0"/>
@@ -5853,7 +6391,346 @@
             </a:r>
             <a:r>
               <a:rPr lang="fi-FI" dirty="0" err="1"/>
-              <a:t>be</a:t>
+              <a:t>the</a:t>
+            </a:r>
+            <a:r>
+              <a:rPr lang="fi-FI" dirty="0"/>
+              <a:t> data </a:t>
+            </a:r>
+            <a:r>
+              <a:rPr lang="fi-FI" dirty="0" err="1"/>
+              <a:t>by</a:t>
+            </a:r>
+            <a:r>
+              <a:rPr lang="fi-FI" dirty="0"/>
+              <a:t> </a:t>
+            </a:r>
+            <a:r>
+              <a:rPr lang="fi-FI" dirty="0" err="1"/>
+              <a:t>age</a:t>
+            </a:r>
+            <a:r>
+              <a:rPr lang="fi-FI" dirty="0"/>
+              <a:t> of </a:t>
+            </a:r>
+            <a:r>
+              <a:rPr lang="fi-FI" dirty="0" err="1"/>
+              <a:t>the</a:t>
+            </a:r>
+            <a:r>
+              <a:rPr lang="fi-FI" dirty="0"/>
+              <a:t> person</a:t>
+            </a:r>
+          </a:p>
+          <a:p>
+            <a:pPr lvl="1"/>
+            <a:r>
+              <a:rPr lang="fi-FI" dirty="0" err="1"/>
+              <a:t>Boomers</a:t>
+            </a:r>
+            <a:r>
+              <a:rPr lang="fi-FI" dirty="0"/>
+              <a:t> 59-77 </a:t>
+            </a:r>
+            <a:r>
+              <a:rPr lang="fi-FI" dirty="0" err="1"/>
+              <a:t>years</a:t>
+            </a:r>
+            <a:r>
+              <a:rPr lang="fi-FI" dirty="0"/>
+              <a:t> </a:t>
+            </a:r>
+            <a:r>
+              <a:rPr lang="fi-FI" dirty="0" err="1"/>
+              <a:t>old</a:t>
+            </a:r>
+            <a:endParaRPr lang="fi-FI" dirty="0"/>
+          </a:p>
+          <a:p>
+            <a:pPr lvl="1"/>
+            <a:r>
+              <a:rPr lang="fi-FI" dirty="0" err="1"/>
+              <a:t>Generation</a:t>
+            </a:r>
+            <a:r>
+              <a:rPr lang="fi-FI" dirty="0"/>
+              <a:t> X 44-58 </a:t>
+            </a:r>
+            <a:r>
+              <a:rPr lang="fi-FI" dirty="0" err="1"/>
+              <a:t>years</a:t>
+            </a:r>
+            <a:r>
+              <a:rPr lang="fi-FI" dirty="0"/>
+              <a:t> </a:t>
+            </a:r>
+            <a:r>
+              <a:rPr lang="fi-FI" dirty="0" err="1"/>
+              <a:t>old</a:t>
+            </a:r>
+            <a:endParaRPr lang="fi-FI" dirty="0"/>
+          </a:p>
+          <a:p>
+            <a:pPr lvl="1"/>
+            <a:r>
+              <a:rPr lang="fi-FI" dirty="0" err="1"/>
+              <a:t>Milennials</a:t>
+            </a:r>
+            <a:r>
+              <a:rPr lang="fi-FI" dirty="0"/>
+              <a:t> 29-43 </a:t>
+            </a:r>
+            <a:r>
+              <a:rPr lang="fi-FI" dirty="0" err="1"/>
+              <a:t>years</a:t>
+            </a:r>
+            <a:r>
+              <a:rPr lang="fi-FI" dirty="0"/>
+              <a:t> </a:t>
+            </a:r>
+            <a:r>
+              <a:rPr lang="fi-FI" dirty="0" err="1"/>
+              <a:t>old</a:t>
+            </a:r>
+            <a:endParaRPr lang="fi-FI" dirty="0"/>
+          </a:p>
+          <a:p>
+            <a:pPr lvl="1"/>
+            <a:r>
+              <a:rPr lang="fi-FI" dirty="0" err="1"/>
+              <a:t>Generation</a:t>
+            </a:r>
+            <a:r>
+              <a:rPr lang="fi-FI" dirty="0"/>
+              <a:t> Z 11-28 </a:t>
+            </a:r>
+            <a:r>
+              <a:rPr lang="fi-FI" dirty="0" err="1"/>
+              <a:t>years</a:t>
+            </a:r>
+            <a:r>
+              <a:rPr lang="fi-FI" dirty="0"/>
+              <a:t> </a:t>
+            </a:r>
+            <a:r>
+              <a:rPr lang="fi-FI" dirty="0" err="1"/>
+              <a:t>old</a:t>
+            </a:r>
+            <a:endParaRPr lang="fi-FI" dirty="0"/>
+          </a:p>
+          <a:p>
+            <a:r>
+              <a:rPr lang="fi-FI" dirty="0"/>
+              <a:t>In </a:t>
+            </a:r>
+            <a:r>
+              <a:rPr lang="fi-FI" dirty="0" err="1"/>
+              <a:t>this</a:t>
+            </a:r>
+            <a:r>
+              <a:rPr lang="fi-FI" dirty="0"/>
+              <a:t> </a:t>
+            </a:r>
+            <a:r>
+              <a:rPr lang="fi-FI" dirty="0" err="1"/>
+              <a:t>hypothesis</a:t>
+            </a:r>
+            <a:r>
+              <a:rPr lang="fi-FI" dirty="0"/>
+              <a:t> </a:t>
+            </a:r>
+            <a:r>
+              <a:rPr lang="fi-FI" dirty="0" err="1"/>
+              <a:t>Gen</a:t>
+            </a:r>
+            <a:r>
+              <a:rPr lang="fi-FI" dirty="0"/>
+              <a:t> Z </a:t>
+            </a:r>
+            <a:r>
+              <a:rPr lang="fi-FI" dirty="0" err="1"/>
+              <a:t>are</a:t>
+            </a:r>
+            <a:r>
+              <a:rPr lang="fi-FI" dirty="0"/>
+              <a:t> </a:t>
+            </a:r>
+            <a:r>
+              <a:rPr lang="fi-FI" dirty="0" err="1"/>
+              <a:t>compared</a:t>
+            </a:r>
+            <a:r>
+              <a:rPr lang="fi-FI" dirty="0"/>
+              <a:t> to </a:t>
+            </a:r>
+            <a:r>
+              <a:rPr lang="fi-FI" dirty="0" err="1"/>
+              <a:t>Boomers</a:t>
+            </a:r>
+            <a:endParaRPr lang="fi-FI" dirty="0"/>
+          </a:p>
+          <a:p>
+            <a:pPr lvl="1"/>
+            <a:r>
+              <a:rPr lang="fi-FI" dirty="0"/>
+              <a:t> </a:t>
+            </a:r>
+            <a:r>
+              <a:rPr lang="fi-FI" dirty="0" err="1"/>
+              <a:t>Education</a:t>
+            </a:r>
+            <a:r>
+              <a:rPr lang="fi-FI" dirty="0"/>
+              <a:t> </a:t>
+            </a:r>
+            <a:r>
+              <a:rPr lang="fi-FI" dirty="0" err="1"/>
+              <a:t>levels</a:t>
+            </a:r>
+            <a:r>
+              <a:rPr lang="fi-FI" dirty="0"/>
+              <a:t>: 1. </a:t>
+            </a:r>
+            <a:r>
+              <a:rPr lang="fi-FI" dirty="0" err="1"/>
+              <a:t>Bachelors</a:t>
+            </a:r>
+            <a:r>
+              <a:rPr lang="fi-FI" dirty="0"/>
+              <a:t> 2. Masters 3. PhD </a:t>
+            </a:r>
+            <a:r>
+              <a:rPr lang="fi-FI" dirty="0" err="1"/>
+              <a:t>or</a:t>
+            </a:r>
+            <a:r>
+              <a:rPr lang="fi-FI" dirty="0"/>
+              <a:t> </a:t>
+            </a:r>
+            <a:r>
+              <a:rPr lang="fi-FI" dirty="0" err="1"/>
+              <a:t>higher</a:t>
+            </a:r>
+            <a:endParaRPr lang="fi-FI" dirty="0"/>
+          </a:p>
+          <a:p>
+            <a:pPr lvl="2"/>
+            <a:r>
+              <a:rPr lang="fi-FI" dirty="0" err="1"/>
+              <a:t>The</a:t>
+            </a:r>
+            <a:r>
+              <a:rPr lang="fi-FI" dirty="0"/>
+              <a:t> </a:t>
+            </a:r>
+            <a:r>
+              <a:rPr lang="fi-FI" dirty="0" err="1"/>
+              <a:t>average</a:t>
+            </a:r>
+            <a:r>
+              <a:rPr lang="fi-FI" dirty="0"/>
+              <a:t> for </a:t>
+            </a:r>
+            <a:r>
+              <a:rPr lang="fi-FI" dirty="0" err="1"/>
+              <a:t>boomers</a:t>
+            </a:r>
+            <a:r>
+              <a:rPr lang="fi-FI" dirty="0"/>
+              <a:t> is 1.9 and for </a:t>
+            </a:r>
+            <a:r>
+              <a:rPr lang="fi-FI" dirty="0" err="1"/>
+              <a:t>Gen</a:t>
+            </a:r>
+            <a:r>
+              <a:rPr lang="fi-FI" dirty="0"/>
+              <a:t> Z is 1.83</a:t>
+            </a:r>
+          </a:p>
+          <a:p>
+            <a:pPr lvl="1"/>
+            <a:r>
+              <a:rPr lang="fi-FI" dirty="0" err="1"/>
+              <a:t>The</a:t>
+            </a:r>
+            <a:r>
+              <a:rPr lang="fi-FI" dirty="0"/>
+              <a:t> </a:t>
+            </a:r>
+            <a:r>
+              <a:rPr lang="fi-FI" dirty="0" err="1"/>
+              <a:t>average</a:t>
+            </a:r>
+            <a:r>
+              <a:rPr lang="fi-FI" dirty="0"/>
+              <a:t> </a:t>
+            </a:r>
+            <a:r>
+              <a:rPr lang="fi-FI" dirty="0" err="1"/>
+              <a:t>income</a:t>
+            </a:r>
+            <a:r>
+              <a:rPr lang="fi-FI" dirty="0"/>
+              <a:t> for </a:t>
+            </a:r>
+            <a:r>
+              <a:rPr lang="fi-FI" dirty="0" err="1"/>
+              <a:t>boomers</a:t>
+            </a:r>
+            <a:r>
+              <a:rPr lang="fi-FI" dirty="0"/>
+              <a:t> is 71.35 and for </a:t>
+            </a:r>
+            <a:r>
+              <a:rPr lang="fi-FI" dirty="0" err="1"/>
+              <a:t>Gen</a:t>
+            </a:r>
+            <a:r>
+              <a:rPr lang="fi-FI" dirty="0"/>
+              <a:t> Z 78.58</a:t>
+            </a:r>
+          </a:p>
+          <a:p>
+            <a:r>
+              <a:rPr lang="fi-FI" dirty="0"/>
+              <a:t>No </a:t>
+            </a:r>
+            <a:r>
+              <a:rPr lang="fi-FI" dirty="0" err="1"/>
+              <a:t>significant</a:t>
+            </a:r>
+            <a:r>
+              <a:rPr lang="fi-FI" dirty="0"/>
+              <a:t> </a:t>
+            </a:r>
+            <a:r>
+              <a:rPr lang="fi-FI" dirty="0" err="1"/>
+              <a:t>difference</a:t>
+            </a:r>
+            <a:r>
+              <a:rPr lang="fi-FI" dirty="0"/>
+              <a:t>, </a:t>
+            </a:r>
+            <a:r>
+              <a:rPr lang="fi-FI" dirty="0" err="1"/>
+              <a:t>hypothesis</a:t>
+            </a:r>
+            <a:r>
+              <a:rPr lang="fi-FI" dirty="0"/>
+              <a:t> </a:t>
+            </a:r>
+            <a:r>
+              <a:rPr lang="fi-FI" dirty="0" err="1"/>
+              <a:t>was</a:t>
+            </a:r>
+            <a:r>
+              <a:rPr lang="fi-FI" dirty="0"/>
+              <a:t> </a:t>
+            </a:r>
+            <a:r>
+              <a:rPr lang="fi-FI" dirty="0" err="1"/>
+              <a:t>proven</a:t>
             </a:r>
             <a:r>
               <a:rPr lang="fi-FI" dirty="0"/>
@@ -5863,265 +6740,10 @@
               <a:rPr lang="fi-FI" dirty="0" err="1"/>
               <a:t>wrong</a:t>
             </a:r>
-            <a:endParaRPr lang="fi-FI" dirty="0"/>
-          </a:p>
-          <a:p>
-            <a:r>
-              <a:rPr lang="fi-FI" dirty="0"/>
-              <a:t>Some of </a:t>
-            </a:r>
-            <a:r>
-              <a:rPr lang="fi-FI" dirty="0" err="1"/>
-              <a:t>the</a:t>
-            </a:r>
-            <a:r>
-              <a:rPr lang="fi-FI" dirty="0"/>
-              <a:t> </a:t>
-            </a:r>
-            <a:r>
-              <a:rPr lang="fi-FI" dirty="0" err="1"/>
-              <a:t>results</a:t>
-            </a:r>
-            <a:r>
-              <a:rPr lang="fi-FI" dirty="0"/>
-              <a:t> </a:t>
-            </a:r>
-            <a:r>
-              <a:rPr lang="fi-FI" dirty="0" err="1"/>
-              <a:t>were</a:t>
-            </a:r>
-            <a:r>
-              <a:rPr lang="fi-FI" dirty="0"/>
-              <a:t> </a:t>
-            </a:r>
-            <a:r>
-              <a:rPr lang="fi-FI" dirty="0" err="1"/>
-              <a:t>counter</a:t>
-            </a:r>
-            <a:r>
-              <a:rPr lang="fi-FI" dirty="0"/>
-              <a:t> </a:t>
-            </a:r>
-            <a:r>
-              <a:rPr lang="fi-FI" dirty="0" err="1"/>
-              <a:t>intuitive</a:t>
-            </a:r>
-            <a:endParaRPr lang="fi-FI" dirty="0"/>
-          </a:p>
-          <a:p>
-            <a:pPr lvl="1"/>
-            <a:r>
-              <a:rPr lang="fi-FI" dirty="0" err="1"/>
-              <a:t>Experience</a:t>
-            </a:r>
-            <a:r>
-              <a:rPr lang="fi-FI" dirty="0"/>
-              <a:t> </a:t>
-            </a:r>
-            <a:r>
-              <a:rPr lang="fi-FI" dirty="0" err="1"/>
-              <a:t>does</a:t>
-            </a:r>
-            <a:r>
-              <a:rPr lang="fi-FI" dirty="0"/>
-              <a:t> </a:t>
-            </a:r>
-            <a:r>
-              <a:rPr lang="fi-FI" dirty="0" err="1"/>
-              <a:t>not</a:t>
-            </a:r>
-            <a:r>
-              <a:rPr lang="fi-FI" dirty="0"/>
-              <a:t> </a:t>
-            </a:r>
-            <a:r>
-              <a:rPr lang="fi-FI" dirty="0" err="1"/>
-              <a:t>correlate</a:t>
-            </a:r>
-            <a:r>
-              <a:rPr lang="fi-FI" dirty="0"/>
-              <a:t> </a:t>
-            </a:r>
-            <a:r>
-              <a:rPr lang="fi-FI" dirty="0" err="1"/>
-              <a:t>with</a:t>
-            </a:r>
-            <a:r>
-              <a:rPr lang="fi-FI" dirty="0"/>
-              <a:t> </a:t>
-            </a:r>
-            <a:r>
-              <a:rPr lang="fi-FI" dirty="0" err="1"/>
-              <a:t>higher</a:t>
-            </a:r>
-            <a:r>
-              <a:rPr lang="fi-FI" dirty="0"/>
-              <a:t> </a:t>
-            </a:r>
-            <a:r>
-              <a:rPr lang="fi-FI" dirty="0" err="1"/>
-              <a:t>income</a:t>
-            </a:r>
-            <a:endParaRPr lang="fi-FI" dirty="0"/>
-          </a:p>
-          <a:p>
-            <a:pPr lvl="1"/>
-            <a:r>
-              <a:rPr lang="fi-FI" dirty="0" err="1"/>
-              <a:t>Overwhelming</a:t>
-            </a:r>
-            <a:r>
-              <a:rPr lang="fi-FI" dirty="0"/>
-              <a:t> </a:t>
-            </a:r>
-            <a:r>
-              <a:rPr lang="fi-FI" dirty="0" err="1"/>
-              <a:t>majority</a:t>
-            </a:r>
-            <a:r>
-              <a:rPr lang="fi-FI" dirty="0"/>
-              <a:t> of </a:t>
-            </a:r>
-            <a:r>
-              <a:rPr lang="fi-FI" dirty="0" err="1"/>
-              <a:t>personal</a:t>
-            </a:r>
-            <a:r>
-              <a:rPr lang="fi-FI" dirty="0"/>
-              <a:t> loan </a:t>
-            </a:r>
-            <a:r>
-              <a:rPr lang="fi-FI" dirty="0" err="1"/>
-              <a:t>takers</a:t>
-            </a:r>
-            <a:r>
-              <a:rPr lang="fi-FI" dirty="0"/>
-              <a:t> </a:t>
-            </a:r>
-            <a:r>
-              <a:rPr lang="fi-FI" dirty="0" err="1"/>
-              <a:t>had</a:t>
-            </a:r>
-            <a:r>
-              <a:rPr lang="fi-FI" dirty="0"/>
-              <a:t> </a:t>
-            </a:r>
-            <a:r>
-              <a:rPr lang="fi-FI" dirty="0" err="1"/>
-              <a:t>high</a:t>
-            </a:r>
-            <a:r>
-              <a:rPr lang="fi-FI" dirty="0"/>
-              <a:t> </a:t>
-            </a:r>
-            <a:r>
-              <a:rPr lang="fi-FI" dirty="0" err="1"/>
-              <a:t>salary</a:t>
-            </a:r>
-            <a:endParaRPr lang="fi-FI" dirty="0"/>
-          </a:p>
-          <a:p>
-            <a:r>
-              <a:rPr lang="fi-FI" dirty="0"/>
-              <a:t>As a side </a:t>
-            </a:r>
-            <a:r>
-              <a:rPr lang="fi-FI" dirty="0" err="1"/>
-              <a:t>effect</a:t>
-            </a:r>
-            <a:r>
-              <a:rPr lang="fi-FI" dirty="0"/>
-              <a:t> it </a:t>
-            </a:r>
-            <a:r>
-              <a:rPr lang="fi-FI" dirty="0" err="1"/>
-              <a:t>was</a:t>
-            </a:r>
-            <a:r>
-              <a:rPr lang="fi-FI" dirty="0"/>
-              <a:t> </a:t>
-            </a:r>
-            <a:r>
-              <a:rPr lang="fi-FI" dirty="0" err="1"/>
-              <a:t>noted</a:t>
-            </a:r>
-            <a:r>
-              <a:rPr lang="fi-FI" dirty="0"/>
-              <a:t> </a:t>
-            </a:r>
-            <a:r>
-              <a:rPr lang="fi-FI" dirty="0" err="1"/>
-              <a:t>that</a:t>
-            </a:r>
-            <a:r>
-              <a:rPr lang="fi-FI" dirty="0"/>
-              <a:t> </a:t>
-            </a:r>
-            <a:r>
-              <a:rPr lang="fi-FI" dirty="0" err="1"/>
-              <a:t>only</a:t>
-            </a:r>
-            <a:r>
-              <a:rPr lang="fi-FI" dirty="0"/>
-              <a:t> </a:t>
-            </a:r>
-            <a:r>
-              <a:rPr lang="fi-FI" dirty="0" err="1"/>
-              <a:t>about</a:t>
-            </a:r>
-            <a:r>
-              <a:rPr lang="fi-FI" dirty="0"/>
-              <a:t> 60% </a:t>
-            </a:r>
-            <a:r>
-              <a:rPr lang="fi-FI" dirty="0" err="1"/>
-              <a:t>regardless</a:t>
-            </a:r>
-            <a:r>
-              <a:rPr lang="fi-FI" dirty="0"/>
-              <a:t> of </a:t>
-            </a:r>
-            <a:r>
-              <a:rPr lang="fi-FI" dirty="0" err="1"/>
-              <a:t>age</a:t>
-            </a:r>
-            <a:r>
-              <a:rPr lang="fi-FI" dirty="0"/>
-              <a:t> </a:t>
-            </a:r>
-            <a:r>
-              <a:rPr lang="fi-FI" dirty="0" err="1"/>
-              <a:t>used</a:t>
-            </a:r>
-            <a:r>
-              <a:rPr lang="fi-FI" dirty="0"/>
-              <a:t> </a:t>
-            </a:r>
-            <a:r>
-              <a:rPr lang="fi-FI" dirty="0" err="1"/>
-              <a:t>online</a:t>
-            </a:r>
-            <a:r>
-              <a:rPr lang="fi-FI" dirty="0"/>
-              <a:t> </a:t>
-            </a:r>
-            <a:r>
-              <a:rPr lang="fi-FI" dirty="0" err="1"/>
-              <a:t>banking</a:t>
-            </a:r>
-            <a:r>
-              <a:rPr lang="fi-FI" dirty="0"/>
-              <a:t> </a:t>
-            </a:r>
-            <a:r>
-              <a:rPr lang="fi-FI" dirty="0" err="1"/>
-              <a:t>services</a:t>
-            </a:r>
-            <a:endParaRPr lang="fi-FI" dirty="0"/>
-          </a:p>
-          <a:p>
-            <a:pPr lvl="1"/>
-            <a:endParaRPr lang="fi-FI" dirty="0"/>
+            <a:r>
+              <a:rPr lang="fi-FI"/>
+              <a:t>.</a:t>
+            </a:r>
           </a:p>
           <a:p>
             <a:endParaRPr lang="fi-FI" dirty="0"/>
@@ -6131,7 +6753,7 @@
     </p:spTree>
     <p:extLst>
       <p:ext uri="{BB962C8B-B14F-4D97-AF65-F5344CB8AC3E}">
-        <p14:creationId xmlns:p14="http://schemas.microsoft.com/office/powerpoint/2010/main" val="798252907"/>
+        <p14:creationId xmlns:p14="http://schemas.microsoft.com/office/powerpoint/2010/main" val="1043321534"/>
       </p:ext>
     </p:extLst>
   </p:cSld>
